--- a/golang_tl.pptx
+++ b/golang_tl.pptx
@@ -5,7 +5,7 @@
     <p:sldMasterId id="2147483876" r:id="rId1"/>
   </p:sldMasterIdLst>
   <p:notesMasterIdLst>
-    <p:notesMasterId r:id="rId34"/>
+    <p:notesMasterId r:id="rId35"/>
   </p:notesMasterIdLst>
   <p:sldIdLst>
     <p:sldId id="256" r:id="rId2"/>
@@ -40,6 +40,7 @@
     <p:sldId id="288" r:id="rId31"/>
     <p:sldId id="281" r:id="rId32"/>
     <p:sldId id="284" r:id="rId33"/>
+    <p:sldId id="291" r:id="rId34"/>
   </p:sldIdLst>
   <p:sldSz cx="9144000" cy="6858000" type="screen4x3"/>
   <p:notesSz cx="6858000" cy="9144000"/>
@@ -157,6 +158,4777 @@
 </p:presentation>
 </file>
 
+<file path=ppt/diagrams/colors1.xml><?xml version="1.0" encoding="utf-8"?>
+<dgm:colorsDef xmlns:dgm="http://schemas.openxmlformats.org/drawingml/2006/diagram" xmlns:a="http://schemas.openxmlformats.org/drawingml/2006/main" uniqueId="urn:microsoft.com/office/officeart/2005/8/colors/colorful1">
+  <dgm:title val=""/>
+  <dgm:desc val=""/>
+  <dgm:catLst>
+    <dgm:cat type="colorful" pri="10100"/>
+  </dgm:catLst>
+  <dgm:styleLbl name="node0">
+    <dgm:fillClrLst meth="repeat">
+      <a:schemeClr val="accent1"/>
+    </dgm:fillClrLst>
+    <dgm:linClrLst meth="repeat">
+      <a:schemeClr val="lt1"/>
+    </dgm:linClrLst>
+    <dgm:effectClrLst/>
+    <dgm:txLinClrLst/>
+    <dgm:txFillClrLst/>
+    <dgm:txEffectClrLst/>
+  </dgm:styleLbl>
+  <dgm:styleLbl name="node1">
+    <dgm:fillClrLst meth="repeat">
+      <a:schemeClr val="accent2"/>
+      <a:schemeClr val="accent3"/>
+      <a:schemeClr val="accent4"/>
+      <a:schemeClr val="accent5"/>
+      <a:schemeClr val="accent6"/>
+    </dgm:fillClrLst>
+    <dgm:linClrLst meth="repeat">
+      <a:schemeClr val="lt1"/>
+    </dgm:linClrLst>
+    <dgm:effectClrLst/>
+    <dgm:txLinClrLst/>
+    <dgm:txFillClrLst/>
+    <dgm:txEffectClrLst/>
+  </dgm:styleLbl>
+  <dgm:styleLbl name="alignNode1">
+    <dgm:fillClrLst meth="repeat">
+      <a:schemeClr val="accent2"/>
+      <a:schemeClr val="accent3"/>
+      <a:schemeClr val="accent4"/>
+      <a:schemeClr val="accent5"/>
+      <a:schemeClr val="accent6"/>
+    </dgm:fillClrLst>
+    <dgm:linClrLst meth="repeat">
+      <a:schemeClr val="accent2"/>
+      <a:schemeClr val="accent3"/>
+      <a:schemeClr val="accent4"/>
+      <a:schemeClr val="accent5"/>
+      <a:schemeClr val="accent6"/>
+    </dgm:linClrLst>
+    <dgm:effectClrLst/>
+    <dgm:txLinClrLst/>
+    <dgm:txFillClrLst/>
+    <dgm:txEffectClrLst/>
+  </dgm:styleLbl>
+  <dgm:styleLbl name="lnNode1">
+    <dgm:fillClrLst meth="repeat">
+      <a:schemeClr val="accent2"/>
+      <a:schemeClr val="accent3"/>
+      <a:schemeClr val="accent4"/>
+      <a:schemeClr val="accent5"/>
+      <a:schemeClr val="accent6"/>
+    </dgm:fillClrLst>
+    <dgm:linClrLst meth="repeat">
+      <a:schemeClr val="lt1"/>
+    </dgm:linClrLst>
+    <dgm:effectClrLst/>
+    <dgm:txLinClrLst/>
+    <dgm:txFillClrLst/>
+    <dgm:txEffectClrLst/>
+  </dgm:styleLbl>
+  <dgm:styleLbl name="vennNode1">
+    <dgm:fillClrLst meth="repeat">
+      <a:schemeClr val="accent2">
+        <a:alpha val="50000"/>
+      </a:schemeClr>
+      <a:schemeClr val="accent3">
+        <a:alpha val="50000"/>
+      </a:schemeClr>
+      <a:schemeClr val="accent4">
+        <a:alpha val="50000"/>
+      </a:schemeClr>
+      <a:schemeClr val="accent5">
+        <a:alpha val="50000"/>
+      </a:schemeClr>
+      <a:schemeClr val="accent6">
+        <a:alpha val="50000"/>
+      </a:schemeClr>
+    </dgm:fillClrLst>
+    <dgm:linClrLst meth="repeat">
+      <a:schemeClr val="lt1"/>
+    </dgm:linClrLst>
+    <dgm:effectClrLst/>
+    <dgm:txLinClrLst/>
+    <dgm:txFillClrLst/>
+    <dgm:txEffectClrLst/>
+  </dgm:styleLbl>
+  <dgm:styleLbl name="node2">
+    <dgm:fillClrLst>
+      <a:schemeClr val="accent2"/>
+    </dgm:fillClrLst>
+    <dgm:linClrLst meth="repeat">
+      <a:schemeClr val="lt1"/>
+    </dgm:linClrLst>
+    <dgm:effectClrLst/>
+    <dgm:txLinClrLst/>
+    <dgm:txFillClrLst/>
+    <dgm:txEffectClrLst/>
+  </dgm:styleLbl>
+  <dgm:styleLbl name="node3">
+    <dgm:fillClrLst>
+      <a:schemeClr val="accent3"/>
+    </dgm:fillClrLst>
+    <dgm:linClrLst meth="repeat">
+      <a:schemeClr val="lt1"/>
+    </dgm:linClrLst>
+    <dgm:effectClrLst/>
+    <dgm:txLinClrLst/>
+    <dgm:txFillClrLst/>
+    <dgm:txEffectClrLst/>
+  </dgm:styleLbl>
+  <dgm:styleLbl name="node4">
+    <dgm:fillClrLst>
+      <a:schemeClr val="accent4"/>
+    </dgm:fillClrLst>
+    <dgm:linClrLst meth="repeat">
+      <a:schemeClr val="lt1"/>
+    </dgm:linClrLst>
+    <dgm:effectClrLst/>
+    <dgm:txLinClrLst/>
+    <dgm:txFillClrLst/>
+    <dgm:txEffectClrLst/>
+  </dgm:styleLbl>
+  <dgm:styleLbl name="fgImgPlace1">
+    <dgm:fillClrLst meth="repeat">
+      <a:schemeClr val="accent2">
+        <a:tint val="50000"/>
+      </a:schemeClr>
+      <a:schemeClr val="accent3">
+        <a:tint val="50000"/>
+      </a:schemeClr>
+      <a:schemeClr val="accent4">
+        <a:tint val="50000"/>
+      </a:schemeClr>
+      <a:schemeClr val="accent5">
+        <a:tint val="50000"/>
+      </a:schemeClr>
+      <a:schemeClr val="accent6">
+        <a:tint val="50000"/>
+      </a:schemeClr>
+    </dgm:fillClrLst>
+    <dgm:linClrLst meth="repeat">
+      <a:schemeClr val="lt1"/>
+    </dgm:linClrLst>
+    <dgm:effectClrLst/>
+    <dgm:txLinClrLst/>
+    <dgm:txFillClrLst meth="repeat">
+      <a:schemeClr val="lt1"/>
+    </dgm:txFillClrLst>
+    <dgm:txEffectClrLst/>
+  </dgm:styleLbl>
+  <dgm:styleLbl name="alignImgPlace1">
+    <dgm:fillClrLst>
+      <a:schemeClr val="accent1">
+        <a:tint val="50000"/>
+      </a:schemeClr>
+      <a:schemeClr val="accent2">
+        <a:tint val="20000"/>
+      </a:schemeClr>
+    </dgm:fillClrLst>
+    <dgm:linClrLst meth="repeat">
+      <a:schemeClr val="lt1"/>
+    </dgm:linClrLst>
+    <dgm:effectClrLst/>
+    <dgm:txLinClrLst/>
+    <dgm:txFillClrLst meth="repeat">
+      <a:schemeClr val="lt1"/>
+    </dgm:txFillClrLst>
+    <dgm:txEffectClrLst/>
+  </dgm:styleLbl>
+  <dgm:styleLbl name="bgImgPlace1">
+    <dgm:fillClrLst>
+      <a:schemeClr val="accent1">
+        <a:tint val="50000"/>
+      </a:schemeClr>
+      <a:schemeClr val="accent2">
+        <a:tint val="20000"/>
+      </a:schemeClr>
+    </dgm:fillClrLst>
+    <dgm:linClrLst meth="repeat">
+      <a:schemeClr val="lt1"/>
+    </dgm:linClrLst>
+    <dgm:effectClrLst/>
+    <dgm:txLinClrLst/>
+    <dgm:txFillClrLst meth="repeat">
+      <a:schemeClr val="lt1"/>
+    </dgm:txFillClrLst>
+    <dgm:txEffectClrLst/>
+  </dgm:styleLbl>
+  <dgm:styleLbl name="sibTrans2D1">
+    <dgm:fillClrLst meth="repeat">
+      <a:schemeClr val="accent2"/>
+      <a:schemeClr val="accent3"/>
+      <a:schemeClr val="accent4"/>
+      <a:schemeClr val="accent5"/>
+      <a:schemeClr val="accent6"/>
+    </dgm:fillClrLst>
+    <dgm:linClrLst meth="cycle">
+      <a:schemeClr val="lt1"/>
+    </dgm:linClrLst>
+    <dgm:effectClrLst/>
+    <dgm:txLinClrLst/>
+    <dgm:txFillClrLst/>
+    <dgm:txEffectClrLst/>
+  </dgm:styleLbl>
+  <dgm:styleLbl name="fgSibTrans2D1">
+    <dgm:fillClrLst meth="repeat">
+      <a:schemeClr val="accent2"/>
+      <a:schemeClr val="accent3"/>
+      <a:schemeClr val="accent4"/>
+      <a:schemeClr val="accent5"/>
+      <a:schemeClr val="accent6"/>
+    </dgm:fillClrLst>
+    <dgm:linClrLst meth="cycle">
+      <a:schemeClr val="lt1"/>
+    </dgm:linClrLst>
+    <dgm:effectClrLst/>
+    <dgm:txLinClrLst/>
+    <dgm:txFillClrLst meth="repeat">
+      <a:schemeClr val="lt1"/>
+    </dgm:txFillClrLst>
+    <dgm:txEffectClrLst/>
+  </dgm:styleLbl>
+  <dgm:styleLbl name="bgSibTrans2D1">
+    <dgm:fillClrLst meth="repeat">
+      <a:schemeClr val="accent2"/>
+      <a:schemeClr val="accent3"/>
+      <a:schemeClr val="accent4"/>
+      <a:schemeClr val="accent5"/>
+      <a:schemeClr val="accent6"/>
+    </dgm:fillClrLst>
+    <dgm:linClrLst meth="cycle">
+      <a:schemeClr val="lt1"/>
+    </dgm:linClrLst>
+    <dgm:effectClrLst/>
+    <dgm:txLinClrLst/>
+    <dgm:txFillClrLst meth="repeat">
+      <a:schemeClr val="lt1"/>
+    </dgm:txFillClrLst>
+    <dgm:txEffectClrLst/>
+  </dgm:styleLbl>
+  <dgm:styleLbl name="sibTrans1D1">
+    <dgm:fillClrLst meth="repeat">
+      <a:schemeClr val="accent2"/>
+      <a:schemeClr val="accent3"/>
+      <a:schemeClr val="accent4"/>
+      <a:schemeClr val="accent5"/>
+      <a:schemeClr val="accent6"/>
+    </dgm:fillClrLst>
+    <dgm:linClrLst meth="repeat">
+      <a:schemeClr val="accent2"/>
+      <a:schemeClr val="accent3"/>
+      <a:schemeClr val="accent4"/>
+      <a:schemeClr val="accent5"/>
+      <a:schemeClr val="accent6"/>
+    </dgm:linClrLst>
+    <dgm:effectClrLst/>
+    <dgm:txLinClrLst/>
+    <dgm:txFillClrLst meth="repeat">
+      <a:schemeClr val="tx1"/>
+    </dgm:txFillClrLst>
+    <dgm:txEffectClrLst/>
+  </dgm:styleLbl>
+  <dgm:styleLbl name="callout">
+    <dgm:fillClrLst meth="repeat">
+      <a:schemeClr val="accent2"/>
+    </dgm:fillClrLst>
+    <dgm:linClrLst meth="repeat">
+      <a:schemeClr val="accent2">
+        <a:tint val="50000"/>
+      </a:schemeClr>
+    </dgm:linClrLst>
+    <dgm:effectClrLst/>
+    <dgm:txLinClrLst/>
+    <dgm:txFillClrLst meth="repeat">
+      <a:schemeClr val="tx1"/>
+    </dgm:txFillClrLst>
+    <dgm:txEffectClrLst/>
+  </dgm:styleLbl>
+  <dgm:styleLbl name="asst0">
+    <dgm:fillClrLst meth="repeat">
+      <a:schemeClr val="accent1"/>
+    </dgm:fillClrLst>
+    <dgm:linClrLst meth="repeat">
+      <a:schemeClr val="lt1"/>
+    </dgm:linClrLst>
+    <dgm:effectClrLst/>
+    <dgm:txLinClrLst/>
+    <dgm:txFillClrLst/>
+    <dgm:txEffectClrLst/>
+  </dgm:styleLbl>
+  <dgm:styleLbl name="asst1">
+    <dgm:fillClrLst meth="repeat">
+      <a:schemeClr val="accent2"/>
+    </dgm:fillClrLst>
+    <dgm:linClrLst meth="repeat">
+      <a:schemeClr val="lt1"/>
+    </dgm:linClrLst>
+    <dgm:effectClrLst/>
+    <dgm:txLinClrLst/>
+    <dgm:txFillClrLst/>
+    <dgm:txEffectClrLst/>
+  </dgm:styleLbl>
+  <dgm:styleLbl name="asst2">
+    <dgm:fillClrLst>
+      <a:schemeClr val="accent3"/>
+    </dgm:fillClrLst>
+    <dgm:linClrLst meth="repeat">
+      <a:schemeClr val="lt1"/>
+    </dgm:linClrLst>
+    <dgm:effectClrLst/>
+    <dgm:txLinClrLst/>
+    <dgm:txFillClrLst/>
+    <dgm:txEffectClrLst/>
+  </dgm:styleLbl>
+  <dgm:styleLbl name="asst3">
+    <dgm:fillClrLst>
+      <a:schemeClr val="accent4"/>
+    </dgm:fillClrLst>
+    <dgm:linClrLst meth="repeat">
+      <a:schemeClr val="lt1"/>
+    </dgm:linClrLst>
+    <dgm:effectClrLst/>
+    <dgm:txLinClrLst/>
+    <dgm:txFillClrLst/>
+    <dgm:txEffectClrLst/>
+  </dgm:styleLbl>
+  <dgm:styleLbl name="asst4">
+    <dgm:fillClrLst>
+      <a:schemeClr val="accent5"/>
+    </dgm:fillClrLst>
+    <dgm:linClrLst meth="repeat">
+      <a:schemeClr val="lt1"/>
+    </dgm:linClrLst>
+    <dgm:effectClrLst/>
+    <dgm:txLinClrLst/>
+    <dgm:txFillClrLst/>
+    <dgm:txEffectClrLst/>
+  </dgm:styleLbl>
+  <dgm:styleLbl name="parChTrans2D1">
+    <dgm:fillClrLst meth="repeat">
+      <a:schemeClr val="accent2"/>
+    </dgm:fillClrLst>
+    <dgm:linClrLst meth="repeat">
+      <a:schemeClr val="lt1"/>
+    </dgm:linClrLst>
+    <dgm:effectClrLst/>
+    <dgm:txLinClrLst/>
+    <dgm:txFillClrLst meth="repeat">
+      <a:schemeClr val="lt1"/>
+    </dgm:txFillClrLst>
+    <dgm:txEffectClrLst/>
+  </dgm:styleLbl>
+  <dgm:styleLbl name="parChTrans2D2">
+    <dgm:fillClrLst meth="repeat">
+      <a:schemeClr val="accent3"/>
+    </dgm:fillClrLst>
+    <dgm:linClrLst meth="repeat">
+      <a:schemeClr val="lt1"/>
+    </dgm:linClrLst>
+    <dgm:effectClrLst/>
+    <dgm:txLinClrLst/>
+    <dgm:txFillClrLst/>
+    <dgm:txEffectClrLst/>
+  </dgm:styleLbl>
+  <dgm:styleLbl name="parChTrans2D3">
+    <dgm:fillClrLst meth="repeat">
+      <a:schemeClr val="accent4"/>
+    </dgm:fillClrLst>
+    <dgm:linClrLst meth="repeat">
+      <a:schemeClr val="lt1"/>
+    </dgm:linClrLst>
+    <dgm:effectClrLst/>
+    <dgm:txLinClrLst/>
+    <dgm:txFillClrLst/>
+    <dgm:txEffectClrLst/>
+  </dgm:styleLbl>
+  <dgm:styleLbl name="parChTrans2D4">
+    <dgm:fillClrLst meth="repeat">
+      <a:schemeClr val="accent5"/>
+    </dgm:fillClrLst>
+    <dgm:linClrLst meth="repeat">
+      <a:schemeClr val="lt1"/>
+    </dgm:linClrLst>
+    <dgm:effectClrLst/>
+    <dgm:txLinClrLst/>
+    <dgm:txFillClrLst meth="repeat">
+      <a:schemeClr val="lt1"/>
+    </dgm:txFillClrLst>
+    <dgm:txEffectClrLst/>
+  </dgm:styleLbl>
+  <dgm:styleLbl name="parChTrans1D1">
+    <dgm:fillClrLst meth="repeat">
+      <a:schemeClr val="accent2"/>
+    </dgm:fillClrLst>
+    <dgm:linClrLst meth="repeat">
+      <a:schemeClr val="accent1"/>
+    </dgm:linClrLst>
+    <dgm:effectClrLst/>
+    <dgm:txLinClrLst/>
+    <dgm:txFillClrLst meth="repeat">
+      <a:schemeClr val="tx1"/>
+    </dgm:txFillClrLst>
+    <dgm:txEffectClrLst/>
+  </dgm:styleLbl>
+  <dgm:styleLbl name="parChTrans1D2">
+    <dgm:fillClrLst meth="repeat">
+      <a:schemeClr val="accent3">
+        <a:tint val="90000"/>
+      </a:schemeClr>
+    </dgm:fillClrLst>
+    <dgm:linClrLst meth="repeat">
+      <a:schemeClr val="accent2"/>
+    </dgm:linClrLst>
+    <dgm:effectClrLst/>
+    <dgm:txLinClrLst/>
+    <dgm:txFillClrLst meth="repeat">
+      <a:schemeClr val="tx1"/>
+    </dgm:txFillClrLst>
+    <dgm:txEffectClrLst/>
+  </dgm:styleLbl>
+  <dgm:styleLbl name="parChTrans1D3">
+    <dgm:fillClrLst meth="repeat">
+      <a:schemeClr val="accent4">
+        <a:tint val="70000"/>
+      </a:schemeClr>
+    </dgm:fillClrLst>
+    <dgm:linClrLst meth="repeat">
+      <a:schemeClr val="accent3"/>
+    </dgm:linClrLst>
+    <dgm:effectClrLst/>
+    <dgm:txLinClrLst/>
+    <dgm:txFillClrLst meth="repeat">
+      <a:schemeClr val="tx1"/>
+    </dgm:txFillClrLst>
+    <dgm:txEffectClrLst/>
+  </dgm:styleLbl>
+  <dgm:styleLbl name="parChTrans1D4">
+    <dgm:fillClrLst meth="repeat">
+      <a:schemeClr val="accent5">
+        <a:tint val="50000"/>
+      </a:schemeClr>
+    </dgm:fillClrLst>
+    <dgm:linClrLst meth="repeat">
+      <a:schemeClr val="accent4"/>
+    </dgm:linClrLst>
+    <dgm:effectClrLst/>
+    <dgm:txLinClrLst/>
+    <dgm:txFillClrLst meth="repeat">
+      <a:schemeClr val="tx1"/>
+    </dgm:txFillClrLst>
+    <dgm:txEffectClrLst/>
+  </dgm:styleLbl>
+  <dgm:styleLbl name="fgAcc1">
+    <dgm:fillClrLst meth="repeat">
+      <a:schemeClr val="lt1">
+        <a:alpha val="90000"/>
+      </a:schemeClr>
+    </dgm:fillClrLst>
+    <dgm:linClrLst meth="repeat">
+      <a:schemeClr val="accent2"/>
+      <a:schemeClr val="accent3"/>
+      <a:schemeClr val="accent4"/>
+      <a:schemeClr val="accent5"/>
+      <a:schemeClr val="accent6"/>
+    </dgm:linClrLst>
+    <dgm:effectClrLst/>
+    <dgm:txLinClrLst/>
+    <dgm:txFillClrLst meth="repeat">
+      <a:schemeClr val="dk1"/>
+    </dgm:txFillClrLst>
+    <dgm:txEffectClrLst/>
+  </dgm:styleLbl>
+  <dgm:styleLbl name="conFgAcc1">
+    <dgm:fillClrLst meth="repeat">
+      <a:schemeClr val="lt1">
+        <a:alpha val="90000"/>
+      </a:schemeClr>
+    </dgm:fillClrLst>
+    <dgm:linClrLst meth="repeat">
+      <a:schemeClr val="accent2"/>
+      <a:schemeClr val="accent3"/>
+      <a:schemeClr val="accent4"/>
+      <a:schemeClr val="accent5"/>
+      <a:schemeClr val="accent6"/>
+    </dgm:linClrLst>
+    <dgm:effectClrLst/>
+    <dgm:txLinClrLst/>
+    <dgm:txFillClrLst meth="repeat">
+      <a:schemeClr val="dk1"/>
+    </dgm:txFillClrLst>
+    <dgm:txEffectClrLst/>
+  </dgm:styleLbl>
+  <dgm:styleLbl name="alignAcc1">
+    <dgm:fillClrLst meth="repeat">
+      <a:schemeClr val="lt1">
+        <a:alpha val="90000"/>
+      </a:schemeClr>
+    </dgm:fillClrLst>
+    <dgm:linClrLst meth="repeat">
+      <a:schemeClr val="accent2"/>
+      <a:schemeClr val="accent3"/>
+      <a:schemeClr val="accent4"/>
+      <a:schemeClr val="accent5"/>
+      <a:schemeClr val="accent6"/>
+    </dgm:linClrLst>
+    <dgm:effectClrLst/>
+    <dgm:txLinClrLst/>
+    <dgm:txFillClrLst meth="repeat">
+      <a:schemeClr val="dk1"/>
+    </dgm:txFillClrLst>
+    <dgm:txEffectClrLst/>
+  </dgm:styleLbl>
+  <dgm:styleLbl name="trAlignAcc1">
+    <dgm:fillClrLst meth="repeat">
+      <a:schemeClr val="lt1">
+        <a:alpha val="40000"/>
+      </a:schemeClr>
+    </dgm:fillClrLst>
+    <dgm:linClrLst meth="repeat">
+      <a:schemeClr val="accent1"/>
+    </dgm:linClrLst>
+    <dgm:effectClrLst/>
+    <dgm:txLinClrLst/>
+    <dgm:txFillClrLst meth="repeat">
+      <a:schemeClr val="dk1"/>
+    </dgm:txFillClrLst>
+    <dgm:txEffectClrLst/>
+  </dgm:styleLbl>
+  <dgm:styleLbl name="bgAcc1">
+    <dgm:fillClrLst meth="repeat">
+      <a:schemeClr val="lt1">
+        <a:alpha val="90000"/>
+      </a:schemeClr>
+    </dgm:fillClrLst>
+    <dgm:linClrLst meth="repeat">
+      <a:schemeClr val="accent2"/>
+      <a:schemeClr val="accent3"/>
+      <a:schemeClr val="accent4"/>
+      <a:schemeClr val="accent5"/>
+      <a:schemeClr val="accent6"/>
+    </dgm:linClrLst>
+    <dgm:effectClrLst/>
+    <dgm:txLinClrLst/>
+    <dgm:txFillClrLst meth="repeat">
+      <a:schemeClr val="dk1"/>
+    </dgm:txFillClrLst>
+    <dgm:txEffectClrLst/>
+  </dgm:styleLbl>
+  <dgm:styleLbl name="solidFgAcc1">
+    <dgm:fillClrLst meth="repeat">
+      <a:schemeClr val="lt1"/>
+    </dgm:fillClrLst>
+    <dgm:linClrLst meth="repeat">
+      <a:schemeClr val="accent2"/>
+      <a:schemeClr val="accent3"/>
+      <a:schemeClr val="accent4"/>
+      <a:schemeClr val="accent5"/>
+      <a:schemeClr val="accent6"/>
+    </dgm:linClrLst>
+    <dgm:effectClrLst/>
+    <dgm:txLinClrLst/>
+    <dgm:txFillClrLst meth="repeat">
+      <a:schemeClr val="dk1"/>
+    </dgm:txFillClrLst>
+    <dgm:txEffectClrLst/>
+  </dgm:styleLbl>
+  <dgm:styleLbl name="solidAlignAcc1">
+    <dgm:fillClrLst meth="repeat">
+      <a:schemeClr val="lt1"/>
+    </dgm:fillClrLst>
+    <dgm:linClrLst meth="repeat">
+      <a:schemeClr val="accent2"/>
+      <a:schemeClr val="accent3"/>
+      <a:schemeClr val="accent4"/>
+      <a:schemeClr val="accent5"/>
+      <a:schemeClr val="accent6"/>
+    </dgm:linClrLst>
+    <dgm:effectClrLst/>
+    <dgm:txLinClrLst/>
+    <dgm:txFillClrLst meth="repeat">
+      <a:schemeClr val="dk1"/>
+    </dgm:txFillClrLst>
+    <dgm:txEffectClrLst/>
+  </dgm:styleLbl>
+  <dgm:styleLbl name="solidBgAcc1">
+    <dgm:fillClrLst meth="repeat">
+      <a:schemeClr val="lt1"/>
+    </dgm:fillClrLst>
+    <dgm:linClrLst meth="repeat">
+      <a:schemeClr val="accent2"/>
+      <a:schemeClr val="accent3"/>
+      <a:schemeClr val="accent4"/>
+      <a:schemeClr val="accent5"/>
+      <a:schemeClr val="accent6"/>
+    </dgm:linClrLst>
+    <dgm:effectClrLst/>
+    <dgm:txLinClrLst/>
+    <dgm:txFillClrLst meth="repeat">
+      <a:schemeClr val="dk1"/>
+    </dgm:txFillClrLst>
+    <dgm:txEffectClrLst/>
+  </dgm:styleLbl>
+  <dgm:styleLbl name="fgAccFollowNode1">
+    <dgm:fillClrLst meth="repeat">
+      <a:schemeClr val="accent2">
+        <a:tint val="40000"/>
+        <a:alpha val="90000"/>
+      </a:schemeClr>
+      <a:schemeClr val="accent3">
+        <a:tint val="40000"/>
+        <a:alpha val="90000"/>
+      </a:schemeClr>
+      <a:schemeClr val="accent4">
+        <a:tint val="40000"/>
+        <a:alpha val="90000"/>
+      </a:schemeClr>
+      <a:schemeClr val="accent5">
+        <a:tint val="40000"/>
+        <a:alpha val="90000"/>
+      </a:schemeClr>
+      <a:schemeClr val="accent6">
+        <a:tint val="40000"/>
+        <a:alpha val="90000"/>
+      </a:schemeClr>
+    </dgm:fillClrLst>
+    <dgm:linClrLst meth="repeat">
+      <a:schemeClr val="accent2">
+        <a:tint val="40000"/>
+        <a:alpha val="90000"/>
+      </a:schemeClr>
+      <a:schemeClr val="accent3">
+        <a:tint val="40000"/>
+        <a:alpha val="90000"/>
+      </a:schemeClr>
+      <a:schemeClr val="accent4">
+        <a:tint val="40000"/>
+        <a:alpha val="90000"/>
+      </a:schemeClr>
+      <a:schemeClr val="accent5">
+        <a:tint val="40000"/>
+        <a:alpha val="90000"/>
+      </a:schemeClr>
+      <a:schemeClr val="accent6">
+        <a:tint val="40000"/>
+        <a:alpha val="90000"/>
+      </a:schemeClr>
+    </dgm:linClrLst>
+    <dgm:effectClrLst/>
+    <dgm:txLinClrLst/>
+    <dgm:txFillClrLst meth="repeat">
+      <a:schemeClr val="dk1"/>
+    </dgm:txFillClrLst>
+    <dgm:txEffectClrLst/>
+  </dgm:styleLbl>
+  <dgm:styleLbl name="alignAccFollowNode1">
+    <dgm:fillClrLst meth="repeat">
+      <a:schemeClr val="accent2">
+        <a:tint val="40000"/>
+        <a:alpha val="90000"/>
+      </a:schemeClr>
+      <a:schemeClr val="accent3">
+        <a:tint val="40000"/>
+        <a:alpha val="90000"/>
+      </a:schemeClr>
+      <a:schemeClr val="accent4">
+        <a:tint val="40000"/>
+        <a:alpha val="90000"/>
+      </a:schemeClr>
+      <a:schemeClr val="accent5">
+        <a:tint val="40000"/>
+        <a:alpha val="90000"/>
+      </a:schemeClr>
+      <a:schemeClr val="accent6">
+        <a:tint val="40000"/>
+        <a:alpha val="90000"/>
+      </a:schemeClr>
+    </dgm:fillClrLst>
+    <dgm:linClrLst meth="repeat">
+      <a:schemeClr val="accent2">
+        <a:tint val="40000"/>
+        <a:alpha val="90000"/>
+      </a:schemeClr>
+      <a:schemeClr val="accent3">
+        <a:tint val="40000"/>
+        <a:alpha val="90000"/>
+      </a:schemeClr>
+      <a:schemeClr val="accent4">
+        <a:tint val="40000"/>
+        <a:alpha val="90000"/>
+      </a:schemeClr>
+      <a:schemeClr val="accent5">
+        <a:tint val="40000"/>
+        <a:alpha val="90000"/>
+      </a:schemeClr>
+      <a:schemeClr val="accent6">
+        <a:tint val="40000"/>
+        <a:alpha val="90000"/>
+      </a:schemeClr>
+    </dgm:linClrLst>
+    <dgm:effectClrLst/>
+    <dgm:txLinClrLst/>
+    <dgm:txFillClrLst meth="repeat">
+      <a:schemeClr val="dk1"/>
+    </dgm:txFillClrLst>
+    <dgm:txEffectClrLst/>
+  </dgm:styleLbl>
+  <dgm:styleLbl name="bgAccFollowNode1">
+    <dgm:fillClrLst meth="repeat">
+      <a:schemeClr val="accent2">
+        <a:tint val="40000"/>
+        <a:alpha val="90000"/>
+      </a:schemeClr>
+      <a:schemeClr val="accent3">
+        <a:tint val="40000"/>
+        <a:alpha val="90000"/>
+      </a:schemeClr>
+      <a:schemeClr val="accent4">
+        <a:tint val="40000"/>
+        <a:alpha val="90000"/>
+      </a:schemeClr>
+      <a:schemeClr val="accent5">
+        <a:tint val="40000"/>
+        <a:alpha val="90000"/>
+      </a:schemeClr>
+      <a:schemeClr val="accent6">
+        <a:tint val="40000"/>
+        <a:alpha val="90000"/>
+      </a:schemeClr>
+    </dgm:fillClrLst>
+    <dgm:linClrLst meth="repeat">
+      <a:schemeClr val="accent2">
+        <a:tint val="40000"/>
+        <a:alpha val="90000"/>
+      </a:schemeClr>
+      <a:schemeClr val="accent3">
+        <a:tint val="40000"/>
+        <a:alpha val="90000"/>
+      </a:schemeClr>
+      <a:schemeClr val="accent4">
+        <a:tint val="40000"/>
+        <a:alpha val="90000"/>
+      </a:schemeClr>
+      <a:schemeClr val="accent5">
+        <a:tint val="40000"/>
+        <a:alpha val="90000"/>
+      </a:schemeClr>
+      <a:schemeClr val="accent6">
+        <a:tint val="40000"/>
+        <a:alpha val="90000"/>
+      </a:schemeClr>
+    </dgm:linClrLst>
+    <dgm:effectClrLst/>
+    <dgm:txLinClrLst/>
+    <dgm:txFillClrLst meth="repeat">
+      <a:schemeClr val="dk1"/>
+    </dgm:txFillClrLst>
+    <dgm:txEffectClrLst/>
+  </dgm:styleLbl>
+  <dgm:styleLbl name="fgAcc0">
+    <dgm:fillClrLst meth="repeat">
+      <a:schemeClr val="lt1">
+        <a:alpha val="90000"/>
+      </a:schemeClr>
+    </dgm:fillClrLst>
+    <dgm:linClrLst>
+      <a:schemeClr val="accent1"/>
+    </dgm:linClrLst>
+    <dgm:effectClrLst/>
+    <dgm:txLinClrLst/>
+    <dgm:txFillClrLst meth="repeat">
+      <a:schemeClr val="dk1"/>
+    </dgm:txFillClrLst>
+    <dgm:txEffectClrLst/>
+  </dgm:styleLbl>
+  <dgm:styleLbl name="fgAcc2">
+    <dgm:fillClrLst meth="repeat">
+      <a:schemeClr val="lt1">
+        <a:alpha val="90000"/>
+      </a:schemeClr>
+    </dgm:fillClrLst>
+    <dgm:linClrLst>
+      <a:schemeClr val="accent2"/>
+    </dgm:linClrLst>
+    <dgm:effectClrLst/>
+    <dgm:txLinClrLst/>
+    <dgm:txFillClrLst meth="repeat">
+      <a:schemeClr val="dk1"/>
+    </dgm:txFillClrLst>
+    <dgm:txEffectClrLst/>
+  </dgm:styleLbl>
+  <dgm:styleLbl name="fgAcc3">
+    <dgm:fillClrLst meth="repeat">
+      <a:schemeClr val="lt1">
+        <a:alpha val="90000"/>
+      </a:schemeClr>
+    </dgm:fillClrLst>
+    <dgm:linClrLst>
+      <a:schemeClr val="accent3"/>
+    </dgm:linClrLst>
+    <dgm:effectClrLst/>
+    <dgm:txLinClrLst/>
+    <dgm:txFillClrLst meth="repeat">
+      <a:schemeClr val="dk1"/>
+    </dgm:txFillClrLst>
+    <dgm:txEffectClrLst/>
+  </dgm:styleLbl>
+  <dgm:styleLbl name="fgAcc4">
+    <dgm:fillClrLst meth="repeat">
+      <a:schemeClr val="lt1">
+        <a:alpha val="90000"/>
+      </a:schemeClr>
+    </dgm:fillClrLst>
+    <dgm:linClrLst>
+      <a:schemeClr val="accent4"/>
+    </dgm:linClrLst>
+    <dgm:effectClrLst/>
+    <dgm:txLinClrLst/>
+    <dgm:txFillClrLst meth="repeat">
+      <a:schemeClr val="dk1"/>
+    </dgm:txFillClrLst>
+    <dgm:txEffectClrLst/>
+  </dgm:styleLbl>
+  <dgm:styleLbl name="bgShp">
+    <dgm:fillClrLst meth="repeat">
+      <a:schemeClr val="accent2">
+        <a:tint val="40000"/>
+      </a:schemeClr>
+    </dgm:fillClrLst>
+    <dgm:linClrLst meth="repeat">
+      <a:schemeClr val="dk1"/>
+    </dgm:linClrLst>
+    <dgm:effectClrLst/>
+    <dgm:txLinClrLst/>
+    <dgm:txFillClrLst meth="repeat">
+      <a:schemeClr val="dk1"/>
+    </dgm:txFillClrLst>
+    <dgm:txEffectClrLst/>
+  </dgm:styleLbl>
+  <dgm:styleLbl name="dkBgShp">
+    <dgm:fillClrLst meth="repeat">
+      <a:schemeClr val="accent2">
+        <a:shade val="90000"/>
+      </a:schemeClr>
+    </dgm:fillClrLst>
+    <dgm:linClrLst meth="repeat">
+      <a:schemeClr val="dk1"/>
+    </dgm:linClrLst>
+    <dgm:effectClrLst/>
+    <dgm:txLinClrLst/>
+    <dgm:txFillClrLst meth="repeat">
+      <a:schemeClr val="lt1"/>
+    </dgm:txFillClrLst>
+    <dgm:txEffectClrLst/>
+  </dgm:styleLbl>
+  <dgm:styleLbl name="trBgShp">
+    <dgm:fillClrLst meth="repeat">
+      <a:schemeClr val="accent1">
+        <a:tint val="50000"/>
+        <a:alpha val="40000"/>
+      </a:schemeClr>
+    </dgm:fillClrLst>
+    <dgm:linClrLst meth="repeat">
+      <a:schemeClr val="accent2"/>
+    </dgm:linClrLst>
+    <dgm:effectClrLst/>
+    <dgm:txLinClrLst/>
+    <dgm:txFillClrLst meth="repeat">
+      <a:schemeClr val="lt1"/>
+    </dgm:txFillClrLst>
+    <dgm:txEffectClrLst/>
+  </dgm:styleLbl>
+  <dgm:styleLbl name="fgShp">
+    <dgm:fillClrLst meth="repeat">
+      <a:schemeClr val="accent2">
+        <a:tint val="40000"/>
+      </a:schemeClr>
+    </dgm:fillClrLst>
+    <dgm:linClrLst meth="repeat">
+      <a:schemeClr val="lt1"/>
+    </dgm:linClrLst>
+    <dgm:effectClrLst/>
+    <dgm:txLinClrLst/>
+    <dgm:txFillClrLst meth="repeat">
+      <a:schemeClr val="dk1"/>
+    </dgm:txFillClrLst>
+    <dgm:txEffectClrLst/>
+  </dgm:styleLbl>
+  <dgm:styleLbl name="revTx">
+    <dgm:fillClrLst meth="repeat">
+      <a:schemeClr val="lt1">
+        <a:alpha val="0"/>
+      </a:schemeClr>
+    </dgm:fillClrLst>
+    <dgm:linClrLst meth="repeat">
+      <a:schemeClr val="dk1">
+        <a:alpha val="0"/>
+      </a:schemeClr>
+    </dgm:linClrLst>
+    <dgm:effectClrLst/>
+    <dgm:txLinClrLst/>
+    <dgm:txFillClrLst meth="repeat">
+      <a:schemeClr val="tx1"/>
+    </dgm:txFillClrLst>
+    <dgm:txEffectClrLst/>
+  </dgm:styleLbl>
+</dgm:colorsDef>
+</file>
+
+<file path=ppt/diagrams/data1.xml><?xml version="1.0" encoding="utf-8"?>
+<dgm:dataModel xmlns:dgm="http://schemas.openxmlformats.org/drawingml/2006/diagram" xmlns:a="http://schemas.openxmlformats.org/drawingml/2006/main">
+  <dgm:ptLst>
+    <dgm:pt modelId="{59B1189D-9183-475F-A1F4-EA53071ED673}" type="doc">
+      <dgm:prSet loTypeId="urn:microsoft.com/office/officeart/2008/layout/NameandTitleOrganizationalChart" loCatId="hierarchy" qsTypeId="urn:microsoft.com/office/officeart/2005/8/quickstyle/3d3" qsCatId="3D" csTypeId="urn:microsoft.com/office/officeart/2005/8/colors/colorful1" csCatId="colorful" phldr="1"/>
+      <dgm:spPr/>
+      <dgm:t>
+        <a:bodyPr/>
+        <a:lstStyle/>
+        <a:p>
+          <a:endParaRPr lang="fr-FR"/>
+        </a:p>
+      </dgm:t>
+    </dgm:pt>
+    <dgm:pt modelId="{450D31EC-3623-4E81-9A99-7485A9D17416}">
+      <dgm:prSet phldrT="[Texte]"/>
+      <dgm:spPr/>
+      <dgm:t>
+        <a:bodyPr/>
+        <a:lstStyle/>
+        <a:p>
+          <a:r>
+            <a:rPr lang="fr-FR" dirty="0" smtClean="0"/>
+            <a:t>Batch</a:t>
+          </a:r>
+          <a:endParaRPr lang="fr-FR" dirty="0"/>
+        </a:p>
+      </dgm:t>
+    </dgm:pt>
+    <dgm:pt modelId="{13123A58-CEDD-433C-88BC-4D7EC7C524AD}" type="parTrans" cxnId="{61F724F5-AC3B-4B20-A918-902AB684B81C}">
+      <dgm:prSet/>
+      <dgm:spPr/>
+      <dgm:t>
+        <a:bodyPr/>
+        <a:lstStyle/>
+        <a:p>
+          <a:endParaRPr lang="fr-FR"/>
+        </a:p>
+      </dgm:t>
+    </dgm:pt>
+    <dgm:pt modelId="{388AF2CD-75A7-4E4C-985D-5B0BB623892A}" type="sibTrans" cxnId="{61F724F5-AC3B-4B20-A918-902AB684B81C}">
+      <dgm:prSet/>
+      <dgm:spPr/>
+      <dgm:t>
+        <a:bodyPr/>
+        <a:lstStyle/>
+        <a:p>
+          <a:r>
+            <a:rPr lang="fr-FR" dirty="0" smtClean="0"/>
+            <a:t>N = 10</a:t>
+          </a:r>
+          <a:endParaRPr lang="fr-FR" dirty="0"/>
+        </a:p>
+      </dgm:t>
+    </dgm:pt>
+    <dgm:pt modelId="{030340C0-465A-42B2-876B-651465F99941}" type="asst">
+      <dgm:prSet phldrT="[Texte]" custT="1"/>
+      <dgm:spPr/>
+      <dgm:t>
+        <a:bodyPr/>
+        <a:lstStyle/>
+        <a:p>
+          <a:r>
+            <a:rPr lang="fr-FR" sz="3200" dirty="0" smtClean="0"/>
+            <a:t>Calcul local</a:t>
+          </a:r>
+          <a:endParaRPr lang="fr-FR" sz="3200" dirty="0"/>
+        </a:p>
+      </dgm:t>
+    </dgm:pt>
+    <dgm:pt modelId="{46E5AE9B-E235-4426-8BEF-5AB52C0C3F32}" type="parTrans" cxnId="{16A756E8-715E-444E-A974-00A89758FE17}">
+      <dgm:prSet/>
+      <dgm:spPr/>
+      <dgm:t>
+        <a:bodyPr/>
+        <a:lstStyle/>
+        <a:p>
+          <a:endParaRPr lang="fr-FR"/>
+        </a:p>
+      </dgm:t>
+    </dgm:pt>
+    <dgm:pt modelId="{A6B89FEC-0547-4B7B-BF52-97004AD4BB80}" type="sibTrans" cxnId="{16A756E8-715E-444E-A974-00A89758FE17}">
+      <dgm:prSet/>
+      <dgm:spPr>
+        <a:noFill/>
+        <a:ln>
+          <a:noFill/>
+        </a:ln>
+        <a:scene3d>
+          <a:camera prst="orthographicFront">
+            <a:rot lat="0" lon="0" rev="0"/>
+          </a:camera>
+          <a:lightRig rig="contrasting" dir="t">
+            <a:rot lat="0" lon="0" rev="1200000"/>
+          </a:lightRig>
+        </a:scene3d>
+        <a:sp3d z="300000" prstMaterial="metal">
+          <a:contourClr>
+            <a:schemeClr val="bg1"/>
+          </a:contourClr>
+        </a:sp3d>
+      </dgm:spPr>
+      <dgm:t>
+        <a:bodyPr/>
+        <a:lstStyle/>
+        <a:p>
+          <a:endParaRPr lang="fr-FR"/>
+        </a:p>
+      </dgm:t>
+    </dgm:pt>
+    <dgm:pt modelId="{38FEE7BE-11CE-417D-A438-FC4467A3CDC0}">
+      <dgm:prSet phldrT="[Texte]"/>
+      <dgm:spPr>
+        <a:solidFill>
+          <a:schemeClr val="accent3"/>
+        </a:solidFill>
+      </dgm:spPr>
+      <dgm:t>
+        <a:bodyPr/>
+        <a:lstStyle/>
+        <a:p>
+          <a:r>
+            <a:rPr lang="fr-FR" dirty="0" smtClean="0"/>
+            <a:t>Serveur 1</a:t>
+          </a:r>
+          <a:endParaRPr lang="fr-FR" dirty="0"/>
+        </a:p>
+      </dgm:t>
+    </dgm:pt>
+    <dgm:pt modelId="{E349BB34-43C5-4A59-A8F2-B6257BE92DA2}" type="parTrans" cxnId="{0A2E16DC-E9BE-46D2-9218-47179AA5CF46}">
+      <dgm:prSet/>
+      <dgm:spPr/>
+      <dgm:t>
+        <a:bodyPr/>
+        <a:lstStyle/>
+        <a:p>
+          <a:endParaRPr lang="fr-FR"/>
+        </a:p>
+      </dgm:t>
+    </dgm:pt>
+    <dgm:pt modelId="{6B06E86C-F56E-4579-89E9-98282CEC2CEB}" type="sibTrans" cxnId="{0A2E16DC-E9BE-46D2-9218-47179AA5CF46}">
+      <dgm:prSet/>
+      <dgm:spPr/>
+      <dgm:t>
+        <a:bodyPr/>
+        <a:lstStyle/>
+        <a:p>
+          <a:r>
+            <a:rPr lang="fr-FR" dirty="0" smtClean="0"/>
+            <a:t>Prefix1, latence</a:t>
+          </a:r>
+          <a:endParaRPr lang="fr-FR" dirty="0"/>
+        </a:p>
+      </dgm:t>
+    </dgm:pt>
+    <dgm:pt modelId="{1BD77B64-FBED-41E8-A6F3-8F1AD93F7B6E}">
+      <dgm:prSet phldrT="[Texte]"/>
+      <dgm:spPr/>
+      <dgm:t>
+        <a:bodyPr/>
+        <a:lstStyle/>
+        <a:p>
+          <a:r>
+            <a:rPr lang="fr-FR" dirty="0" smtClean="0"/>
+            <a:t>Serveur 2</a:t>
+          </a:r>
+          <a:endParaRPr lang="fr-FR" dirty="0"/>
+        </a:p>
+      </dgm:t>
+    </dgm:pt>
+    <dgm:pt modelId="{645334AC-B260-437D-AF9A-1666A01ACE12}" type="parTrans" cxnId="{9C2E18A5-7678-4AFB-AE84-75026099ACD2}">
+      <dgm:prSet/>
+      <dgm:spPr/>
+      <dgm:t>
+        <a:bodyPr/>
+        <a:lstStyle/>
+        <a:p>
+          <a:endParaRPr lang="fr-FR"/>
+        </a:p>
+      </dgm:t>
+    </dgm:pt>
+    <dgm:pt modelId="{070E5545-5913-4D3D-8422-17A75069E9E6}" type="sibTrans" cxnId="{9C2E18A5-7678-4AFB-AE84-75026099ACD2}">
+      <dgm:prSet/>
+      <dgm:spPr/>
+      <dgm:t>
+        <a:bodyPr/>
+        <a:lstStyle/>
+        <a:p>
+          <a:r>
+            <a:rPr lang="fr-FR" dirty="0" smtClean="0"/>
+            <a:t>Prefix2, latence</a:t>
+          </a:r>
+          <a:endParaRPr lang="fr-FR" dirty="0"/>
+        </a:p>
+      </dgm:t>
+    </dgm:pt>
+    <dgm:pt modelId="{5FB59A6D-90A2-4DAD-9B5E-67C1B0529D2C}" type="pres">
+      <dgm:prSet presAssocID="{59B1189D-9183-475F-A1F4-EA53071ED673}" presName="hierChild1" presStyleCnt="0">
+        <dgm:presLayoutVars>
+          <dgm:orgChart val="1"/>
+          <dgm:chPref val="1"/>
+          <dgm:dir/>
+          <dgm:animOne val="branch"/>
+          <dgm:animLvl val="lvl"/>
+          <dgm:resizeHandles/>
+        </dgm:presLayoutVars>
+      </dgm:prSet>
+      <dgm:spPr/>
+    </dgm:pt>
+    <dgm:pt modelId="{CA7EEE95-AE41-4433-9BD7-5F37DD574A70}" type="pres">
+      <dgm:prSet presAssocID="{450D31EC-3623-4E81-9A99-7485A9D17416}" presName="hierRoot1" presStyleCnt="0">
+        <dgm:presLayoutVars>
+          <dgm:hierBranch val="init"/>
+        </dgm:presLayoutVars>
+      </dgm:prSet>
+      <dgm:spPr/>
+    </dgm:pt>
+    <dgm:pt modelId="{4E4ED538-28CE-44EB-9214-D7B24EFB169C}" type="pres">
+      <dgm:prSet presAssocID="{450D31EC-3623-4E81-9A99-7485A9D17416}" presName="rootComposite1" presStyleCnt="0"/>
+      <dgm:spPr/>
+    </dgm:pt>
+    <dgm:pt modelId="{C3592E63-FE32-416A-B197-D171778DCA45}" type="pres">
+      <dgm:prSet presAssocID="{450D31EC-3623-4E81-9A99-7485A9D17416}" presName="rootText1" presStyleLbl="node0" presStyleIdx="0" presStyleCnt="1" custScaleX="136073">
+        <dgm:presLayoutVars>
+          <dgm:chMax/>
+          <dgm:chPref val="3"/>
+        </dgm:presLayoutVars>
+      </dgm:prSet>
+      <dgm:spPr/>
+      <dgm:t>
+        <a:bodyPr/>
+        <a:lstStyle/>
+        <a:p>
+          <a:endParaRPr lang="fr-FR"/>
+        </a:p>
+      </dgm:t>
+    </dgm:pt>
+    <dgm:pt modelId="{A711260E-67E4-4471-B461-5815620850E7}" type="pres">
+      <dgm:prSet presAssocID="{450D31EC-3623-4E81-9A99-7485A9D17416}" presName="titleText1" presStyleLbl="fgAcc0" presStyleIdx="0" presStyleCnt="1" custScaleX="70326" custScaleY="103393">
+        <dgm:presLayoutVars>
+          <dgm:chMax val="0"/>
+          <dgm:chPref val="0"/>
+        </dgm:presLayoutVars>
+      </dgm:prSet>
+      <dgm:spPr/>
+      <dgm:t>
+        <a:bodyPr/>
+        <a:lstStyle/>
+        <a:p>
+          <a:endParaRPr lang="fr-FR"/>
+        </a:p>
+      </dgm:t>
+    </dgm:pt>
+    <dgm:pt modelId="{56BD1448-AC5D-49CD-9EFD-5791223FD48B}" type="pres">
+      <dgm:prSet presAssocID="{450D31EC-3623-4E81-9A99-7485A9D17416}" presName="rootConnector1" presStyleLbl="node1" presStyleIdx="0" presStyleCnt="2"/>
+      <dgm:spPr/>
+    </dgm:pt>
+    <dgm:pt modelId="{4BA6D23A-604B-4752-9A3E-D2C7A3A99772}" type="pres">
+      <dgm:prSet presAssocID="{450D31EC-3623-4E81-9A99-7485A9D17416}" presName="hierChild2" presStyleCnt="0"/>
+      <dgm:spPr/>
+    </dgm:pt>
+    <dgm:pt modelId="{82E22146-F5F7-46AF-ABBF-05D04DD63036}" type="pres">
+      <dgm:prSet presAssocID="{E349BB34-43C5-4A59-A8F2-B6257BE92DA2}" presName="Name37" presStyleLbl="parChTrans1D2" presStyleIdx="0" presStyleCnt="3"/>
+      <dgm:spPr/>
+    </dgm:pt>
+    <dgm:pt modelId="{B45F3853-A27E-4640-A261-5DA24B2807A8}" type="pres">
+      <dgm:prSet presAssocID="{38FEE7BE-11CE-417D-A438-FC4467A3CDC0}" presName="hierRoot2" presStyleCnt="0">
+        <dgm:presLayoutVars>
+          <dgm:hierBranch val="init"/>
+        </dgm:presLayoutVars>
+      </dgm:prSet>
+      <dgm:spPr/>
+    </dgm:pt>
+    <dgm:pt modelId="{7B5638E3-F03F-4369-91FB-D7EC39CCD485}" type="pres">
+      <dgm:prSet presAssocID="{38FEE7BE-11CE-417D-A438-FC4467A3CDC0}" presName="rootComposite" presStyleCnt="0"/>
+      <dgm:spPr/>
+    </dgm:pt>
+    <dgm:pt modelId="{981C5618-1261-4FF3-96DF-342EF83B9938}" type="pres">
+      <dgm:prSet presAssocID="{38FEE7BE-11CE-417D-A438-FC4467A3CDC0}" presName="rootText" presStyleLbl="node1" presStyleIdx="0" presStyleCnt="2" custScaleX="207609">
+        <dgm:presLayoutVars>
+          <dgm:chMax/>
+          <dgm:chPref val="3"/>
+        </dgm:presLayoutVars>
+      </dgm:prSet>
+      <dgm:spPr/>
+    </dgm:pt>
+    <dgm:pt modelId="{60542175-75D3-4A93-B599-7FB7D77FA8DC}" type="pres">
+      <dgm:prSet presAssocID="{38FEE7BE-11CE-417D-A438-FC4467A3CDC0}" presName="titleText2" presStyleLbl="fgAcc1" presStyleIdx="0" presStyleCnt="2">
+        <dgm:presLayoutVars>
+          <dgm:chMax val="0"/>
+          <dgm:chPref val="0"/>
+        </dgm:presLayoutVars>
+      </dgm:prSet>
+      <dgm:spPr/>
+    </dgm:pt>
+    <dgm:pt modelId="{8355B419-D8CA-4F69-8D79-099ABAF577D1}" type="pres">
+      <dgm:prSet presAssocID="{38FEE7BE-11CE-417D-A438-FC4467A3CDC0}" presName="rootConnector" presStyleLbl="node2" presStyleIdx="0" presStyleCnt="0"/>
+      <dgm:spPr/>
+    </dgm:pt>
+    <dgm:pt modelId="{490550D2-099B-4D76-8CAB-B63FC76621E9}" type="pres">
+      <dgm:prSet presAssocID="{38FEE7BE-11CE-417D-A438-FC4467A3CDC0}" presName="hierChild4" presStyleCnt="0"/>
+      <dgm:spPr/>
+    </dgm:pt>
+    <dgm:pt modelId="{F3315962-5E2F-49CE-93AC-FA82291DFB4D}" type="pres">
+      <dgm:prSet presAssocID="{38FEE7BE-11CE-417D-A438-FC4467A3CDC0}" presName="hierChild5" presStyleCnt="0"/>
+      <dgm:spPr/>
+    </dgm:pt>
+    <dgm:pt modelId="{CB16594B-2351-49B7-A10A-808656A609BE}" type="pres">
+      <dgm:prSet presAssocID="{645334AC-B260-437D-AF9A-1666A01ACE12}" presName="Name37" presStyleLbl="parChTrans1D2" presStyleIdx="1" presStyleCnt="3"/>
+      <dgm:spPr/>
+    </dgm:pt>
+    <dgm:pt modelId="{59CE8302-5091-491A-84CD-1977CB563359}" type="pres">
+      <dgm:prSet presAssocID="{1BD77B64-FBED-41E8-A6F3-8F1AD93F7B6E}" presName="hierRoot2" presStyleCnt="0">
+        <dgm:presLayoutVars>
+          <dgm:hierBranch val="init"/>
+        </dgm:presLayoutVars>
+      </dgm:prSet>
+      <dgm:spPr/>
+    </dgm:pt>
+    <dgm:pt modelId="{A65346DF-5350-401B-84EA-26BE0B191159}" type="pres">
+      <dgm:prSet presAssocID="{1BD77B64-FBED-41E8-A6F3-8F1AD93F7B6E}" presName="rootComposite" presStyleCnt="0"/>
+      <dgm:spPr/>
+    </dgm:pt>
+    <dgm:pt modelId="{723971F3-53E7-491C-9CCF-39D7814BE345}" type="pres">
+      <dgm:prSet presAssocID="{1BD77B64-FBED-41E8-A6F3-8F1AD93F7B6E}" presName="rootText" presStyleLbl="node1" presStyleIdx="1" presStyleCnt="2" custScaleX="173781">
+        <dgm:presLayoutVars>
+          <dgm:chMax/>
+          <dgm:chPref val="3"/>
+        </dgm:presLayoutVars>
+      </dgm:prSet>
+      <dgm:spPr/>
+    </dgm:pt>
+    <dgm:pt modelId="{E043E861-506B-43E6-9E99-C09F77841AC1}" type="pres">
+      <dgm:prSet presAssocID="{1BD77B64-FBED-41E8-A6F3-8F1AD93F7B6E}" presName="titleText2" presStyleLbl="fgAcc1" presStyleIdx="1" presStyleCnt="2">
+        <dgm:presLayoutVars>
+          <dgm:chMax val="0"/>
+          <dgm:chPref val="0"/>
+        </dgm:presLayoutVars>
+      </dgm:prSet>
+      <dgm:spPr/>
+      <dgm:t>
+        <a:bodyPr/>
+        <a:lstStyle/>
+        <a:p>
+          <a:endParaRPr lang="fr-FR"/>
+        </a:p>
+      </dgm:t>
+    </dgm:pt>
+    <dgm:pt modelId="{2820064B-1964-4C62-83E7-67F5C2DAB58A}" type="pres">
+      <dgm:prSet presAssocID="{1BD77B64-FBED-41E8-A6F3-8F1AD93F7B6E}" presName="rootConnector" presStyleLbl="node2" presStyleIdx="0" presStyleCnt="0"/>
+      <dgm:spPr/>
+    </dgm:pt>
+    <dgm:pt modelId="{25087534-EE0A-48CC-A3BD-FAED4E164FEE}" type="pres">
+      <dgm:prSet presAssocID="{1BD77B64-FBED-41E8-A6F3-8F1AD93F7B6E}" presName="hierChild4" presStyleCnt="0"/>
+      <dgm:spPr/>
+    </dgm:pt>
+    <dgm:pt modelId="{293197C0-33CA-47F1-92F5-1304573C0216}" type="pres">
+      <dgm:prSet presAssocID="{1BD77B64-FBED-41E8-A6F3-8F1AD93F7B6E}" presName="hierChild5" presStyleCnt="0"/>
+      <dgm:spPr/>
+    </dgm:pt>
+    <dgm:pt modelId="{224AB5B7-F50E-4D6D-8A84-329E1D65D4FA}" type="pres">
+      <dgm:prSet presAssocID="{450D31EC-3623-4E81-9A99-7485A9D17416}" presName="hierChild3" presStyleCnt="0"/>
+      <dgm:spPr/>
+    </dgm:pt>
+    <dgm:pt modelId="{4FBC0DF4-1CF9-4D87-A1E1-B814EE5F2232}" type="pres">
+      <dgm:prSet presAssocID="{46E5AE9B-E235-4426-8BEF-5AB52C0C3F32}" presName="Name96" presStyleLbl="parChTrans1D2" presStyleIdx="2" presStyleCnt="3"/>
+      <dgm:spPr/>
+    </dgm:pt>
+    <dgm:pt modelId="{779EF1DF-ACD3-40EC-B301-4CEDED71846A}" type="pres">
+      <dgm:prSet presAssocID="{030340C0-465A-42B2-876B-651465F99941}" presName="hierRoot3" presStyleCnt="0">
+        <dgm:presLayoutVars>
+          <dgm:hierBranch val="init"/>
+        </dgm:presLayoutVars>
+      </dgm:prSet>
+      <dgm:spPr/>
+    </dgm:pt>
+    <dgm:pt modelId="{F3A0C31B-A384-43E2-A187-39075435ADA5}" type="pres">
+      <dgm:prSet presAssocID="{030340C0-465A-42B2-876B-651465F99941}" presName="rootComposite3" presStyleCnt="0"/>
+      <dgm:spPr/>
+    </dgm:pt>
+    <dgm:pt modelId="{B6DE2FCB-61C6-43D5-8FD0-DBA06AD18F75}" type="pres">
+      <dgm:prSet presAssocID="{030340C0-465A-42B2-876B-651465F99941}" presName="rootText3" presStyleLbl="asst1" presStyleIdx="0" presStyleCnt="1" custScaleX="190695" custScaleY="86276" custLinFactNeighborX="-4434" custLinFactNeighborY="-3766">
+        <dgm:presLayoutVars>
+          <dgm:chPref val="3"/>
+        </dgm:presLayoutVars>
+      </dgm:prSet>
+      <dgm:spPr/>
+    </dgm:pt>
+    <dgm:pt modelId="{74796C4E-3D39-48A7-B776-6B85D0A7874E}" type="pres">
+      <dgm:prSet presAssocID="{030340C0-465A-42B2-876B-651465F99941}" presName="titleText3" presStyleLbl="fgAcc2" presStyleIdx="0" presStyleCnt="1" custFlipHor="1" custScaleX="87317" custScaleY="404193" custLinFactX="100000" custLinFactY="-100000" custLinFactNeighborX="150631" custLinFactNeighborY="-102849">
+        <dgm:presLayoutVars>
+          <dgm:chMax val="0"/>
+          <dgm:chPref val="0"/>
+        </dgm:presLayoutVars>
+      </dgm:prSet>
+      <dgm:spPr/>
+    </dgm:pt>
+    <dgm:pt modelId="{699A994D-2CCB-4821-A5FF-3BA17ED9CE41}" type="pres">
+      <dgm:prSet presAssocID="{030340C0-465A-42B2-876B-651465F99941}" presName="rootConnector3" presStyleLbl="asst1" presStyleIdx="0" presStyleCnt="1"/>
+      <dgm:spPr/>
+    </dgm:pt>
+    <dgm:pt modelId="{157BE5E7-3E50-4ACD-9CE0-ABCB0C9F9577}" type="pres">
+      <dgm:prSet presAssocID="{030340C0-465A-42B2-876B-651465F99941}" presName="hierChild6" presStyleCnt="0"/>
+      <dgm:spPr/>
+    </dgm:pt>
+    <dgm:pt modelId="{E5577E53-0F3A-4268-88E6-5385946AB65F}" type="pres">
+      <dgm:prSet presAssocID="{030340C0-465A-42B2-876B-651465F99941}" presName="hierChild7" presStyleCnt="0"/>
+      <dgm:spPr/>
+    </dgm:pt>
+  </dgm:ptLst>
+  <dgm:cxnLst>
+    <dgm:cxn modelId="{D805E6DC-D9B9-43F9-A149-78DE9FC5C2CB}" type="presOf" srcId="{59B1189D-9183-475F-A1F4-EA53071ED673}" destId="{5FB59A6D-90A2-4DAD-9B5E-67C1B0529D2C}" srcOrd="0" destOrd="0" presId="urn:microsoft.com/office/officeart/2008/layout/NameandTitleOrganizationalChart"/>
+    <dgm:cxn modelId="{179E1F82-7337-4975-96E0-BE98924AC83E}" type="presOf" srcId="{450D31EC-3623-4E81-9A99-7485A9D17416}" destId="{56BD1448-AC5D-49CD-9EFD-5791223FD48B}" srcOrd="1" destOrd="0" presId="urn:microsoft.com/office/officeart/2008/layout/NameandTitleOrganizationalChart"/>
+    <dgm:cxn modelId="{E204C6F3-B6D7-40AB-AC66-8CA73D47BD34}" type="presOf" srcId="{E349BB34-43C5-4A59-A8F2-B6257BE92DA2}" destId="{82E22146-F5F7-46AF-ABBF-05D04DD63036}" srcOrd="0" destOrd="0" presId="urn:microsoft.com/office/officeart/2008/layout/NameandTitleOrganizationalChart"/>
+    <dgm:cxn modelId="{D2F78074-E6DA-450F-BF68-9C76ACF46138}" type="presOf" srcId="{030340C0-465A-42B2-876B-651465F99941}" destId="{B6DE2FCB-61C6-43D5-8FD0-DBA06AD18F75}" srcOrd="0" destOrd="0" presId="urn:microsoft.com/office/officeart/2008/layout/NameandTitleOrganizationalChart"/>
+    <dgm:cxn modelId="{9C2E18A5-7678-4AFB-AE84-75026099ACD2}" srcId="{450D31EC-3623-4E81-9A99-7485A9D17416}" destId="{1BD77B64-FBED-41E8-A6F3-8F1AD93F7B6E}" srcOrd="2" destOrd="0" parTransId="{645334AC-B260-437D-AF9A-1666A01ACE12}" sibTransId="{070E5545-5913-4D3D-8422-17A75069E9E6}"/>
+    <dgm:cxn modelId="{92E3FAD6-9D11-473B-A8C9-3232E9FDBDF1}" type="presOf" srcId="{38FEE7BE-11CE-417D-A438-FC4467A3CDC0}" destId="{8355B419-D8CA-4F69-8D79-099ABAF577D1}" srcOrd="1" destOrd="0" presId="urn:microsoft.com/office/officeart/2008/layout/NameandTitleOrganizationalChart"/>
+    <dgm:cxn modelId="{57F2922D-DFD1-460D-A304-D355B515192E}" type="presOf" srcId="{388AF2CD-75A7-4E4C-985D-5B0BB623892A}" destId="{A711260E-67E4-4471-B461-5815620850E7}" srcOrd="0" destOrd="0" presId="urn:microsoft.com/office/officeart/2008/layout/NameandTitleOrganizationalChart"/>
+    <dgm:cxn modelId="{16A756E8-715E-444E-A974-00A89758FE17}" srcId="{450D31EC-3623-4E81-9A99-7485A9D17416}" destId="{030340C0-465A-42B2-876B-651465F99941}" srcOrd="0" destOrd="0" parTransId="{46E5AE9B-E235-4426-8BEF-5AB52C0C3F32}" sibTransId="{A6B89FEC-0547-4B7B-BF52-97004AD4BB80}"/>
+    <dgm:cxn modelId="{0A58D94D-8CCF-404E-9AEF-49F0C976FD0F}" type="presOf" srcId="{1BD77B64-FBED-41E8-A6F3-8F1AD93F7B6E}" destId="{2820064B-1964-4C62-83E7-67F5C2DAB58A}" srcOrd="1" destOrd="0" presId="urn:microsoft.com/office/officeart/2008/layout/NameandTitleOrganizationalChart"/>
+    <dgm:cxn modelId="{FBDEDE2D-A6F4-4C6C-858E-471D3E93F8C9}" type="presOf" srcId="{6B06E86C-F56E-4579-89E9-98282CEC2CEB}" destId="{60542175-75D3-4A93-B599-7FB7D77FA8DC}" srcOrd="0" destOrd="0" presId="urn:microsoft.com/office/officeart/2008/layout/NameandTitleOrganizationalChart"/>
+    <dgm:cxn modelId="{0A2E16DC-E9BE-46D2-9218-47179AA5CF46}" srcId="{450D31EC-3623-4E81-9A99-7485A9D17416}" destId="{38FEE7BE-11CE-417D-A438-FC4467A3CDC0}" srcOrd="1" destOrd="0" parTransId="{E349BB34-43C5-4A59-A8F2-B6257BE92DA2}" sibTransId="{6B06E86C-F56E-4579-89E9-98282CEC2CEB}"/>
+    <dgm:cxn modelId="{879E65F7-C140-44E7-9D42-7B45C1EAC883}" type="presOf" srcId="{450D31EC-3623-4E81-9A99-7485A9D17416}" destId="{C3592E63-FE32-416A-B197-D171778DCA45}" srcOrd="0" destOrd="0" presId="urn:microsoft.com/office/officeart/2008/layout/NameandTitleOrganizationalChart"/>
+    <dgm:cxn modelId="{70747F5F-82B0-4482-8D4E-BC2ED9354A6B}" type="presOf" srcId="{A6B89FEC-0547-4B7B-BF52-97004AD4BB80}" destId="{74796C4E-3D39-48A7-B776-6B85D0A7874E}" srcOrd="0" destOrd="0" presId="urn:microsoft.com/office/officeart/2008/layout/NameandTitleOrganizationalChart"/>
+    <dgm:cxn modelId="{1638F08E-8E39-4976-945F-FDBEBA6D66B8}" type="presOf" srcId="{46E5AE9B-E235-4426-8BEF-5AB52C0C3F32}" destId="{4FBC0DF4-1CF9-4D87-A1E1-B814EE5F2232}" srcOrd="0" destOrd="0" presId="urn:microsoft.com/office/officeart/2008/layout/NameandTitleOrganizationalChart"/>
+    <dgm:cxn modelId="{8E638BF4-E6B2-4578-A96A-8E9AF941DE47}" type="presOf" srcId="{38FEE7BE-11CE-417D-A438-FC4467A3CDC0}" destId="{981C5618-1261-4FF3-96DF-342EF83B9938}" srcOrd="0" destOrd="0" presId="urn:microsoft.com/office/officeart/2008/layout/NameandTitleOrganizationalChart"/>
+    <dgm:cxn modelId="{69214395-36D0-490B-9B08-5F1D1E8832B9}" type="presOf" srcId="{070E5545-5913-4D3D-8422-17A75069E9E6}" destId="{E043E861-506B-43E6-9E99-C09F77841AC1}" srcOrd="0" destOrd="0" presId="urn:microsoft.com/office/officeart/2008/layout/NameandTitleOrganizationalChart"/>
+    <dgm:cxn modelId="{81BFEC68-0D86-432C-BC1E-87927A479A3A}" type="presOf" srcId="{030340C0-465A-42B2-876B-651465F99941}" destId="{699A994D-2CCB-4821-A5FF-3BA17ED9CE41}" srcOrd="1" destOrd="0" presId="urn:microsoft.com/office/officeart/2008/layout/NameandTitleOrganizationalChart"/>
+    <dgm:cxn modelId="{61F724F5-AC3B-4B20-A918-902AB684B81C}" srcId="{59B1189D-9183-475F-A1F4-EA53071ED673}" destId="{450D31EC-3623-4E81-9A99-7485A9D17416}" srcOrd="0" destOrd="0" parTransId="{13123A58-CEDD-433C-88BC-4D7EC7C524AD}" sibTransId="{388AF2CD-75A7-4E4C-985D-5B0BB623892A}"/>
+    <dgm:cxn modelId="{6921B2D4-880F-4767-AF78-0B3930D3FE7D}" type="presOf" srcId="{1BD77B64-FBED-41E8-A6F3-8F1AD93F7B6E}" destId="{723971F3-53E7-491C-9CCF-39D7814BE345}" srcOrd="0" destOrd="0" presId="urn:microsoft.com/office/officeart/2008/layout/NameandTitleOrganizationalChart"/>
+    <dgm:cxn modelId="{F0169B97-5555-4EA9-889C-3703AE161546}" type="presOf" srcId="{645334AC-B260-437D-AF9A-1666A01ACE12}" destId="{CB16594B-2351-49B7-A10A-808656A609BE}" srcOrd="0" destOrd="0" presId="urn:microsoft.com/office/officeart/2008/layout/NameandTitleOrganizationalChart"/>
+    <dgm:cxn modelId="{542EB17F-3650-454D-B17A-2ADA73EE34D3}" type="presParOf" srcId="{5FB59A6D-90A2-4DAD-9B5E-67C1B0529D2C}" destId="{CA7EEE95-AE41-4433-9BD7-5F37DD574A70}" srcOrd="0" destOrd="0" presId="urn:microsoft.com/office/officeart/2008/layout/NameandTitleOrganizationalChart"/>
+    <dgm:cxn modelId="{A11E8DAD-8462-404D-8F0B-424B88857505}" type="presParOf" srcId="{CA7EEE95-AE41-4433-9BD7-5F37DD574A70}" destId="{4E4ED538-28CE-44EB-9214-D7B24EFB169C}" srcOrd="0" destOrd="0" presId="urn:microsoft.com/office/officeart/2008/layout/NameandTitleOrganizationalChart"/>
+    <dgm:cxn modelId="{987EC2AC-D054-4422-9E54-686A23E7EBB0}" type="presParOf" srcId="{4E4ED538-28CE-44EB-9214-D7B24EFB169C}" destId="{C3592E63-FE32-416A-B197-D171778DCA45}" srcOrd="0" destOrd="0" presId="urn:microsoft.com/office/officeart/2008/layout/NameandTitleOrganizationalChart"/>
+    <dgm:cxn modelId="{8964F0CE-F742-49D8-8D65-02918A43456C}" type="presParOf" srcId="{4E4ED538-28CE-44EB-9214-D7B24EFB169C}" destId="{A711260E-67E4-4471-B461-5815620850E7}" srcOrd="1" destOrd="0" presId="urn:microsoft.com/office/officeart/2008/layout/NameandTitleOrganizationalChart"/>
+    <dgm:cxn modelId="{CCCA2AE9-D89C-415B-BEBC-79FB0DC856D4}" type="presParOf" srcId="{4E4ED538-28CE-44EB-9214-D7B24EFB169C}" destId="{56BD1448-AC5D-49CD-9EFD-5791223FD48B}" srcOrd="2" destOrd="0" presId="urn:microsoft.com/office/officeart/2008/layout/NameandTitleOrganizationalChart"/>
+    <dgm:cxn modelId="{43E61B6F-AF7D-4BB1-87C7-86B35B9CA5C1}" type="presParOf" srcId="{CA7EEE95-AE41-4433-9BD7-5F37DD574A70}" destId="{4BA6D23A-604B-4752-9A3E-D2C7A3A99772}" srcOrd="1" destOrd="0" presId="urn:microsoft.com/office/officeart/2008/layout/NameandTitleOrganizationalChart"/>
+    <dgm:cxn modelId="{07D13D6A-CB7B-428B-92E8-F60294522F41}" type="presParOf" srcId="{4BA6D23A-604B-4752-9A3E-D2C7A3A99772}" destId="{82E22146-F5F7-46AF-ABBF-05D04DD63036}" srcOrd="0" destOrd="0" presId="urn:microsoft.com/office/officeart/2008/layout/NameandTitleOrganizationalChart"/>
+    <dgm:cxn modelId="{EF5CDB4F-36AB-4B72-B38A-810133C8BEC3}" type="presParOf" srcId="{4BA6D23A-604B-4752-9A3E-D2C7A3A99772}" destId="{B45F3853-A27E-4640-A261-5DA24B2807A8}" srcOrd="1" destOrd="0" presId="urn:microsoft.com/office/officeart/2008/layout/NameandTitleOrganizationalChart"/>
+    <dgm:cxn modelId="{C94EC28A-98B1-4318-95F1-E4DC03E58642}" type="presParOf" srcId="{B45F3853-A27E-4640-A261-5DA24B2807A8}" destId="{7B5638E3-F03F-4369-91FB-D7EC39CCD485}" srcOrd="0" destOrd="0" presId="urn:microsoft.com/office/officeart/2008/layout/NameandTitleOrganizationalChart"/>
+    <dgm:cxn modelId="{6FBECB37-6757-4D53-849D-9923AC8EFA59}" type="presParOf" srcId="{7B5638E3-F03F-4369-91FB-D7EC39CCD485}" destId="{981C5618-1261-4FF3-96DF-342EF83B9938}" srcOrd="0" destOrd="0" presId="urn:microsoft.com/office/officeart/2008/layout/NameandTitleOrganizationalChart"/>
+    <dgm:cxn modelId="{A91C27D5-BE94-4801-A03D-509F97623538}" type="presParOf" srcId="{7B5638E3-F03F-4369-91FB-D7EC39CCD485}" destId="{60542175-75D3-4A93-B599-7FB7D77FA8DC}" srcOrd="1" destOrd="0" presId="urn:microsoft.com/office/officeart/2008/layout/NameandTitleOrganizationalChart"/>
+    <dgm:cxn modelId="{57BF136A-FE56-4450-9D6E-3BC414DE310A}" type="presParOf" srcId="{7B5638E3-F03F-4369-91FB-D7EC39CCD485}" destId="{8355B419-D8CA-4F69-8D79-099ABAF577D1}" srcOrd="2" destOrd="0" presId="urn:microsoft.com/office/officeart/2008/layout/NameandTitleOrganizationalChart"/>
+    <dgm:cxn modelId="{872C2009-9D42-4A1C-A644-29AE2A33C985}" type="presParOf" srcId="{B45F3853-A27E-4640-A261-5DA24B2807A8}" destId="{490550D2-099B-4D76-8CAB-B63FC76621E9}" srcOrd="1" destOrd="0" presId="urn:microsoft.com/office/officeart/2008/layout/NameandTitleOrganizationalChart"/>
+    <dgm:cxn modelId="{128A60C1-A01D-447B-920D-012E426FEA8E}" type="presParOf" srcId="{B45F3853-A27E-4640-A261-5DA24B2807A8}" destId="{F3315962-5E2F-49CE-93AC-FA82291DFB4D}" srcOrd="2" destOrd="0" presId="urn:microsoft.com/office/officeart/2008/layout/NameandTitleOrganizationalChart"/>
+    <dgm:cxn modelId="{97C1BD9D-9194-42B4-BD07-9319D8819340}" type="presParOf" srcId="{4BA6D23A-604B-4752-9A3E-D2C7A3A99772}" destId="{CB16594B-2351-49B7-A10A-808656A609BE}" srcOrd="2" destOrd="0" presId="urn:microsoft.com/office/officeart/2008/layout/NameandTitleOrganizationalChart"/>
+    <dgm:cxn modelId="{FA81750C-E7B1-4358-B535-C599A37359CE}" type="presParOf" srcId="{4BA6D23A-604B-4752-9A3E-D2C7A3A99772}" destId="{59CE8302-5091-491A-84CD-1977CB563359}" srcOrd="3" destOrd="0" presId="urn:microsoft.com/office/officeart/2008/layout/NameandTitleOrganizationalChart"/>
+    <dgm:cxn modelId="{E243B2FA-958E-4754-BFB6-6BF36F943F62}" type="presParOf" srcId="{59CE8302-5091-491A-84CD-1977CB563359}" destId="{A65346DF-5350-401B-84EA-26BE0B191159}" srcOrd="0" destOrd="0" presId="urn:microsoft.com/office/officeart/2008/layout/NameandTitleOrganizationalChart"/>
+    <dgm:cxn modelId="{01F25467-48FC-4881-BEF9-EFD189B1C602}" type="presParOf" srcId="{A65346DF-5350-401B-84EA-26BE0B191159}" destId="{723971F3-53E7-491C-9CCF-39D7814BE345}" srcOrd="0" destOrd="0" presId="urn:microsoft.com/office/officeart/2008/layout/NameandTitleOrganizationalChart"/>
+    <dgm:cxn modelId="{EEB16AEE-7914-48C8-B89E-31B0B29540C9}" type="presParOf" srcId="{A65346DF-5350-401B-84EA-26BE0B191159}" destId="{E043E861-506B-43E6-9E99-C09F77841AC1}" srcOrd="1" destOrd="0" presId="urn:microsoft.com/office/officeart/2008/layout/NameandTitleOrganizationalChart"/>
+    <dgm:cxn modelId="{1A47B041-A691-4D4B-99DD-A10A38C1CEE2}" type="presParOf" srcId="{A65346DF-5350-401B-84EA-26BE0B191159}" destId="{2820064B-1964-4C62-83E7-67F5C2DAB58A}" srcOrd="2" destOrd="0" presId="urn:microsoft.com/office/officeart/2008/layout/NameandTitleOrganizationalChart"/>
+    <dgm:cxn modelId="{DB7C09C0-77A2-4ED9-9D33-A297D9FFAD41}" type="presParOf" srcId="{59CE8302-5091-491A-84CD-1977CB563359}" destId="{25087534-EE0A-48CC-A3BD-FAED4E164FEE}" srcOrd="1" destOrd="0" presId="urn:microsoft.com/office/officeart/2008/layout/NameandTitleOrganizationalChart"/>
+    <dgm:cxn modelId="{AA9A2B49-56CD-4693-BACA-D98B6D4662DC}" type="presParOf" srcId="{59CE8302-5091-491A-84CD-1977CB563359}" destId="{293197C0-33CA-47F1-92F5-1304573C0216}" srcOrd="2" destOrd="0" presId="urn:microsoft.com/office/officeart/2008/layout/NameandTitleOrganizationalChart"/>
+    <dgm:cxn modelId="{CA08AFB7-DDC1-41D1-A05D-85A63662ECFD}" type="presParOf" srcId="{CA7EEE95-AE41-4433-9BD7-5F37DD574A70}" destId="{224AB5B7-F50E-4D6D-8A84-329E1D65D4FA}" srcOrd="2" destOrd="0" presId="urn:microsoft.com/office/officeart/2008/layout/NameandTitleOrganizationalChart"/>
+    <dgm:cxn modelId="{FABA4486-D3D3-4F1C-AF18-F45B2257A7ED}" type="presParOf" srcId="{224AB5B7-F50E-4D6D-8A84-329E1D65D4FA}" destId="{4FBC0DF4-1CF9-4D87-A1E1-B814EE5F2232}" srcOrd="0" destOrd="0" presId="urn:microsoft.com/office/officeart/2008/layout/NameandTitleOrganizationalChart"/>
+    <dgm:cxn modelId="{32419534-AAC0-4900-A9FC-8D5AED59F83F}" type="presParOf" srcId="{224AB5B7-F50E-4D6D-8A84-329E1D65D4FA}" destId="{779EF1DF-ACD3-40EC-B301-4CEDED71846A}" srcOrd="1" destOrd="0" presId="urn:microsoft.com/office/officeart/2008/layout/NameandTitleOrganizationalChart"/>
+    <dgm:cxn modelId="{A18C2B20-DE17-4842-ADE0-4335AE22E697}" type="presParOf" srcId="{779EF1DF-ACD3-40EC-B301-4CEDED71846A}" destId="{F3A0C31B-A384-43E2-A187-39075435ADA5}" srcOrd="0" destOrd="0" presId="urn:microsoft.com/office/officeart/2008/layout/NameandTitleOrganizationalChart"/>
+    <dgm:cxn modelId="{BDCED940-6317-4891-8625-BD684DF3A043}" type="presParOf" srcId="{F3A0C31B-A384-43E2-A187-39075435ADA5}" destId="{B6DE2FCB-61C6-43D5-8FD0-DBA06AD18F75}" srcOrd="0" destOrd="0" presId="urn:microsoft.com/office/officeart/2008/layout/NameandTitleOrganizationalChart"/>
+    <dgm:cxn modelId="{AD9E74F5-201D-4368-A099-6429CD995B49}" type="presParOf" srcId="{F3A0C31B-A384-43E2-A187-39075435ADA5}" destId="{74796C4E-3D39-48A7-B776-6B85D0A7874E}" srcOrd="1" destOrd="0" presId="urn:microsoft.com/office/officeart/2008/layout/NameandTitleOrganizationalChart"/>
+    <dgm:cxn modelId="{CB67075E-5C96-461A-99E4-AC71D18E2BC9}" type="presParOf" srcId="{F3A0C31B-A384-43E2-A187-39075435ADA5}" destId="{699A994D-2CCB-4821-A5FF-3BA17ED9CE41}" srcOrd="2" destOrd="0" presId="urn:microsoft.com/office/officeart/2008/layout/NameandTitleOrganizationalChart"/>
+    <dgm:cxn modelId="{B07373F6-6979-453E-86E0-45F81026CA4E}" type="presParOf" srcId="{779EF1DF-ACD3-40EC-B301-4CEDED71846A}" destId="{157BE5E7-3E50-4ACD-9CE0-ABCB0C9F9577}" srcOrd="1" destOrd="0" presId="urn:microsoft.com/office/officeart/2008/layout/NameandTitleOrganizationalChart"/>
+    <dgm:cxn modelId="{80F30563-3BCC-458A-8DF1-502F26FBEC18}" type="presParOf" srcId="{779EF1DF-ACD3-40EC-B301-4CEDED71846A}" destId="{E5577E53-0F3A-4268-88E6-5385946AB65F}" srcOrd="2" destOrd="0" presId="urn:microsoft.com/office/officeart/2008/layout/NameandTitleOrganizationalChart"/>
+  </dgm:cxnLst>
+  <dgm:bg/>
+  <dgm:whole/>
+  <dgm:extLst>
+    <a:ext uri="http://schemas.microsoft.com/office/drawing/2008/diagram">
+      <dsp:dataModelExt xmlns:dsp="http://schemas.microsoft.com/office/drawing/2008/diagram" relId="rId7" minVer="http://schemas.openxmlformats.org/drawingml/2006/diagram"/>
+    </a:ext>
+  </dgm:extLst>
+</dgm:dataModel>
+</file>
+
+<file path=ppt/diagrams/drawing1.xml><?xml version="1.0" encoding="utf-8"?>
+<dsp:drawing xmlns:dgm="http://schemas.openxmlformats.org/drawingml/2006/diagram" xmlns:dsp="http://schemas.microsoft.com/office/drawing/2008/diagram" xmlns:a="http://schemas.openxmlformats.org/drawingml/2006/main">
+  <dsp:spTree>
+    <dsp:nvGrpSpPr>
+      <dsp:cNvPr id="0" name=""/>
+      <dsp:cNvGrpSpPr/>
+    </dsp:nvGrpSpPr>
+    <dsp:grpSpPr/>
+    <dsp:sp modelId="{4FBC0DF4-1CF9-4D87-A1E1-B814EE5F2232}">
+      <dsp:nvSpPr>
+        <dsp:cNvPr id="0" name=""/>
+        <dsp:cNvSpPr/>
+      </dsp:nvSpPr>
+      <dsp:spPr>
+        <a:xfrm>
+          <a:off x="3653511" y="851671"/>
+          <a:ext cx="270924" cy="888246"/>
+        </a:xfrm>
+        <a:custGeom>
+          <a:avLst/>
+          <a:gdLst/>
+          <a:ahLst/>
+          <a:cxnLst/>
+          <a:rect l="0" t="0" r="0" b="0"/>
+          <a:pathLst>
+            <a:path>
+              <a:moveTo>
+                <a:pt x="270924" y="0"/>
+              </a:moveTo>
+              <a:lnTo>
+                <a:pt x="270924" y="888246"/>
+              </a:lnTo>
+              <a:lnTo>
+                <a:pt x="0" y="888246"/>
+              </a:lnTo>
+            </a:path>
+          </a:pathLst>
+        </a:custGeom>
+        <a:noFill/>
+        <a:ln w="25400" cap="flat" cmpd="sng" algn="ctr">
+          <a:solidFill>
+            <a:schemeClr val="accent2">
+              <a:hueOff val="0"/>
+              <a:satOff val="0"/>
+              <a:lumOff val="0"/>
+              <a:alphaOff val="0"/>
+            </a:schemeClr>
+          </a:solidFill>
+          <a:prstDash val="solid"/>
+        </a:ln>
+        <a:effectLst/>
+        <a:scene3d>
+          <a:camera prst="orthographicFront">
+            <a:rot lat="0" lon="0" rev="0"/>
+          </a:camera>
+          <a:lightRig rig="contrasting" dir="t">
+            <a:rot lat="0" lon="0" rev="1200000"/>
+          </a:lightRig>
+        </a:scene3d>
+        <a:sp3d z="-110000"/>
+      </dsp:spPr>
+      <dsp:style>
+        <a:lnRef idx="2">
+          <a:scrgbClr r="0" g="0" b="0"/>
+        </a:lnRef>
+        <a:fillRef idx="0">
+          <a:scrgbClr r="0" g="0" b="0"/>
+        </a:fillRef>
+        <a:effectRef idx="0">
+          <a:scrgbClr r="0" g="0" b="0"/>
+        </a:effectRef>
+        <a:fontRef idx="minor"/>
+      </dsp:style>
+    </dsp:sp>
+    <dsp:sp modelId="{CB16594B-2351-49B7-A10A-808656A609BE}">
+      <dsp:nvSpPr>
+        <dsp:cNvPr id="0" name=""/>
+        <dsp:cNvSpPr/>
+      </dsp:nvSpPr>
+      <dsp:spPr>
+        <a:xfrm>
+          <a:off x="3924436" y="851671"/>
+          <a:ext cx="1901078" cy="2266283"/>
+        </a:xfrm>
+        <a:custGeom>
+          <a:avLst/>
+          <a:gdLst/>
+          <a:ahLst/>
+          <a:cxnLst/>
+          <a:rect l="0" t="0" r="0" b="0"/>
+          <a:pathLst>
+            <a:path>
+              <a:moveTo>
+                <a:pt x="0" y="0"/>
+              </a:moveTo>
+              <a:lnTo>
+                <a:pt x="0" y="2068097"/>
+              </a:lnTo>
+              <a:lnTo>
+                <a:pt x="1901078" y="2068097"/>
+              </a:lnTo>
+              <a:lnTo>
+                <a:pt x="1901078" y="2266283"/>
+              </a:lnTo>
+            </a:path>
+          </a:pathLst>
+        </a:custGeom>
+        <a:noFill/>
+        <a:ln w="25400" cap="flat" cmpd="sng" algn="ctr">
+          <a:solidFill>
+            <a:schemeClr val="accent2">
+              <a:hueOff val="0"/>
+              <a:satOff val="0"/>
+              <a:lumOff val="0"/>
+              <a:alphaOff val="0"/>
+            </a:schemeClr>
+          </a:solidFill>
+          <a:prstDash val="solid"/>
+        </a:ln>
+        <a:effectLst/>
+        <a:scene3d>
+          <a:camera prst="orthographicFront">
+            <a:rot lat="0" lon="0" rev="0"/>
+          </a:camera>
+          <a:lightRig rig="contrasting" dir="t">
+            <a:rot lat="0" lon="0" rev="1200000"/>
+          </a:lightRig>
+        </a:scene3d>
+        <a:sp3d z="-110000"/>
+      </dsp:spPr>
+      <dsp:style>
+        <a:lnRef idx="2">
+          <a:scrgbClr r="0" g="0" b="0"/>
+        </a:lnRef>
+        <a:fillRef idx="0">
+          <a:scrgbClr r="0" g="0" b="0"/>
+        </a:fillRef>
+        <a:effectRef idx="0">
+          <a:scrgbClr r="0" g="0" b="0"/>
+        </a:effectRef>
+        <a:fontRef idx="minor"/>
+      </dsp:style>
+    </dsp:sp>
+    <dsp:sp modelId="{82E22146-F5F7-46AF-ABBF-05D04DD63036}">
+      <dsp:nvSpPr>
+        <dsp:cNvPr id="0" name=""/>
+        <dsp:cNvSpPr/>
+      </dsp:nvSpPr>
+      <dsp:spPr>
+        <a:xfrm>
+          <a:off x="2300828" y="851671"/>
+          <a:ext cx="1623607" cy="2266283"/>
+        </a:xfrm>
+        <a:custGeom>
+          <a:avLst/>
+          <a:gdLst/>
+          <a:ahLst/>
+          <a:cxnLst/>
+          <a:rect l="0" t="0" r="0" b="0"/>
+          <a:pathLst>
+            <a:path>
+              <a:moveTo>
+                <a:pt x="1623607" y="0"/>
+              </a:moveTo>
+              <a:lnTo>
+                <a:pt x="1623607" y="2068097"/>
+              </a:lnTo>
+              <a:lnTo>
+                <a:pt x="0" y="2068097"/>
+              </a:lnTo>
+              <a:lnTo>
+                <a:pt x="0" y="2266283"/>
+              </a:lnTo>
+            </a:path>
+          </a:pathLst>
+        </a:custGeom>
+        <a:noFill/>
+        <a:ln w="25400" cap="flat" cmpd="sng" algn="ctr">
+          <a:solidFill>
+            <a:schemeClr val="accent2">
+              <a:hueOff val="0"/>
+              <a:satOff val="0"/>
+              <a:lumOff val="0"/>
+              <a:alphaOff val="0"/>
+            </a:schemeClr>
+          </a:solidFill>
+          <a:prstDash val="solid"/>
+        </a:ln>
+        <a:effectLst/>
+        <a:scene3d>
+          <a:camera prst="orthographicFront">
+            <a:rot lat="0" lon="0" rev="0"/>
+          </a:camera>
+          <a:lightRig rig="contrasting" dir="t">
+            <a:rot lat="0" lon="0" rev="1200000"/>
+          </a:lightRig>
+        </a:scene3d>
+        <a:sp3d z="-110000"/>
+      </dsp:spPr>
+      <dsp:style>
+        <a:lnRef idx="2">
+          <a:scrgbClr r="0" g="0" b="0"/>
+        </a:lnRef>
+        <a:fillRef idx="0">
+          <a:scrgbClr r="0" g="0" b="0"/>
+        </a:fillRef>
+        <a:effectRef idx="0">
+          <a:scrgbClr r="0" g="0" b="0"/>
+        </a:effectRef>
+        <a:fontRef idx="minor"/>
+      </dsp:style>
+    </dsp:sp>
+    <dsp:sp modelId="{C3592E63-FE32-416A-B197-D171778DCA45}">
+      <dsp:nvSpPr>
+        <dsp:cNvPr id="0" name=""/>
+        <dsp:cNvSpPr/>
+      </dsp:nvSpPr>
+      <dsp:spPr>
+        <a:xfrm>
+          <a:off x="2808310" y="2302"/>
+          <a:ext cx="2232251" cy="849368"/>
+        </a:xfrm>
+        <a:prstGeom prst="rect">
+          <a:avLst/>
+        </a:prstGeom>
+        <a:solidFill>
+          <a:schemeClr val="accent1">
+            <a:hueOff val="0"/>
+            <a:satOff val="0"/>
+            <a:lumOff val="0"/>
+            <a:alphaOff val="0"/>
+          </a:schemeClr>
+        </a:solidFill>
+        <a:ln>
+          <a:noFill/>
+        </a:ln>
+        <a:effectLst>
+          <a:outerShdw blurRad="40000" dist="20000" dir="5400000" rotWithShape="0">
+            <a:srgbClr val="000000">
+              <a:alpha val="38000"/>
+            </a:srgbClr>
+          </a:outerShdw>
+        </a:effectLst>
+        <a:scene3d>
+          <a:camera prst="orthographicFront">
+            <a:rot lat="0" lon="0" rev="0"/>
+          </a:camera>
+          <a:lightRig rig="contrasting" dir="t">
+            <a:rot lat="0" lon="0" rev="1200000"/>
+          </a:lightRig>
+        </a:scene3d>
+        <a:sp3d contourW="19050" prstMaterial="metal">
+          <a:bevelT w="88900" h="203200"/>
+          <a:bevelB w="165100" h="254000"/>
+        </a:sp3d>
+      </dsp:spPr>
+      <dsp:style>
+        <a:lnRef idx="0">
+          <a:scrgbClr r="0" g="0" b="0"/>
+        </a:lnRef>
+        <a:fillRef idx="1">
+          <a:scrgbClr r="0" g="0" b="0"/>
+        </a:fillRef>
+        <a:effectRef idx="1">
+          <a:scrgbClr r="0" g="0" b="0"/>
+        </a:effectRef>
+        <a:fontRef idx="minor">
+          <a:schemeClr val="lt1"/>
+        </a:fontRef>
+      </dsp:style>
+      <dsp:txBody>
+        <a:bodyPr spcFirstLastPara="0" vert="horz" wrap="square" lIns="26670" tIns="26670" rIns="26670" bIns="119855" numCol="1" spcCol="1270" anchor="ctr" anchorCtr="0">
+          <a:noAutofit/>
+        </a:bodyPr>
+        <a:lstStyle/>
+        <a:p>
+          <a:pPr lvl="0" algn="ctr" defTabSz="1866900">
+            <a:lnSpc>
+              <a:spcPct val="90000"/>
+            </a:lnSpc>
+            <a:spcBef>
+              <a:spcPct val="0"/>
+            </a:spcBef>
+            <a:spcAft>
+              <a:spcPct val="35000"/>
+            </a:spcAft>
+          </a:pPr>
+          <a:r>
+            <a:rPr lang="fr-FR" sz="4200" kern="1200" dirty="0" smtClean="0"/>
+            <a:t>Batch</a:t>
+          </a:r>
+          <a:endParaRPr lang="fr-FR" sz="4200" kern="1200" dirty="0"/>
+        </a:p>
+      </dsp:txBody>
+      <dsp:txXfrm>
+        <a:off x="2808310" y="2302"/>
+        <a:ext cx="2232251" cy="849368"/>
+      </dsp:txXfrm>
+    </dsp:sp>
+    <dsp:sp modelId="{A711260E-67E4-4471-B461-5815620850E7}">
+      <dsp:nvSpPr>
+        <dsp:cNvPr id="0" name=""/>
+        <dsp:cNvSpPr/>
+      </dsp:nvSpPr>
+      <dsp:spPr>
+        <a:xfrm>
+          <a:off x="3651350" y="658119"/>
+          <a:ext cx="1038316" cy="292729"/>
+        </a:xfrm>
+        <a:prstGeom prst="rect">
+          <a:avLst/>
+        </a:prstGeom>
+        <a:solidFill>
+          <a:schemeClr val="lt1">
+            <a:alpha val="90000"/>
+            <a:hueOff val="0"/>
+            <a:satOff val="0"/>
+            <a:lumOff val="0"/>
+            <a:alphaOff val="0"/>
+          </a:schemeClr>
+        </a:solidFill>
+        <a:ln>
+          <a:noFill/>
+        </a:ln>
+        <a:effectLst/>
+        <a:scene3d>
+          <a:camera prst="orthographicFront">
+            <a:rot lat="0" lon="0" rev="0"/>
+          </a:camera>
+          <a:lightRig rig="contrasting" dir="t">
+            <a:rot lat="0" lon="0" rev="1200000"/>
+          </a:lightRig>
+        </a:scene3d>
+        <a:sp3d z="300000" contourW="19050" prstMaterial="metal">
+          <a:bevelT w="88900" h="203200"/>
+          <a:bevelB w="165100" h="254000"/>
+        </a:sp3d>
+      </dsp:spPr>
+      <dsp:style>
+        <a:lnRef idx="0">
+          <a:scrgbClr r="0" g="0" b="0"/>
+        </a:lnRef>
+        <a:fillRef idx="1">
+          <a:scrgbClr r="0" g="0" b="0"/>
+        </a:fillRef>
+        <a:effectRef idx="0">
+          <a:scrgbClr r="0" g="0" b="0"/>
+        </a:effectRef>
+        <a:fontRef idx="minor"/>
+      </dsp:style>
+      <dsp:txBody>
+        <a:bodyPr spcFirstLastPara="0" vert="horz" wrap="square" lIns="45720" tIns="11430" rIns="45720" bIns="11430" numCol="1" spcCol="1270" anchor="ctr" anchorCtr="0">
+          <a:noAutofit/>
+        </a:bodyPr>
+        <a:lstStyle/>
+        <a:p>
+          <a:pPr lvl="0" algn="r" defTabSz="800100">
+            <a:lnSpc>
+              <a:spcPct val="90000"/>
+            </a:lnSpc>
+            <a:spcBef>
+              <a:spcPct val="0"/>
+            </a:spcBef>
+            <a:spcAft>
+              <a:spcPct val="35000"/>
+            </a:spcAft>
+          </a:pPr>
+          <a:r>
+            <a:rPr lang="fr-FR" sz="1800" kern="1200" dirty="0" smtClean="0"/>
+            <a:t>N = 10</a:t>
+          </a:r>
+          <a:endParaRPr lang="fr-FR" sz="1800" kern="1200" dirty="0"/>
+        </a:p>
+      </dsp:txBody>
+      <dsp:txXfrm>
+        <a:off x="3651350" y="658119"/>
+        <a:ext cx="1038316" cy="292729"/>
+      </dsp:txXfrm>
+    </dsp:sp>
+    <dsp:sp modelId="{981C5618-1261-4FF3-96DF-342EF83B9938}">
+      <dsp:nvSpPr>
+        <dsp:cNvPr id="0" name=""/>
+        <dsp:cNvSpPr/>
+      </dsp:nvSpPr>
+      <dsp:spPr>
+        <a:xfrm>
+          <a:off x="597935" y="3117954"/>
+          <a:ext cx="3405785" cy="849368"/>
+        </a:xfrm>
+        <a:prstGeom prst="rect">
+          <a:avLst/>
+        </a:prstGeom>
+        <a:solidFill>
+          <a:schemeClr val="accent3"/>
+        </a:solidFill>
+        <a:ln>
+          <a:noFill/>
+        </a:ln>
+        <a:effectLst>
+          <a:outerShdw blurRad="40000" dist="23000" dir="5400000" rotWithShape="0">
+            <a:srgbClr val="000000">
+              <a:alpha val="35000"/>
+            </a:srgbClr>
+          </a:outerShdw>
+        </a:effectLst>
+        <a:scene3d>
+          <a:camera prst="orthographicFront">
+            <a:rot lat="0" lon="0" rev="0"/>
+          </a:camera>
+          <a:lightRig rig="contrasting" dir="t">
+            <a:rot lat="0" lon="0" rev="1200000"/>
+          </a:lightRig>
+        </a:scene3d>
+        <a:sp3d contourW="19050" prstMaterial="metal">
+          <a:bevelT w="88900" h="203200"/>
+          <a:bevelB w="165100" h="254000"/>
+        </a:sp3d>
+      </dsp:spPr>
+      <dsp:style>
+        <a:lnRef idx="0">
+          <a:scrgbClr r="0" g="0" b="0"/>
+        </a:lnRef>
+        <a:fillRef idx="1">
+          <a:scrgbClr r="0" g="0" b="0"/>
+        </a:fillRef>
+        <a:effectRef idx="2">
+          <a:scrgbClr r="0" g="0" b="0"/>
+        </a:effectRef>
+        <a:fontRef idx="minor">
+          <a:schemeClr val="lt1"/>
+        </a:fontRef>
+      </dsp:style>
+      <dsp:txBody>
+        <a:bodyPr spcFirstLastPara="0" vert="horz" wrap="square" lIns="27940" tIns="27940" rIns="27940" bIns="119855" numCol="1" spcCol="1270" anchor="ctr" anchorCtr="0">
+          <a:noAutofit/>
+        </a:bodyPr>
+        <a:lstStyle/>
+        <a:p>
+          <a:pPr lvl="0" algn="ctr" defTabSz="1955800">
+            <a:lnSpc>
+              <a:spcPct val="90000"/>
+            </a:lnSpc>
+            <a:spcBef>
+              <a:spcPct val="0"/>
+            </a:spcBef>
+            <a:spcAft>
+              <a:spcPct val="35000"/>
+            </a:spcAft>
+          </a:pPr>
+          <a:r>
+            <a:rPr lang="fr-FR" sz="4400" kern="1200" dirty="0" smtClean="0"/>
+            <a:t>Serveur 1</a:t>
+          </a:r>
+          <a:endParaRPr lang="fr-FR" sz="4400" kern="1200" dirty="0"/>
+        </a:p>
+      </dsp:txBody>
+      <dsp:txXfrm>
+        <a:off x="597935" y="3117954"/>
+        <a:ext cx="3405785" cy="849368"/>
+      </dsp:txXfrm>
+    </dsp:sp>
+    <dsp:sp modelId="{60542175-75D3-4A93-B599-7FB7D77FA8DC}">
+      <dsp:nvSpPr>
+        <dsp:cNvPr id="0" name=""/>
+        <dsp:cNvSpPr/>
+      </dsp:nvSpPr>
+      <dsp:spPr>
+        <a:xfrm>
+          <a:off x="1808683" y="3778574"/>
+          <a:ext cx="1476432" cy="283122"/>
+        </a:xfrm>
+        <a:prstGeom prst="rect">
+          <a:avLst/>
+        </a:prstGeom>
+        <a:solidFill>
+          <a:schemeClr val="lt1">
+            <a:alpha val="90000"/>
+            <a:hueOff val="0"/>
+            <a:satOff val="0"/>
+            <a:lumOff val="0"/>
+            <a:alphaOff val="0"/>
+          </a:schemeClr>
+        </a:solidFill>
+        <a:ln>
+          <a:noFill/>
+        </a:ln>
+        <a:effectLst/>
+        <a:scene3d>
+          <a:camera prst="orthographicFront">
+            <a:rot lat="0" lon="0" rev="0"/>
+          </a:camera>
+          <a:lightRig rig="contrasting" dir="t">
+            <a:rot lat="0" lon="0" rev="1200000"/>
+          </a:lightRig>
+        </a:scene3d>
+        <a:sp3d z="300000" contourW="19050" prstMaterial="metal">
+          <a:bevelT w="88900" h="203200"/>
+          <a:bevelB w="165100" h="254000"/>
+        </a:sp3d>
+      </dsp:spPr>
+      <dsp:style>
+        <a:lnRef idx="0">
+          <a:scrgbClr r="0" g="0" b="0"/>
+        </a:lnRef>
+        <a:fillRef idx="1">
+          <a:scrgbClr r="0" g="0" b="0"/>
+        </a:fillRef>
+        <a:effectRef idx="0">
+          <a:scrgbClr r="0" g="0" b="0"/>
+        </a:effectRef>
+        <a:fontRef idx="minor"/>
+      </dsp:style>
+      <dsp:txBody>
+        <a:bodyPr spcFirstLastPara="0" vert="horz" wrap="square" lIns="43180" tIns="10795" rIns="43180" bIns="10795" numCol="1" spcCol="1270" anchor="ctr" anchorCtr="0">
+          <a:noAutofit/>
+        </a:bodyPr>
+        <a:lstStyle/>
+        <a:p>
+          <a:pPr lvl="0" algn="r" defTabSz="755650">
+            <a:lnSpc>
+              <a:spcPct val="90000"/>
+            </a:lnSpc>
+            <a:spcBef>
+              <a:spcPct val="0"/>
+            </a:spcBef>
+            <a:spcAft>
+              <a:spcPct val="35000"/>
+            </a:spcAft>
+          </a:pPr>
+          <a:r>
+            <a:rPr lang="fr-FR" sz="1700" kern="1200" dirty="0" smtClean="0"/>
+            <a:t>Prefix1, latence</a:t>
+          </a:r>
+          <a:endParaRPr lang="fr-FR" sz="1700" kern="1200" dirty="0"/>
+        </a:p>
+      </dsp:txBody>
+      <dsp:txXfrm>
+        <a:off x="1808683" y="3778574"/>
+        <a:ext cx="1476432" cy="283122"/>
+      </dsp:txXfrm>
+    </dsp:sp>
+    <dsp:sp modelId="{723971F3-53E7-491C-9CCF-39D7814BE345}">
+      <dsp:nvSpPr>
+        <dsp:cNvPr id="0" name=""/>
+        <dsp:cNvSpPr/>
+      </dsp:nvSpPr>
+      <dsp:spPr>
+        <a:xfrm>
+          <a:off x="4400092" y="3117954"/>
+          <a:ext cx="2850844" cy="849368"/>
+        </a:xfrm>
+        <a:prstGeom prst="rect">
+          <a:avLst/>
+        </a:prstGeom>
+        <a:solidFill>
+          <a:schemeClr val="accent3">
+            <a:hueOff val="0"/>
+            <a:satOff val="0"/>
+            <a:lumOff val="0"/>
+            <a:alphaOff val="0"/>
+          </a:schemeClr>
+        </a:solidFill>
+        <a:ln>
+          <a:noFill/>
+        </a:ln>
+        <a:effectLst>
+          <a:outerShdw blurRad="40000" dist="23000" dir="5400000" rotWithShape="0">
+            <a:srgbClr val="000000">
+              <a:alpha val="35000"/>
+            </a:srgbClr>
+          </a:outerShdw>
+        </a:effectLst>
+        <a:scene3d>
+          <a:camera prst="orthographicFront">
+            <a:rot lat="0" lon="0" rev="0"/>
+          </a:camera>
+          <a:lightRig rig="contrasting" dir="t">
+            <a:rot lat="0" lon="0" rev="1200000"/>
+          </a:lightRig>
+        </a:scene3d>
+        <a:sp3d contourW="19050" prstMaterial="metal">
+          <a:bevelT w="88900" h="203200"/>
+          <a:bevelB w="165100" h="254000"/>
+        </a:sp3d>
+      </dsp:spPr>
+      <dsp:style>
+        <a:lnRef idx="0">
+          <a:scrgbClr r="0" g="0" b="0"/>
+        </a:lnRef>
+        <a:fillRef idx="1">
+          <a:scrgbClr r="0" g="0" b="0"/>
+        </a:fillRef>
+        <a:effectRef idx="2">
+          <a:scrgbClr r="0" g="0" b="0"/>
+        </a:effectRef>
+        <a:fontRef idx="minor">
+          <a:schemeClr val="lt1"/>
+        </a:fontRef>
+      </dsp:style>
+      <dsp:txBody>
+        <a:bodyPr spcFirstLastPara="0" vert="horz" wrap="square" lIns="26670" tIns="26670" rIns="26670" bIns="119855" numCol="1" spcCol="1270" anchor="ctr" anchorCtr="0">
+          <a:noAutofit/>
+        </a:bodyPr>
+        <a:lstStyle/>
+        <a:p>
+          <a:pPr lvl="0" algn="ctr" defTabSz="1866900">
+            <a:lnSpc>
+              <a:spcPct val="90000"/>
+            </a:lnSpc>
+            <a:spcBef>
+              <a:spcPct val="0"/>
+            </a:spcBef>
+            <a:spcAft>
+              <a:spcPct val="35000"/>
+            </a:spcAft>
+          </a:pPr>
+          <a:r>
+            <a:rPr lang="fr-FR" sz="4200" kern="1200" dirty="0" smtClean="0"/>
+            <a:t>Serveur 2</a:t>
+          </a:r>
+          <a:endParaRPr lang="fr-FR" sz="4200" kern="1200" dirty="0"/>
+        </a:p>
+      </dsp:txBody>
+      <dsp:txXfrm>
+        <a:off x="4400092" y="3117954"/>
+        <a:ext cx="2850844" cy="849368"/>
+      </dsp:txXfrm>
+    </dsp:sp>
+    <dsp:sp modelId="{E043E861-506B-43E6-9E99-C09F77841AC1}">
+      <dsp:nvSpPr>
+        <dsp:cNvPr id="0" name=""/>
+        <dsp:cNvSpPr/>
+      </dsp:nvSpPr>
+      <dsp:spPr>
+        <a:xfrm>
+          <a:off x="5333370" y="3778574"/>
+          <a:ext cx="1476432" cy="283122"/>
+        </a:xfrm>
+        <a:prstGeom prst="rect">
+          <a:avLst/>
+        </a:prstGeom>
+        <a:solidFill>
+          <a:schemeClr val="lt1">
+            <a:alpha val="90000"/>
+            <a:hueOff val="0"/>
+            <a:satOff val="0"/>
+            <a:lumOff val="0"/>
+            <a:alphaOff val="0"/>
+          </a:schemeClr>
+        </a:solidFill>
+        <a:ln>
+          <a:noFill/>
+        </a:ln>
+        <a:effectLst/>
+        <a:scene3d>
+          <a:camera prst="orthographicFront">
+            <a:rot lat="0" lon="0" rev="0"/>
+          </a:camera>
+          <a:lightRig rig="contrasting" dir="t">
+            <a:rot lat="0" lon="0" rev="1200000"/>
+          </a:lightRig>
+        </a:scene3d>
+        <a:sp3d z="300000" contourW="19050" prstMaterial="metal">
+          <a:bevelT w="88900" h="203200"/>
+          <a:bevelB w="165100" h="254000"/>
+        </a:sp3d>
+      </dsp:spPr>
+      <dsp:style>
+        <a:lnRef idx="0">
+          <a:scrgbClr r="0" g="0" b="0"/>
+        </a:lnRef>
+        <a:fillRef idx="1">
+          <a:scrgbClr r="0" g="0" b="0"/>
+        </a:fillRef>
+        <a:effectRef idx="0">
+          <a:scrgbClr r="0" g="0" b="0"/>
+        </a:effectRef>
+        <a:fontRef idx="minor"/>
+      </dsp:style>
+      <dsp:txBody>
+        <a:bodyPr spcFirstLastPara="0" vert="horz" wrap="square" lIns="43180" tIns="10795" rIns="43180" bIns="10795" numCol="1" spcCol="1270" anchor="ctr" anchorCtr="0">
+          <a:noAutofit/>
+        </a:bodyPr>
+        <a:lstStyle/>
+        <a:p>
+          <a:pPr lvl="0" algn="r" defTabSz="755650">
+            <a:lnSpc>
+              <a:spcPct val="90000"/>
+            </a:lnSpc>
+            <a:spcBef>
+              <a:spcPct val="0"/>
+            </a:spcBef>
+            <a:spcAft>
+              <a:spcPct val="35000"/>
+            </a:spcAft>
+          </a:pPr>
+          <a:r>
+            <a:rPr lang="fr-FR" sz="1700" kern="1200" dirty="0" smtClean="0"/>
+            <a:t>Prefix2, latence</a:t>
+          </a:r>
+          <a:endParaRPr lang="fr-FR" sz="1700" kern="1200" dirty="0"/>
+        </a:p>
+      </dsp:txBody>
+      <dsp:txXfrm>
+        <a:off x="5333370" y="3778574"/>
+        <a:ext cx="1476432" cy="283122"/>
+      </dsp:txXfrm>
+    </dsp:sp>
+    <dsp:sp modelId="{B6DE2FCB-61C6-43D5-8FD0-DBA06AD18F75}">
+      <dsp:nvSpPr>
+        <dsp:cNvPr id="0" name=""/>
+        <dsp:cNvSpPr/>
+      </dsp:nvSpPr>
+      <dsp:spPr>
+        <a:xfrm>
+          <a:off x="525196" y="1373516"/>
+          <a:ext cx="3128314" cy="732800"/>
+        </a:xfrm>
+        <a:prstGeom prst="rect">
+          <a:avLst/>
+        </a:prstGeom>
+        <a:solidFill>
+          <a:schemeClr val="accent2">
+            <a:hueOff val="0"/>
+            <a:satOff val="0"/>
+            <a:lumOff val="0"/>
+            <a:alphaOff val="0"/>
+          </a:schemeClr>
+        </a:solidFill>
+        <a:ln>
+          <a:noFill/>
+        </a:ln>
+        <a:effectLst>
+          <a:outerShdw blurRad="40000" dist="20000" dir="5400000" rotWithShape="0">
+            <a:srgbClr val="000000">
+              <a:alpha val="38000"/>
+            </a:srgbClr>
+          </a:outerShdw>
+        </a:effectLst>
+        <a:scene3d>
+          <a:camera prst="orthographicFront">
+            <a:rot lat="0" lon="0" rev="0"/>
+          </a:camera>
+          <a:lightRig rig="contrasting" dir="t">
+            <a:rot lat="0" lon="0" rev="1200000"/>
+          </a:lightRig>
+        </a:scene3d>
+        <a:sp3d contourW="19050" prstMaterial="metal">
+          <a:bevelT w="88900" h="203200"/>
+          <a:bevelB w="165100" h="254000"/>
+        </a:sp3d>
+      </dsp:spPr>
+      <dsp:style>
+        <a:lnRef idx="0">
+          <a:scrgbClr r="0" g="0" b="0"/>
+        </a:lnRef>
+        <a:fillRef idx="1">
+          <a:scrgbClr r="0" g="0" b="0"/>
+        </a:fillRef>
+        <a:effectRef idx="1">
+          <a:scrgbClr r="0" g="0" b="0"/>
+        </a:effectRef>
+        <a:fontRef idx="minor">
+          <a:schemeClr val="lt1"/>
+        </a:fontRef>
+      </dsp:style>
+      <dsp:txBody>
+        <a:bodyPr spcFirstLastPara="0" vert="horz" wrap="square" lIns="20320" tIns="20320" rIns="20320" bIns="119855" numCol="1" spcCol="1270" anchor="ctr" anchorCtr="0">
+          <a:noAutofit/>
+        </a:bodyPr>
+        <a:lstStyle/>
+        <a:p>
+          <a:pPr lvl="0" algn="ctr" defTabSz="1422400">
+            <a:lnSpc>
+              <a:spcPct val="90000"/>
+            </a:lnSpc>
+            <a:spcBef>
+              <a:spcPct val="0"/>
+            </a:spcBef>
+            <a:spcAft>
+              <a:spcPct val="35000"/>
+            </a:spcAft>
+          </a:pPr>
+          <a:r>
+            <a:rPr lang="fr-FR" sz="3200" kern="1200" dirty="0" smtClean="0"/>
+            <a:t>Calcul local</a:t>
+          </a:r>
+          <a:endParaRPr lang="fr-FR" sz="3200" kern="1200" dirty="0"/>
+        </a:p>
+      </dsp:txBody>
+      <dsp:txXfrm>
+        <a:off x="525196" y="1373516"/>
+        <a:ext cx="3128314" cy="732800"/>
+      </dsp:txXfrm>
+    </dsp:sp>
+    <dsp:sp modelId="{74796C4E-3D39-48A7-B776-6B85D0A7874E}">
+      <dsp:nvSpPr>
+        <dsp:cNvPr id="0" name=""/>
+        <dsp:cNvSpPr/>
+      </dsp:nvSpPr>
+      <dsp:spPr>
+        <a:xfrm flipH="1">
+          <a:off x="5463974" y="1002908"/>
+          <a:ext cx="1289176" cy="1144362"/>
+        </a:xfrm>
+        <a:prstGeom prst="rect">
+          <a:avLst/>
+        </a:prstGeom>
+        <a:noFill/>
+        <a:ln>
+          <a:noFill/>
+        </a:ln>
+        <a:effectLst/>
+        <a:scene3d>
+          <a:camera prst="orthographicFront">
+            <a:rot lat="0" lon="0" rev="0"/>
+          </a:camera>
+          <a:lightRig rig="contrasting" dir="t">
+            <a:rot lat="0" lon="0" rev="1200000"/>
+          </a:lightRig>
+        </a:scene3d>
+        <a:sp3d z="300000" prstMaterial="metal">
+          <a:contourClr>
+            <a:schemeClr val="bg1"/>
+          </a:contourClr>
+        </a:sp3d>
+      </dsp:spPr>
+      <dsp:style>
+        <a:lnRef idx="0">
+          <a:scrgbClr r="0" g="0" b="0"/>
+        </a:lnRef>
+        <a:fillRef idx="1">
+          <a:scrgbClr r="0" g="0" b="0"/>
+        </a:fillRef>
+        <a:effectRef idx="0">
+          <a:scrgbClr r="0" g="0" b="0"/>
+        </a:effectRef>
+        <a:fontRef idx="minor"/>
+      </dsp:style>
+      <dsp:txBody>
+        <a:bodyPr spcFirstLastPara="0" vert="horz" wrap="square" lIns="157480" tIns="39370" rIns="157480" bIns="39370" numCol="1" spcCol="1270" anchor="ctr" anchorCtr="0">
+          <a:noAutofit/>
+        </a:bodyPr>
+        <a:lstStyle/>
+        <a:p>
+          <a:pPr lvl="0" algn="r" defTabSz="2755900">
+            <a:lnSpc>
+              <a:spcPct val="90000"/>
+            </a:lnSpc>
+            <a:spcBef>
+              <a:spcPct val="0"/>
+            </a:spcBef>
+            <a:spcAft>
+              <a:spcPct val="35000"/>
+            </a:spcAft>
+          </a:pPr>
+          <a:endParaRPr lang="fr-FR" sz="6200" kern="1200"/>
+        </a:p>
+      </dsp:txBody>
+      <dsp:txXfrm>
+        <a:off x="5463974" y="1002908"/>
+        <a:ext cx="1289176" cy="1144362"/>
+      </dsp:txXfrm>
+    </dsp:sp>
+  </dsp:spTree>
+</dsp:drawing>
+</file>
+
+<file path=ppt/diagrams/layout1.xml><?xml version="1.0" encoding="utf-8"?>
+<dgm:layoutDef xmlns:dgm="http://schemas.openxmlformats.org/drawingml/2006/diagram" xmlns:a="http://schemas.openxmlformats.org/drawingml/2006/main" uniqueId="urn:microsoft.com/office/officeart/2008/layout/NameandTitleOrganizationalChart">
+  <dgm:title val=""/>
+  <dgm:desc val=""/>
+  <dgm:catLst>
+    <dgm:cat type="hierarchy" pri="1250"/>
+  </dgm:catLst>
+  <dgm:sampData>
+    <dgm:dataModel>
+      <dgm:ptLst>
+        <dgm:pt modelId="0" type="doc"/>
+        <dgm:pt modelId="1">
+          <dgm:prSet phldr="1"/>
+        </dgm:pt>
+        <dgm:pt modelId="2" type="asst">
+          <dgm:prSet phldr="1"/>
+        </dgm:pt>
+        <dgm:pt modelId="3">
+          <dgm:prSet phldr="1"/>
+        </dgm:pt>
+        <dgm:pt modelId="4">
+          <dgm:prSet phldr="1"/>
+        </dgm:pt>
+        <dgm:pt modelId="5">
+          <dgm:prSet phldr="1"/>
+        </dgm:pt>
+      </dgm:ptLst>
+      <dgm:cxnLst>
+        <dgm:cxn modelId="5" srcId="0" destId="1" srcOrd="0" destOrd="0"/>
+        <dgm:cxn modelId="6" srcId="1" destId="2" srcOrd="0" destOrd="0"/>
+        <dgm:cxn modelId="7" srcId="1" destId="3" srcOrd="1" destOrd="0"/>
+        <dgm:cxn modelId="8" srcId="1" destId="4" srcOrd="2" destOrd="0"/>
+        <dgm:cxn modelId="9" srcId="1" destId="5" srcOrd="3" destOrd="0"/>
+      </dgm:cxnLst>
+      <dgm:bg/>
+      <dgm:whole/>
+    </dgm:dataModel>
+  </dgm:sampData>
+  <dgm:styleData>
+    <dgm:dataModel>
+      <dgm:ptLst>
+        <dgm:pt modelId="0" type="doc"/>
+        <dgm:pt modelId="1"/>
+        <dgm:pt modelId="12"/>
+        <dgm:pt modelId="13"/>
+      </dgm:ptLst>
+      <dgm:cxnLst>
+        <dgm:cxn modelId="2" srcId="0" destId="1" srcOrd="0" destOrd="0"/>
+        <dgm:cxn modelId="16" srcId="1" destId="12" srcOrd="1" destOrd="0"/>
+        <dgm:cxn modelId="17" srcId="1" destId="13" srcOrd="2" destOrd="0"/>
+      </dgm:cxnLst>
+      <dgm:bg/>
+      <dgm:whole/>
+    </dgm:dataModel>
+  </dgm:styleData>
+  <dgm:clrData>
+    <dgm:dataModel>
+      <dgm:ptLst>
+        <dgm:pt modelId="0" type="doc"/>
+        <dgm:pt modelId="1"/>
+        <dgm:pt modelId="11" type="asst"/>
+        <dgm:pt modelId="12"/>
+        <dgm:pt modelId="13"/>
+        <dgm:pt modelId="14"/>
+      </dgm:ptLst>
+      <dgm:cxnLst>
+        <dgm:cxn modelId="2" srcId="0" destId="1" srcOrd="0" destOrd="0"/>
+        <dgm:cxn modelId="15" srcId="1" destId="11" srcOrd="0" destOrd="0"/>
+        <dgm:cxn modelId="16" srcId="1" destId="12" srcOrd="1" destOrd="0"/>
+        <dgm:cxn modelId="17" srcId="1" destId="13" srcOrd="2" destOrd="0"/>
+        <dgm:cxn modelId="18" srcId="1" destId="14" srcOrd="2" destOrd="0"/>
+      </dgm:cxnLst>
+      <dgm:bg/>
+      <dgm:whole/>
+    </dgm:dataModel>
+  </dgm:clrData>
+  <dgm:layoutNode name="hierChild1">
+    <dgm:varLst>
+      <dgm:orgChart val="1"/>
+      <dgm:chPref val="1"/>
+      <dgm:dir/>
+      <dgm:animOne val="branch"/>
+      <dgm:animLvl val="lvl"/>
+      <dgm:resizeHandles/>
+    </dgm:varLst>
+    <dgm:choose name="Name0">
+      <dgm:if name="Name1" func="var" arg="dir" op="equ" val="norm">
+        <dgm:alg type="hierChild">
+          <dgm:param type="linDir" val="fromL"/>
+        </dgm:alg>
+      </dgm:if>
+      <dgm:else name="Name2">
+        <dgm:alg type="hierChild">
+          <dgm:param type="linDir" val="fromR"/>
+        </dgm:alg>
+      </dgm:else>
+    </dgm:choose>
+    <dgm:shape xmlns:r="http://schemas.openxmlformats.org/officeDocument/2006/relationships" r:blip="">
+      <dgm:adjLst/>
+    </dgm:shape>
+    <dgm:presOf/>
+    <dgm:constrLst>
+      <dgm:constr type="w" for="des" forName="rootComposite1" refType="w" fact="10"/>
+      <dgm:constr type="h" for="des" forName="rootComposite1" refType="w" refFor="des" refForName="rootComposite1" fact="0.5"/>
+      <dgm:constr type="w" for="des" forName="rootComposite" refType="w" fact="10"/>
+      <dgm:constr type="h" for="des" forName="rootComposite" refType="w" refFor="des" refForName="rootComposite1" fact="0.5"/>
+      <dgm:constr type="w" for="des" forName="rootComposite3" refType="w" fact="10"/>
+      <dgm:constr type="h" for="des" forName="rootComposite3" refType="w" refFor="des" refForName="rootComposite1" fact="0.5"/>
+      <dgm:constr type="primFontSz" for="des" ptType="node" op="equ"/>
+      <dgm:constr type="sp" for="des" op="equ"/>
+      <dgm:constr type="sp" for="des" forName="hierRoot1" refType="w" refFor="des" refForName="rootComposite1" fact="0.21"/>
+      <dgm:constr type="sp" for="des" forName="hierRoot2" refType="sp" refFor="des" refForName="hierRoot1"/>
+      <dgm:constr type="sp" for="des" forName="hierRoot3" refType="sp" refFor="des" refForName="hierRoot1"/>
+      <dgm:constr type="sibSp" refType="w" refFor="des" refForName="rootComposite1" fact="0.21"/>
+      <dgm:constr type="sibSp" for="des" forName="hierChild2" refType="sibSp"/>
+      <dgm:constr type="sibSp" for="des" forName="hierChild3" refType="sibSp"/>
+      <dgm:constr type="sibSp" for="des" forName="hierChild4" refType="sibSp"/>
+      <dgm:constr type="sibSp" for="des" forName="hierChild5" refType="sibSp"/>
+      <dgm:constr type="sibSp" for="des" forName="hierChild6" refType="sibSp"/>
+      <dgm:constr type="sibSp" for="des" forName="hierChild7" refType="sibSp"/>
+      <dgm:constr type="secSibSp" refType="w" refFor="des" refForName="rootComposite1" fact="0.21"/>
+      <dgm:constr type="secSibSp" for="des" forName="hierChild2" refType="secSibSp"/>
+      <dgm:constr type="secSibSp" for="des" forName="hierChild3" refType="secSibSp"/>
+      <dgm:constr type="secSibSp" for="des" forName="hierChild4" refType="secSibSp"/>
+      <dgm:constr type="secSibSp" for="des" forName="hierChild5" refType="secSibSp"/>
+      <dgm:constr type="secSibSp" for="des" forName="hierChild6" refType="secSibSp"/>
+      <dgm:constr type="secSibSp" for="des" forName="hierChild7" refType="secSibSp"/>
+    </dgm:constrLst>
+    <dgm:ruleLst/>
+    <dgm:forEach name="Name3" axis="ch">
+      <dgm:forEach name="Name4" axis="self" ptType="node">
+        <dgm:layoutNode name="hierRoot1">
+          <dgm:varLst>
+            <dgm:hierBranch val="init"/>
+          </dgm:varLst>
+          <dgm:choose name="Name5">
+            <dgm:if name="Name6" func="var" arg="hierBranch" op="equ" val="l">
+              <dgm:choose name="Name7">
+                <dgm:if name="Name8" axis="ch" ptType="asst" func="cnt" op="gte" val="1">
+                  <dgm:alg type="hierRoot">
+                    <dgm:param type="hierAlign" val="tR"/>
+                  </dgm:alg>
+                  <dgm:constrLst>
+                    <dgm:constr type="alignOff" val="0.65"/>
+                  </dgm:constrLst>
+                </dgm:if>
+                <dgm:else name="Name9">
+                  <dgm:alg type="hierRoot">
+                    <dgm:param type="hierAlign" val="tR"/>
+                  </dgm:alg>
+                  <dgm:constrLst>
+                    <dgm:constr type="alignOff" val="0.25"/>
+                  </dgm:constrLst>
+                </dgm:else>
+              </dgm:choose>
+            </dgm:if>
+            <dgm:if name="Name10" func="var" arg="hierBranch" op="equ" val="r">
+              <dgm:choose name="Name11">
+                <dgm:if name="Name12" axis="ch" ptType="asst" func="cnt" op="gte" val="1">
+                  <dgm:alg type="hierRoot">
+                    <dgm:param type="hierAlign" val="tL"/>
+                  </dgm:alg>
+                  <dgm:constrLst>
+                    <dgm:constr type="alignOff" val="0.65"/>
+                  </dgm:constrLst>
+                </dgm:if>
+                <dgm:else name="Name13">
+                  <dgm:alg type="hierRoot">
+                    <dgm:param type="hierAlign" val="tL"/>
+                  </dgm:alg>
+                  <dgm:constrLst>
+                    <dgm:constr type="alignOff" val="0.25"/>
+                  </dgm:constrLst>
+                </dgm:else>
+              </dgm:choose>
+            </dgm:if>
+            <dgm:if name="Name14" func="var" arg="hierBranch" op="equ" val="hang">
+              <dgm:alg type="hierRoot"/>
+              <dgm:constrLst>
+                <dgm:constr type="alignOff" val="0.65"/>
+              </dgm:constrLst>
+            </dgm:if>
+            <dgm:else name="Name15">
+              <dgm:alg type="hierRoot"/>
+              <dgm:constrLst>
+                <dgm:constr type="alignOff"/>
+                <dgm:constr type="bendDist" for="des" ptType="parTrans" refType="sp" fact="0.5"/>
+              </dgm:constrLst>
+            </dgm:else>
+          </dgm:choose>
+          <dgm:shape xmlns:r="http://schemas.openxmlformats.org/officeDocument/2006/relationships" r:blip="">
+            <dgm:adjLst/>
+          </dgm:shape>
+          <dgm:presOf/>
+          <dgm:ruleLst/>
+          <dgm:layoutNode name="rootComposite1">
+            <dgm:alg type="composite"/>
+            <dgm:shape xmlns:r="http://schemas.openxmlformats.org/officeDocument/2006/relationships" r:blip="">
+              <dgm:adjLst/>
+            </dgm:shape>
+            <dgm:presOf axis="self" ptType="node" cnt="1"/>
+            <dgm:choose name="Name16">
+              <dgm:if name="Name17" func="var" arg="hierBranch" op="equ" val="init">
+                <dgm:constrLst>
+                  <dgm:constr type="l" for="ch" forName="rootText1"/>
+                  <dgm:constr type="t" for="ch" forName="rootText1"/>
+                  <dgm:constr type="w" for="ch" forName="rootText1" refType="w"/>
+                  <dgm:constr type="h" for="ch" forName="rootText1" refType="h" fact="0.9"/>
+                  <dgm:constr type="l" for="ch" forName="titleText1" refType="w" fact="0.2"/>
+                  <dgm:constr type="t" for="ch" forName="titleText1" refType="h" fact="0.7"/>
+                  <dgm:constr type="w" for="ch" forName="titleText1" refType="w" fact="0.9"/>
+                  <dgm:constr type="h" for="ch" forName="titleText1" refType="h" fact="0.3"/>
+                  <dgm:constr type="primFontSz" for="des" forName="titleText1" refType="primFontSz" refFor="des" refForName="rootText1" op="lte"/>
+                  <dgm:constr type="l" for="ch" forName="rootConnector1"/>
+                  <dgm:constr type="t" for="ch" forName="rootConnector1"/>
+                  <dgm:constr type="w" for="ch" forName="rootConnector1" refType="w" refFor="ch" refForName="rootText1" fact="0.2"/>
+                  <dgm:constr type="h" for="ch" forName="rootConnector1" refType="h" refFor="ch" refForName="rootText1"/>
+                </dgm:constrLst>
+              </dgm:if>
+              <dgm:if name="Name18" func="var" arg="hierBranch" op="equ" val="l">
+                <dgm:constrLst>
+                  <dgm:constr type="l" for="ch" forName="rootText1"/>
+                  <dgm:constr type="t" for="ch" forName="rootText1"/>
+                  <dgm:constr type="w" for="ch" forName="rootText1" refType="w"/>
+                  <dgm:constr type="h" for="ch" forName="rootText1" refType="h" fact="0.9"/>
+                  <dgm:constr type="l" for="ch" forName="titleText1" refType="w" fact="0.2"/>
+                  <dgm:constr type="t" for="ch" forName="titleText1" refType="h" fact="0.7"/>
+                  <dgm:constr type="w" for="ch" forName="titleText1" refType="w" fact="0.9"/>
+                  <dgm:constr type="h" for="ch" forName="titleText1" refType="h" fact="0.3"/>
+                  <dgm:constr type="primFontSz" for="des" forName="titleText1" refType="primFontSz" refFor="des" refForName="rootText1" op="lte"/>
+                  <dgm:constr type="r" for="ch" forName="rootConnector1" refType="w"/>
+                  <dgm:constr type="t" for="ch" forName="rootConnector1"/>
+                  <dgm:constr type="w" for="ch" forName="rootConnector1" refType="w" refFor="ch" refForName="rootText1" fact="0.2"/>
+                  <dgm:constr type="h" for="ch" forName="rootConnector1" refType="h" refFor="ch" refForName="rootText1"/>
+                </dgm:constrLst>
+              </dgm:if>
+              <dgm:if name="Name19" func="var" arg="hierBranch" op="equ" val="r">
+                <dgm:constrLst>
+                  <dgm:constr type="l" for="ch" forName="rootText1"/>
+                  <dgm:constr type="t" for="ch" forName="rootText1"/>
+                  <dgm:constr type="w" for="ch" forName="rootText1" refType="w"/>
+                  <dgm:constr type="h" for="ch" forName="rootText1" refType="h" fact="0.9"/>
+                  <dgm:constr type="l" for="ch" forName="titleText1" refType="w" fact="0.2"/>
+                  <dgm:constr type="t" for="ch" forName="titleText1" refType="h" fact="0.7"/>
+                  <dgm:constr type="w" for="ch" forName="titleText1" refType="w" fact="0.9"/>
+                  <dgm:constr type="h" for="ch" forName="titleText1" refType="h" fact="0.3"/>
+                  <dgm:constr type="primFontSz" for="des" forName="titleText1" refType="primFontSz" refFor="des" refForName="rootText1" op="lte"/>
+                  <dgm:constr type="l" for="ch" forName="rootConnector1"/>
+                  <dgm:constr type="t" for="ch" forName="rootConnector1"/>
+                  <dgm:constr type="w" for="ch" forName="rootConnector1" refType="w" refFor="ch" refForName="rootText1" fact="0.2"/>
+                  <dgm:constr type="h" for="ch" forName="rootConnector1" refType="h" refFor="ch" refForName="rootText1"/>
+                </dgm:constrLst>
+              </dgm:if>
+              <dgm:else name="Name20">
+                <dgm:constrLst>
+                  <dgm:constr type="l" for="ch" forName="rootText1"/>
+                  <dgm:constr type="t" for="ch" forName="rootText1"/>
+                  <dgm:constr type="w" for="ch" forName="rootText1" refType="w"/>
+                  <dgm:constr type="h" for="ch" forName="rootText1" refType="h" fact="0.9"/>
+                  <dgm:constr type="l" for="ch" forName="titleText1" refType="w" fact="0.2"/>
+                  <dgm:constr type="t" for="ch" forName="titleText1" refType="h" fact="0.7"/>
+                  <dgm:constr type="w" for="ch" forName="titleText1" refType="w" fact="0.9"/>
+                  <dgm:constr type="h" for="ch" forName="titleText1" refType="h" fact="0.3"/>
+                  <dgm:constr type="primFontSz" for="des" forName="titleText1" refType="primFontSz" refFor="des" refForName="rootText1" op="lte"/>
+                  <dgm:constr type="r" for="ch" forName="rootConnector1" refType="w"/>
+                  <dgm:constr type="t" for="ch" forName="rootConnector1"/>
+                  <dgm:constr type="w" for="ch" forName="rootConnector1" refType="w" refFor="ch" refForName="rootText1" fact="0.2"/>
+                  <dgm:constr type="h" for="ch" forName="rootConnector1" refType="h" refFor="ch" refForName="rootText1"/>
+                </dgm:constrLst>
+              </dgm:else>
+            </dgm:choose>
+            <dgm:ruleLst/>
+            <dgm:layoutNode name="rootText1" styleLbl="node0">
+              <dgm:varLst>
+                <dgm:chMax/>
+                <dgm:chPref val="3"/>
+              </dgm:varLst>
+              <dgm:alg type="tx"/>
+              <dgm:shape xmlns:r="http://schemas.openxmlformats.org/officeDocument/2006/relationships" type="rect" r:blip="">
+                <dgm:adjLst/>
+              </dgm:shape>
+              <dgm:presOf axis="self" ptType="node" cnt="1"/>
+              <dgm:constrLst>
+                <dgm:constr type="primFontSz" val="65"/>
+                <dgm:constr type="lMarg" refType="primFontSz" fact="0.05"/>
+                <dgm:constr type="rMarg" refType="primFontSz" fact="0.05"/>
+                <dgm:constr type="tMarg" refType="primFontSz" fact="0.05"/>
+                <dgm:constr type="bMarg" refType="h" fact="0.4"/>
+              </dgm:constrLst>
+              <dgm:ruleLst>
+                <dgm:rule type="primFontSz" val="5" fact="NaN" max="NaN"/>
+              </dgm:ruleLst>
+            </dgm:layoutNode>
+            <dgm:layoutNode name="titleText1" styleLbl="fgAcc0">
+              <dgm:varLst>
+                <dgm:chMax val="0"/>
+                <dgm:chPref val="0"/>
+              </dgm:varLst>
+              <dgm:alg type="tx">
+                <dgm:param type="parTxLTRAlign" val="r"/>
+              </dgm:alg>
+              <dgm:shape xmlns:r="http://schemas.openxmlformats.org/officeDocument/2006/relationships" type="rect" r:blip="">
+                <dgm:adjLst/>
+              </dgm:shape>
+              <dgm:presOf axis="followSib" ptType="sibTrans" hideLastTrans="0" cnt="1"/>
+              <dgm:constrLst>
+                <dgm:constr type="primFontSz" val="65"/>
+                <dgm:constr type="lMarg" refType="primFontSz" fact="0.2"/>
+                <dgm:constr type="rMarg" refType="primFontSz" fact="0.2"/>
+                <dgm:constr type="tMarg" refType="primFontSz" fact="0.05"/>
+                <dgm:constr type="bMarg" refType="primFontSz" fact="0.05"/>
+              </dgm:constrLst>
+              <dgm:ruleLst>
+                <dgm:rule type="primFontSz" val="5" fact="NaN" max="NaN"/>
+              </dgm:ruleLst>
+            </dgm:layoutNode>
+            <dgm:layoutNode name="rootConnector1" moveWith="rootText1">
+              <dgm:alg type="sp"/>
+              <dgm:shape xmlns:r="http://schemas.openxmlformats.org/officeDocument/2006/relationships" type="rect" r:blip="" hideGeom="1">
+                <dgm:adjLst/>
+              </dgm:shape>
+              <dgm:presOf axis="self" ptType="node" cnt="1"/>
+              <dgm:constrLst/>
+              <dgm:ruleLst/>
+            </dgm:layoutNode>
+          </dgm:layoutNode>
+          <dgm:layoutNode name="hierChild2">
+            <dgm:choose name="Name21">
+              <dgm:if name="Name22" func="var" arg="hierBranch" op="equ" val="l">
+                <dgm:alg type="hierChild">
+                  <dgm:param type="chAlign" val="r"/>
+                  <dgm:param type="linDir" val="fromT"/>
+                </dgm:alg>
+              </dgm:if>
+              <dgm:if name="Name23" func="var" arg="hierBranch" op="equ" val="r">
+                <dgm:alg type="hierChild">
+                  <dgm:param type="chAlign" val="l"/>
+                  <dgm:param type="linDir" val="fromT"/>
+                </dgm:alg>
+              </dgm:if>
+              <dgm:if name="Name24" func="var" arg="hierBranch" op="equ" val="hang">
+                <dgm:choose name="Name25">
+                  <dgm:if name="Name26" func="var" arg="dir" op="equ" val="norm">
+                    <dgm:alg type="hierChild">
+                      <dgm:param type="chAlign" val="l"/>
+                      <dgm:param type="linDir" val="fromL"/>
+                      <dgm:param type="secChAlign" val="t"/>
+                      <dgm:param type="secLinDir" val="fromT"/>
+                    </dgm:alg>
+                  </dgm:if>
+                  <dgm:else name="Name27">
+                    <dgm:alg type="hierChild">
+                      <dgm:param type="chAlign" val="l"/>
+                      <dgm:param type="linDir" val="fromR"/>
+                      <dgm:param type="secChAlign" val="t"/>
+                      <dgm:param type="secLinDir" val="fromT"/>
+                    </dgm:alg>
+                  </dgm:else>
+                </dgm:choose>
+              </dgm:if>
+              <dgm:else name="Name28">
+                <dgm:choose name="Name29">
+                  <dgm:if name="Name30" func="var" arg="dir" op="equ" val="norm">
+                    <dgm:alg type="hierChild"/>
+                  </dgm:if>
+                  <dgm:else name="Name31">
+                    <dgm:alg type="hierChild">
+                      <dgm:param type="linDir" val="fromR"/>
+                    </dgm:alg>
+                  </dgm:else>
+                </dgm:choose>
+              </dgm:else>
+            </dgm:choose>
+            <dgm:shape xmlns:r="http://schemas.openxmlformats.org/officeDocument/2006/relationships" r:blip="">
+              <dgm:adjLst/>
+            </dgm:shape>
+            <dgm:presOf/>
+            <dgm:constrLst/>
+            <dgm:ruleLst/>
+            <dgm:forEach name="rep2a" axis="ch" ptType="nonAsst">
+              <dgm:forEach name="Name32" axis="precedSib" ptType="parTrans" st="-1" cnt="1">
+                <dgm:choose name="Name33">
+                  <dgm:if name="Name34" func="var" arg="hierBranch" op="equ" val="std">
+                    <dgm:layoutNode name="Name35">
+                      <dgm:alg type="conn">
+                        <dgm:param type="connRout" val="bend"/>
+                        <dgm:param type="dim" val="1D"/>
+                        <dgm:param type="endSty" val="noArr"/>
+                        <dgm:param type="begPts" val="bCtr"/>
+                        <dgm:param type="endPts" val="tCtr"/>
+                        <dgm:param type="bendPt" val="end"/>
+                      </dgm:alg>
+                      <dgm:shape xmlns:r="http://schemas.openxmlformats.org/officeDocument/2006/relationships" type="conn" r:blip="" zOrderOff="-99999">
+                        <dgm:adjLst/>
+                      </dgm:shape>
+                      <dgm:presOf axis="self"/>
+                      <dgm:constrLst>
+                        <dgm:constr type="begPad"/>
+                        <dgm:constr type="endPad"/>
+                      </dgm:constrLst>
+                      <dgm:ruleLst/>
+                    </dgm:layoutNode>
+                  </dgm:if>
+                  <dgm:if name="Name36" func="var" arg="hierBranch" op="equ" val="init">
+                    <dgm:layoutNode name="Name37">
+                      <dgm:choose name="Name38">
+                        <dgm:if name="Name39" axis="self" func="depth" op="lte" val="2">
+                          <dgm:alg type="conn">
+                            <dgm:param type="connRout" val="bend"/>
+                            <dgm:param type="dim" val="1D"/>
+                            <dgm:param type="endSty" val="noArr"/>
+                            <dgm:param type="begPts" val="bCtr"/>
+                            <dgm:param type="endPts" val="tCtr"/>
+                            <dgm:param type="bendPt" val="end"/>
+                          </dgm:alg>
+                        </dgm:if>
+                        <dgm:else name="Name40">
+                          <dgm:alg type="conn">
+                            <dgm:param type="connRout" val="bend"/>
+                            <dgm:param type="dim" val="1D"/>
+                            <dgm:param type="endSty" val="noArr"/>
+                            <dgm:param type="begPts" val="bCtr"/>
+                            <dgm:param type="endPts" val="tCtr"/>
+                            <dgm:param type="bendPt" val="end"/>
+                          </dgm:alg>
+                        </dgm:else>
+                      </dgm:choose>
+                      <dgm:shape xmlns:r="http://schemas.openxmlformats.org/officeDocument/2006/relationships" type="conn" r:blip="" zOrderOff="-99999">
+                        <dgm:adjLst/>
+                      </dgm:shape>
+                      <dgm:presOf axis="self"/>
+                      <dgm:constrLst>
+                        <dgm:constr type="begPad"/>
+                        <dgm:constr type="endPad"/>
+                      </dgm:constrLst>
+                      <dgm:ruleLst/>
+                    </dgm:layoutNode>
+                  </dgm:if>
+                  <dgm:if name="Name41" func="var" arg="hierBranch" op="equ" val="hang">
+                    <dgm:layoutNode name="Name42">
+                      <dgm:alg type="conn">
+                        <dgm:param type="connRout" val="bend"/>
+                        <dgm:param type="dim" val="1D"/>
+                        <dgm:param type="endSty" val="noArr"/>
+                        <dgm:param type="begPts" val="bCtr"/>
+                        <dgm:param type="endPts" val="midL midR"/>
+                      </dgm:alg>
+                      <dgm:shape xmlns:r="http://schemas.openxmlformats.org/officeDocument/2006/relationships" type="conn" r:blip="" zOrderOff="-99999">
+                        <dgm:adjLst/>
+                      </dgm:shape>
+                      <dgm:presOf axis="self"/>
+                      <dgm:constrLst>
+                        <dgm:constr type="begPad"/>
+                        <dgm:constr type="endPad"/>
+                      </dgm:constrLst>
+                      <dgm:ruleLst/>
+                    </dgm:layoutNode>
+                  </dgm:if>
+                  <dgm:else name="Name43">
+                    <dgm:layoutNode name="Name44">
+                      <dgm:choose name="Name45">
+                        <dgm:if name="Name46" axis="self" func="depth" op="lte" val="2">
+                          <dgm:choose name="Name47">
+                            <dgm:if name="Name48" axis="par ch" ptType="node asst" func="cnt" op="gte" val="1">
+                              <dgm:alg type="conn">
+                                <dgm:param type="connRout" val="bend"/>
+                                <dgm:param type="dim" val="1D"/>
+                                <dgm:param type="endSty" val="noArr"/>
+                                <dgm:param type="begPts" val="bCtr"/>
+                                <dgm:param type="endPts" val="midL midR"/>
+                              </dgm:alg>
+                            </dgm:if>
+                            <dgm:else name="Name49">
+                              <dgm:alg type="conn">
+                                <dgm:param type="connRout" val="bend"/>
+                                <dgm:param type="dim" val="1D"/>
+                                <dgm:param type="endSty" val="noArr"/>
+                                <dgm:param type="begPts" val="bCtr"/>
+                                <dgm:param type="endPts" val="midL midR"/>
+                                <dgm:param type="srcNode" val="rootConnector1"/>
+                              </dgm:alg>
+                            </dgm:else>
+                          </dgm:choose>
+                        </dgm:if>
+                        <dgm:else name="Name50">
+                          <dgm:choose name="Name51">
+                            <dgm:if name="Name52" axis="par ch" ptType="node asst" func="cnt" op="gte" val="1">
+                              <dgm:alg type="conn">
+                                <dgm:param type="connRout" val="bend"/>
+                                <dgm:param type="dim" val="1D"/>
+                                <dgm:param type="endSty" val="noArr"/>
+                                <dgm:param type="begPts" val="bCtr"/>
+                                <dgm:param type="endPts" val="midL midR"/>
+                              </dgm:alg>
+                            </dgm:if>
+                            <dgm:else name="Name53">
+                              <dgm:alg type="conn">
+                                <dgm:param type="connRout" val="bend"/>
+                                <dgm:param type="dim" val="1D"/>
+                                <dgm:param type="endSty" val="noArr"/>
+                                <dgm:param type="begPts" val="bCtr"/>
+                                <dgm:param type="endPts" val="midL midR"/>
+                                <dgm:param type="srcNode" val="rootConnector"/>
+                              </dgm:alg>
+                            </dgm:else>
+                          </dgm:choose>
+                        </dgm:else>
+                      </dgm:choose>
+                      <dgm:shape xmlns:r="http://schemas.openxmlformats.org/officeDocument/2006/relationships" type="conn" r:blip="" zOrderOff="-99999">
+                        <dgm:adjLst/>
+                      </dgm:shape>
+                      <dgm:presOf axis="self"/>
+                      <dgm:constrLst>
+                        <dgm:constr type="begPad"/>
+                        <dgm:constr type="endPad"/>
+                      </dgm:constrLst>
+                      <dgm:ruleLst/>
+                    </dgm:layoutNode>
+                  </dgm:else>
+                </dgm:choose>
+              </dgm:forEach>
+              <dgm:layoutNode name="hierRoot2">
+                <dgm:varLst>
+                  <dgm:hierBranch val="init"/>
+                </dgm:varLst>
+                <dgm:choose name="Name54">
+                  <dgm:if name="Name55" func="var" arg="hierBranch" op="equ" val="l">
+                    <dgm:choose name="Name56">
+                      <dgm:if name="Name57" axis="ch" ptType="asst" func="cnt" op="gte" val="1">
+                        <dgm:alg type="hierRoot">
+                          <dgm:param type="hierAlign" val="tR"/>
+                        </dgm:alg>
+                        <dgm:shape xmlns:r="http://schemas.openxmlformats.org/officeDocument/2006/relationships" r:blip="">
+                          <dgm:adjLst/>
+                        </dgm:shape>
+                        <dgm:presOf/>
+                        <dgm:constrLst>
+                          <dgm:constr type="alignOff" val="0.65"/>
+                        </dgm:constrLst>
+                      </dgm:if>
+                      <dgm:else name="Name58">
+                        <dgm:alg type="hierRoot">
+                          <dgm:param type="hierAlign" val="tR"/>
+                        </dgm:alg>
+                        <dgm:shape xmlns:r="http://schemas.openxmlformats.org/officeDocument/2006/relationships" r:blip="">
+                          <dgm:adjLst/>
+                        </dgm:shape>
+                        <dgm:presOf/>
+                        <dgm:constrLst>
+                          <dgm:constr type="alignOff" val="0.25"/>
+                        </dgm:constrLst>
+                      </dgm:else>
+                    </dgm:choose>
+                  </dgm:if>
+                  <dgm:if name="Name59" func="var" arg="hierBranch" op="equ" val="r">
+                    <dgm:choose name="Name60">
+                      <dgm:if name="Name61" axis="ch" ptType="asst" func="cnt" op="gte" val="1">
+                        <dgm:alg type="hierRoot">
+                          <dgm:param type="hierAlign" val="tL"/>
+                        </dgm:alg>
+                        <dgm:shape xmlns:r="http://schemas.openxmlformats.org/officeDocument/2006/relationships" r:blip="">
+                          <dgm:adjLst/>
+                        </dgm:shape>
+                        <dgm:presOf/>
+                        <dgm:constrLst>
+                          <dgm:constr type="alignOff" val="0.65"/>
+                        </dgm:constrLst>
+                      </dgm:if>
+                      <dgm:else name="Name62">
+                        <dgm:alg type="hierRoot">
+                          <dgm:param type="hierAlign" val="tL"/>
+                        </dgm:alg>
+                        <dgm:shape xmlns:r="http://schemas.openxmlformats.org/officeDocument/2006/relationships" r:blip="">
+                          <dgm:adjLst/>
+                        </dgm:shape>
+                        <dgm:presOf/>
+                        <dgm:constrLst>
+                          <dgm:constr type="alignOff" val="0.25"/>
+                        </dgm:constrLst>
+                      </dgm:else>
+                    </dgm:choose>
+                  </dgm:if>
+                  <dgm:if name="Name63" func="var" arg="hierBranch" op="equ" val="std">
+                    <dgm:alg type="hierRoot"/>
+                    <dgm:shape xmlns:r="http://schemas.openxmlformats.org/officeDocument/2006/relationships" r:blip="">
+                      <dgm:adjLst/>
+                    </dgm:shape>
+                    <dgm:presOf/>
+                    <dgm:constrLst>
+                      <dgm:constr type="alignOff"/>
+                      <dgm:constr type="bendDist" for="des" ptType="parTrans" refType="sp" fact="0.5"/>
+                    </dgm:constrLst>
+                  </dgm:if>
+                  <dgm:if name="Name64" func="var" arg="hierBranch" op="equ" val="init">
+                    <dgm:alg type="hierRoot"/>
+                    <dgm:shape xmlns:r="http://schemas.openxmlformats.org/officeDocument/2006/relationships" r:blip="">
+                      <dgm:adjLst/>
+                    </dgm:shape>
+                    <dgm:presOf/>
+                    <dgm:constrLst>
+                      <dgm:constr type="alignOff"/>
+                      <dgm:constr type="bendDist" for="des" ptType="parTrans" refType="sp" fact="0.5"/>
+                    </dgm:constrLst>
+                  </dgm:if>
+                  <dgm:else name="Name65">
+                    <dgm:alg type="hierRoot"/>
+                    <dgm:shape xmlns:r="http://schemas.openxmlformats.org/officeDocument/2006/relationships" r:blip="">
+                      <dgm:adjLst/>
+                    </dgm:shape>
+                    <dgm:presOf/>
+                    <dgm:constrLst>
+                      <dgm:constr type="alignOff" val="0.65"/>
+                    </dgm:constrLst>
+                  </dgm:else>
+                </dgm:choose>
+                <dgm:ruleLst/>
+                <dgm:layoutNode name="rootComposite">
+                  <dgm:alg type="composite"/>
+                  <dgm:shape xmlns:r="http://schemas.openxmlformats.org/officeDocument/2006/relationships" r:blip="">
+                    <dgm:adjLst/>
+                  </dgm:shape>
+                  <dgm:presOf axis="self" ptType="node" cnt="1"/>
+                  <dgm:choose name="Name66">
+                    <dgm:if name="Name67" func="var" arg="hierBranch" op="equ" val="init">
+                      <dgm:constrLst>
+                        <dgm:constr type="l" for="ch" forName="rootText"/>
+                        <dgm:constr type="t" for="ch" forName="rootText"/>
+                        <dgm:constr type="w" for="ch" forName="rootText" refType="w"/>
+                        <dgm:constr type="h" for="ch" forName="rootText" refType="h" fact="0.9"/>
+                        <dgm:constr type="l" for="ch" forName="titleText2" refType="w" fact="0.2"/>
+                        <dgm:constr type="t" for="ch" forName="titleText2" refType="h" fact="0.7"/>
+                        <dgm:constr type="w" for="ch" forName="titleText2" refType="w" fact="0.9"/>
+                        <dgm:constr type="h" for="ch" forName="titleText2" refType="h" fact="0.3"/>
+                        <dgm:constr type="primFontSz" for="des" forName="titleText2" refType="primFontSz" refFor="des" refForName="rootText1" op="lte"/>
+                        <dgm:constr type="l" for="ch" forName="rootConnector"/>
+                        <dgm:constr type="t" for="ch" forName="rootConnector"/>
+                        <dgm:constr type="w" for="ch" forName="rootConnector" refType="w" refFor="ch" refForName="rootText" fact="0.2"/>
+                        <dgm:constr type="h" for="ch" forName="rootConnector" refType="h" refFor="ch" refForName="rootText"/>
+                      </dgm:constrLst>
+                    </dgm:if>
+                    <dgm:if name="Name68" func="var" arg="hierBranch" op="equ" val="l">
+                      <dgm:constrLst>
+                        <dgm:constr type="l" for="ch" forName="rootText"/>
+                        <dgm:constr type="t" for="ch" forName="rootText"/>
+                        <dgm:constr type="w" for="ch" forName="rootText" refType="w"/>
+                        <dgm:constr type="h" for="ch" forName="rootText" refType="h" fact="0.9"/>
+                        <dgm:constr type="l" for="ch" forName="titleText2" refType="w" fact="0.2"/>
+                        <dgm:constr type="t" for="ch" forName="titleText2" refType="h" fact="0.7"/>
+                        <dgm:constr type="w" for="ch" forName="titleText2" refType="w" fact="0.9"/>
+                        <dgm:constr type="h" for="ch" forName="titleText2" refType="h" fact="0.3"/>
+                        <dgm:constr type="primFontSz" for="des" forName="titleText2" refType="primFontSz" refFor="des" refForName="rootText1" op="lte"/>
+                        <dgm:constr type="r" for="ch" forName="rootConnector" refType="w"/>
+                        <dgm:constr type="t" for="ch" forName="rootConnector"/>
+                        <dgm:constr type="w" for="ch" forName="rootConnector" refType="w" refFor="ch" refForName="rootText" fact="0.2"/>
+                        <dgm:constr type="h" for="ch" forName="rootConnector" refType="h" refFor="ch" refForName="rootText"/>
+                      </dgm:constrLst>
+                    </dgm:if>
+                    <dgm:if name="Name69" func="var" arg="hierBranch" op="equ" val="r">
+                      <dgm:constrLst>
+                        <dgm:constr type="l" for="ch" forName="rootText"/>
+                        <dgm:constr type="t" for="ch" forName="rootText"/>
+                        <dgm:constr type="w" for="ch" forName="rootText" refType="w"/>
+                        <dgm:constr type="h" for="ch" forName="rootText" refType="h" fact="0.9"/>
+                        <dgm:constr type="l" for="ch" forName="titleText2" refType="w" fact="0.2"/>
+                        <dgm:constr type="t" for="ch" forName="titleText2" refType="h" fact="0.7"/>
+                        <dgm:constr type="w" for="ch" forName="titleText2" refType="w" fact="0.9"/>
+                        <dgm:constr type="h" for="ch" forName="titleText2" refType="h" fact="0.3"/>
+                        <dgm:constr type="primFontSz" for="des" forName="titleText2" refType="primFontSz" refFor="des" refForName="rootText1" op="lte"/>
+                        <dgm:constr type="l" for="ch" forName="rootConnector"/>
+                        <dgm:constr type="t" for="ch" forName="rootConnector"/>
+                        <dgm:constr type="w" for="ch" forName="rootConnector" refType="w" refFor="ch" refForName="rootText" fact="0.2"/>
+                        <dgm:constr type="h" for="ch" forName="rootConnector" refType="h" refFor="ch" refForName="rootText"/>
+                      </dgm:constrLst>
+                    </dgm:if>
+                    <dgm:else name="Name70">
+                      <dgm:constrLst>
+                        <dgm:constr type="l" for="ch" forName="rootText"/>
+                        <dgm:constr type="t" for="ch" forName="rootText"/>
+                        <dgm:constr type="w" for="ch" forName="rootText" refType="w"/>
+                        <dgm:constr type="h" for="ch" forName="rootText" refType="h" fact="0.9"/>
+                        <dgm:constr type="l" for="ch" forName="titleText2" refType="w" fact="0.2"/>
+                        <dgm:constr type="t" for="ch" forName="titleText2" refType="h" fact="0.7"/>
+                        <dgm:constr type="w" for="ch" forName="titleText2" refType="w" fact="0.9"/>
+                        <dgm:constr type="h" for="ch" forName="titleText2" refType="h" fact="0.3"/>
+                        <dgm:constr type="primFontSz" for="des" forName="titleText2" refType="primFontSz" refFor="des" refForName="rootText1" op="lte"/>
+                        <dgm:constr type="r" for="ch" forName="rootConnector" refType="w"/>
+                        <dgm:constr type="t" for="ch" forName="rootConnector"/>
+                        <dgm:constr type="w" for="ch" forName="rootConnector" refType="w" refFor="ch" refForName="rootText" fact="0.2"/>
+                        <dgm:constr type="h" for="ch" forName="rootConnector" refType="h" refFor="ch" refForName="rootText"/>
+                      </dgm:constrLst>
+                    </dgm:else>
+                  </dgm:choose>
+                  <dgm:ruleLst/>
+                  <dgm:layoutNode name="rootText" styleLbl="node1">
+                    <dgm:varLst>
+                      <dgm:chMax/>
+                      <dgm:chPref val="3"/>
+                    </dgm:varLst>
+                    <dgm:alg type="tx"/>
+                    <dgm:shape xmlns:r="http://schemas.openxmlformats.org/officeDocument/2006/relationships" type="rect" r:blip="">
+                      <dgm:adjLst/>
+                    </dgm:shape>
+                    <dgm:presOf axis="self" ptType="node" cnt="1"/>
+                    <dgm:constrLst>
+                      <dgm:constr type="primFontSz" val="65"/>
+                      <dgm:constr type="lMarg" refType="primFontSz" fact="0.05"/>
+                      <dgm:constr type="rMarg" refType="primFontSz" fact="0.05"/>
+                      <dgm:constr type="tMarg" refType="primFontSz" fact="0.05"/>
+                      <dgm:constr type="bMarg" refType="h" fact="0.4"/>
+                    </dgm:constrLst>
+                    <dgm:ruleLst>
+                      <dgm:rule type="primFontSz" val="5" fact="NaN" max="NaN"/>
+                    </dgm:ruleLst>
+                  </dgm:layoutNode>
+                  <dgm:layoutNode name="titleText2" styleLbl="fgAcc1">
+                    <dgm:varLst>
+                      <dgm:chMax val="0"/>
+                      <dgm:chPref val="0"/>
+                    </dgm:varLst>
+                    <dgm:alg type="tx">
+                      <dgm:param type="parTxLTRAlign" val="r"/>
+                    </dgm:alg>
+                    <dgm:shape xmlns:r="http://schemas.openxmlformats.org/officeDocument/2006/relationships" type="rect" r:blip="">
+                      <dgm:adjLst/>
+                    </dgm:shape>
+                    <dgm:presOf axis="followSib" ptType="sibTrans" hideLastTrans="0" cnt="1"/>
+                    <dgm:constrLst>
+                      <dgm:constr type="primFontSz" val="65"/>
+                      <dgm:constr type="lMarg" refType="primFontSz" fact="0.2"/>
+                      <dgm:constr type="rMarg" refType="primFontSz" fact="0.2"/>
+                      <dgm:constr type="tMarg" refType="primFontSz" fact="0.05"/>
+                      <dgm:constr type="bMarg" refType="primFontSz" fact="0.05"/>
+                    </dgm:constrLst>
+                    <dgm:ruleLst>
+                      <dgm:rule type="primFontSz" val="5" fact="NaN" max="NaN"/>
+                    </dgm:ruleLst>
+                  </dgm:layoutNode>
+                  <dgm:layoutNode name="rootConnector" moveWith="rootText">
+                    <dgm:alg type="sp"/>
+                    <dgm:shape xmlns:r="http://schemas.openxmlformats.org/officeDocument/2006/relationships" type="rect" r:blip="" hideGeom="1">
+                      <dgm:adjLst/>
+                    </dgm:shape>
+                    <dgm:presOf axis="self" ptType="node" cnt="1"/>
+                    <dgm:constrLst/>
+                    <dgm:ruleLst/>
+                  </dgm:layoutNode>
+                </dgm:layoutNode>
+                <dgm:layoutNode name="hierChild4">
+                  <dgm:choose name="Name71">
+                    <dgm:if name="Name72" func="var" arg="hierBranch" op="equ" val="l">
+                      <dgm:alg type="hierChild">
+                        <dgm:param type="chAlign" val="r"/>
+                        <dgm:param type="linDir" val="fromT"/>
+                      </dgm:alg>
+                    </dgm:if>
+                    <dgm:if name="Name73" func="var" arg="hierBranch" op="equ" val="r">
+                      <dgm:alg type="hierChild">
+                        <dgm:param type="chAlign" val="l"/>
+                        <dgm:param type="linDir" val="fromT"/>
+                      </dgm:alg>
+                    </dgm:if>
+                    <dgm:if name="Name74" func="var" arg="hierBranch" op="equ" val="hang">
+                      <dgm:choose name="Name75">
+                        <dgm:if name="Name76" func="var" arg="dir" op="equ" val="norm">
+                          <dgm:alg type="hierChild">
+                            <dgm:param type="chAlign" val="l"/>
+                            <dgm:param type="linDir" val="fromL"/>
+                            <dgm:param type="secChAlign" val="t"/>
+                            <dgm:param type="secLinDir" val="fromT"/>
+                          </dgm:alg>
+                        </dgm:if>
+                        <dgm:else name="Name77">
+                          <dgm:alg type="hierChild">
+                            <dgm:param type="chAlign" val="l"/>
+                            <dgm:param type="linDir" val="fromR"/>
+                            <dgm:param type="secChAlign" val="t"/>
+                            <dgm:param type="secLinDir" val="fromT"/>
+                          </dgm:alg>
+                        </dgm:else>
+                      </dgm:choose>
+                    </dgm:if>
+                    <dgm:if name="Name78" func="var" arg="hierBranch" op="equ" val="std">
+                      <dgm:choose name="Name79">
+                        <dgm:if name="Name80" func="var" arg="dir" op="equ" val="norm">
+                          <dgm:alg type="hierChild"/>
+                        </dgm:if>
+                        <dgm:else name="Name81">
+                          <dgm:alg type="hierChild">
+                            <dgm:param type="linDir" val="fromR"/>
+                          </dgm:alg>
+                        </dgm:else>
+                      </dgm:choose>
+                    </dgm:if>
+                    <dgm:if name="Name82" func="var" arg="hierBranch" op="equ" val="init">
+                      <dgm:choose name="Name83">
+                        <dgm:if name="Name84" func="var" arg="dir" op="equ" val="norm">
+                          <dgm:alg type="hierChild"/>
+                        </dgm:if>
+                        <dgm:else name="Name85">
+                          <dgm:alg type="hierChild">
+                            <dgm:param type="linDir" val="fromR"/>
+                          </dgm:alg>
+                        </dgm:else>
+                      </dgm:choose>
+                    </dgm:if>
+                    <dgm:else name="Name86"/>
+                  </dgm:choose>
+                  <dgm:shape xmlns:r="http://schemas.openxmlformats.org/officeDocument/2006/relationships" r:blip="">
+                    <dgm:adjLst/>
+                  </dgm:shape>
+                  <dgm:presOf/>
+                  <dgm:constrLst/>
+                  <dgm:ruleLst/>
+                  <dgm:forEach name="Name87" ref="rep2a"/>
+                </dgm:layoutNode>
+                <dgm:layoutNode name="hierChild5">
+                  <dgm:choose name="Name88">
+                    <dgm:if name="Name89" func="var" arg="dir" op="equ" val="norm">
+                      <dgm:alg type="hierChild">
+                        <dgm:param type="chAlign" val="l"/>
+                        <dgm:param type="linDir" val="fromL"/>
+                        <dgm:param type="secChAlign" val="t"/>
+                        <dgm:param type="secLinDir" val="fromT"/>
+                      </dgm:alg>
+                    </dgm:if>
+                    <dgm:else name="Name90">
+                      <dgm:alg type="hierChild">
+                        <dgm:param type="chAlign" val="l"/>
+                        <dgm:param type="linDir" val="fromR"/>
+                        <dgm:param type="secChAlign" val="t"/>
+                        <dgm:param type="secLinDir" val="fromT"/>
+                      </dgm:alg>
+                    </dgm:else>
+                  </dgm:choose>
+                  <dgm:shape xmlns:r="http://schemas.openxmlformats.org/officeDocument/2006/relationships" r:blip="">
+                    <dgm:adjLst/>
+                  </dgm:shape>
+                  <dgm:presOf/>
+                  <dgm:constrLst/>
+                  <dgm:ruleLst/>
+                  <dgm:forEach name="Name91" ref="rep2b"/>
+                </dgm:layoutNode>
+              </dgm:layoutNode>
+            </dgm:forEach>
+          </dgm:layoutNode>
+          <dgm:layoutNode name="hierChild3">
+            <dgm:choose name="Name92">
+              <dgm:if name="Name93" func="var" arg="dir" op="equ" val="norm">
+                <dgm:alg type="hierChild">
+                  <dgm:param type="chAlign" val="l"/>
+                  <dgm:param type="linDir" val="fromL"/>
+                  <dgm:param type="secChAlign" val="t"/>
+                  <dgm:param type="secLinDir" val="fromT"/>
+                </dgm:alg>
+              </dgm:if>
+              <dgm:else name="Name94">
+                <dgm:alg type="hierChild">
+                  <dgm:param type="chAlign" val="l"/>
+                  <dgm:param type="linDir" val="fromR"/>
+                  <dgm:param type="secChAlign" val="t"/>
+                  <dgm:param type="secLinDir" val="fromT"/>
+                </dgm:alg>
+              </dgm:else>
+            </dgm:choose>
+            <dgm:shape xmlns:r="http://schemas.openxmlformats.org/officeDocument/2006/relationships" r:blip="">
+              <dgm:adjLst/>
+            </dgm:shape>
+            <dgm:presOf/>
+            <dgm:constrLst/>
+            <dgm:ruleLst/>
+            <dgm:forEach name="rep2b" axis="ch" ptType="asst">
+              <dgm:forEach name="Name95" axis="precedSib" ptType="parTrans" st="-1" cnt="1">
+                <dgm:layoutNode name="Name96">
+                  <dgm:alg type="conn">
+                    <dgm:param type="connRout" val="bend"/>
+                    <dgm:param type="dim" val="1D"/>
+                    <dgm:param type="endSty" val="noArr"/>
+                    <dgm:param type="begPts" val="bCtr"/>
+                    <dgm:param type="endPts" val="midL midR"/>
+                  </dgm:alg>
+                  <dgm:shape xmlns:r="http://schemas.openxmlformats.org/officeDocument/2006/relationships" type="conn" r:blip="" zOrderOff="-99999">
+                    <dgm:adjLst/>
+                  </dgm:shape>
+                  <dgm:presOf axis="self"/>
+                  <dgm:constrLst>
+                    <dgm:constr type="begPad"/>
+                    <dgm:constr type="endPad"/>
+                  </dgm:constrLst>
+                  <dgm:ruleLst/>
+                </dgm:layoutNode>
+              </dgm:forEach>
+              <dgm:layoutNode name="hierRoot3">
+                <dgm:varLst>
+                  <dgm:hierBranch val="init"/>
+                </dgm:varLst>
+                <dgm:choose name="Name97">
+                  <dgm:if name="Name98" func="var" arg="hierBranch" op="equ" val="l">
+                    <dgm:alg type="hierRoot">
+                      <dgm:param type="hierAlign" val="tR"/>
+                    </dgm:alg>
+                    <dgm:shape xmlns:r="http://schemas.openxmlformats.org/officeDocument/2006/relationships" r:blip="">
+                      <dgm:adjLst/>
+                    </dgm:shape>
+                    <dgm:presOf/>
+                    <dgm:constrLst>
+                      <dgm:constr type="alignOff" val="0.65"/>
+                    </dgm:constrLst>
+                  </dgm:if>
+                  <dgm:if name="Name99" func="var" arg="hierBranch" op="equ" val="r">
+                    <dgm:alg type="hierRoot">
+                      <dgm:param type="hierAlign" val="tL"/>
+                    </dgm:alg>
+                    <dgm:shape xmlns:r="http://schemas.openxmlformats.org/officeDocument/2006/relationships" r:blip="">
+                      <dgm:adjLst/>
+                    </dgm:shape>
+                    <dgm:presOf/>
+                    <dgm:constrLst>
+                      <dgm:constr type="alignOff" val="0.65"/>
+                    </dgm:constrLst>
+                  </dgm:if>
+                  <dgm:if name="Name100" func="var" arg="hierBranch" op="equ" val="hang">
+                    <dgm:alg type="hierRoot"/>
+                    <dgm:shape xmlns:r="http://schemas.openxmlformats.org/officeDocument/2006/relationships" r:blip="">
+                      <dgm:adjLst/>
+                    </dgm:shape>
+                    <dgm:presOf/>
+                    <dgm:constrLst>
+                      <dgm:constr type="alignOff" val="0.65"/>
+                    </dgm:constrLst>
+                  </dgm:if>
+                  <dgm:if name="Name101" func="var" arg="hierBranch" op="equ" val="std">
+                    <dgm:alg type="hierRoot"/>
+                    <dgm:shape xmlns:r="http://schemas.openxmlformats.org/officeDocument/2006/relationships" r:blip="">
+                      <dgm:adjLst/>
+                    </dgm:shape>
+                    <dgm:presOf/>
+                    <dgm:constrLst>
+                      <dgm:constr type="alignOff"/>
+                      <dgm:constr type="bendDist" for="des" ptType="parTrans" refType="sp" fact="0.5"/>
+                    </dgm:constrLst>
+                  </dgm:if>
+                  <dgm:if name="Name102" func="var" arg="hierBranch" op="equ" val="init">
+                    <dgm:alg type="hierRoot"/>
+                    <dgm:shape xmlns:r="http://schemas.openxmlformats.org/officeDocument/2006/relationships" r:blip="">
+                      <dgm:adjLst/>
+                    </dgm:shape>
+                    <dgm:presOf/>
+                    <dgm:constrLst>
+                      <dgm:constr type="alignOff"/>
+                      <dgm:constr type="bendDist" for="des" ptType="parTrans" refType="sp" fact="0.5"/>
+                    </dgm:constrLst>
+                  </dgm:if>
+                  <dgm:else name="Name103"/>
+                </dgm:choose>
+                <dgm:ruleLst/>
+                <dgm:layoutNode name="rootComposite3">
+                  <dgm:alg type="composite"/>
+                  <dgm:shape xmlns:r="http://schemas.openxmlformats.org/officeDocument/2006/relationships" r:blip="">
+                    <dgm:adjLst/>
+                  </dgm:shape>
+                  <dgm:presOf axis="self" ptType="node" cnt="1"/>
+                  <dgm:choose name="Name104">
+                    <dgm:if name="Name105" func="var" arg="hierBranch" op="equ" val="init">
+                      <dgm:constrLst>
+                        <dgm:constr type="l" for="ch" forName="rootText3"/>
+                        <dgm:constr type="t" for="ch" forName="rootText3"/>
+                        <dgm:constr type="w" for="ch" forName="rootText3" refType="w"/>
+                        <dgm:constr type="h" for="ch" forName="rootText3" refType="h" fact="0.9"/>
+                        <dgm:constr type="l" for="ch" forName="titleText3" refType="w" fact="0.2"/>
+                        <dgm:constr type="t" for="ch" forName="titleText3" refType="h" fact="0.7"/>
+                        <dgm:constr type="w" for="ch" forName="titleText3" refType="w" fact="0.9"/>
+                        <dgm:constr type="h" for="ch" forName="titleText3" refType="h" fact="0.3"/>
+                        <dgm:constr type="primFontSz" for="des" forName="titleText3" refType="primFontSz" refFor="des" refForName="rootText3" op="lte"/>
+                        <dgm:constr type="l" for="ch" forName="rootConnector3"/>
+                        <dgm:constr type="t" for="ch" forName="rootConnector3"/>
+                        <dgm:constr type="w" for="ch" forName="rootConnector3" refType="w" refFor="ch" refForName="rootText3" fact="0.2"/>
+                        <dgm:constr type="h" for="ch" forName="rootConnector3" refType="h" refFor="ch" refForName="rootText3"/>
+                      </dgm:constrLst>
+                    </dgm:if>
+                    <dgm:if name="Name106" func="var" arg="hierBranch" op="equ" val="l">
+                      <dgm:constrLst>
+                        <dgm:constr type="l" for="ch" forName="rootText3"/>
+                        <dgm:constr type="t" for="ch" forName="rootText3"/>
+                        <dgm:constr type="w" for="ch" forName="rootText3" refType="w"/>
+                        <dgm:constr type="h" for="ch" forName="rootText3" refType="h" fact="0.9"/>
+                        <dgm:constr type="l" for="ch" forName="titleText3" refType="w" fact="0.2"/>
+                        <dgm:constr type="t" for="ch" forName="titleText3" refType="h" fact="0.7"/>
+                        <dgm:constr type="w" for="ch" forName="titleText3" refType="w" fact="0.9"/>
+                        <dgm:constr type="h" for="ch" forName="titleText3" refType="h" fact="0.3"/>
+                        <dgm:constr type="primFontSz" for="des" forName="titleText3" refType="primFontSz" refFor="des" refForName="rootText3" op="lte"/>
+                        <dgm:constr type="r" for="ch" forName="rootConnector3" refType="w"/>
+                        <dgm:constr type="t" for="ch" forName="rootConnector3"/>
+                        <dgm:constr type="w" for="ch" forName="rootConnector3" refType="w" refFor="ch" refForName="rootText3" fact="0.2"/>
+                        <dgm:constr type="h" for="ch" forName="rootConnector3" refType="h" refFor="ch" refForName="rootText3"/>
+                      </dgm:constrLst>
+                    </dgm:if>
+                    <dgm:if name="Name107" func="var" arg="hierBranch" op="equ" val="r">
+                      <dgm:constrLst>
+                        <dgm:constr type="l" for="ch" forName="rootText3"/>
+                        <dgm:constr type="t" for="ch" forName="rootText3"/>
+                        <dgm:constr type="w" for="ch" forName="rootText3" refType="w"/>
+                        <dgm:constr type="h" for="ch" forName="rootText3" refType="h" fact="0.9"/>
+                        <dgm:constr type="l" for="ch" forName="titleText3" refType="w" fact="0.2"/>
+                        <dgm:constr type="t" for="ch" forName="titleText3" refType="h" fact="0.7"/>
+                        <dgm:constr type="w" for="ch" forName="titleText3" refType="w" fact="0.9"/>
+                        <dgm:constr type="h" for="ch" forName="titleText3" refType="h" fact="0.3"/>
+                        <dgm:constr type="primFontSz" for="des" forName="titleText3" refType="primFontSz" refFor="des" refForName="rootText3" op="lte"/>
+                        <dgm:constr type="l" for="ch" forName="rootConnector3"/>
+                        <dgm:constr type="t" for="ch" forName="rootConnector3"/>
+                        <dgm:constr type="w" for="ch" forName="rootConnector3" refType="w" refFor="ch" refForName="rootText3" fact="0.2"/>
+                        <dgm:constr type="h" for="ch" forName="rootConnector3" refType="h" refFor="ch" refForName="rootText3"/>
+                      </dgm:constrLst>
+                    </dgm:if>
+                    <dgm:else name="Name108">
+                      <dgm:constrLst>
+                        <dgm:constr type="l" for="ch" forName="rootText3"/>
+                        <dgm:constr type="t" for="ch" forName="rootText3"/>
+                        <dgm:constr type="w" for="ch" forName="rootText3" refType="w"/>
+                        <dgm:constr type="h" for="ch" forName="rootText3" refType="h" fact="0.9"/>
+                        <dgm:constr type="l" for="ch" forName="titleText3" refType="w" fact="0.2"/>
+                        <dgm:constr type="t" for="ch" forName="titleText3" refType="h" fact="0.7"/>
+                        <dgm:constr type="w" for="ch" forName="titleText3" refType="w" fact="0.9"/>
+                        <dgm:constr type="h" for="ch" forName="titleText3" refType="h" fact="0.3"/>
+                        <dgm:constr type="primFontSz" for="des" forName="titleText3" refType="primFontSz" refFor="des" refForName="rootText3" op="lte"/>
+                        <dgm:constr type="r" for="ch" forName="rootConnector3" refType="w"/>
+                        <dgm:constr type="t" for="ch" forName="rootConnector3"/>
+                        <dgm:constr type="w" for="ch" forName="rootConnector3" refType="w" refFor="ch" refForName="rootText3" fact="0.2"/>
+                        <dgm:constr type="h" for="ch" forName="rootConnector3" refType="h" refFor="ch" refForName="rootText3"/>
+                      </dgm:constrLst>
+                    </dgm:else>
+                  </dgm:choose>
+                  <dgm:ruleLst/>
+                  <dgm:layoutNode name="rootText3" styleLbl="asst1">
+                    <dgm:varLst>
+                      <dgm:chPref val="3"/>
+                    </dgm:varLst>
+                    <dgm:alg type="tx"/>
+                    <dgm:shape xmlns:r="http://schemas.openxmlformats.org/officeDocument/2006/relationships" type="rect" r:blip="">
+                      <dgm:adjLst/>
+                    </dgm:shape>
+                    <dgm:presOf axis="self" ptType="node" cnt="1"/>
+                    <dgm:constrLst>
+                      <dgm:constr type="primFontSz" val="65"/>
+                      <dgm:constr type="lMarg" refType="primFontSz" fact="0.05"/>
+                      <dgm:constr type="rMarg" refType="primFontSz" fact="0.05"/>
+                      <dgm:constr type="tMarg" refType="primFontSz" fact="0.05"/>
+                      <dgm:constr type="bMarg" refType="h" fact="0.4"/>
+                    </dgm:constrLst>
+                    <dgm:ruleLst>
+                      <dgm:rule type="primFontSz" val="5" fact="NaN" max="NaN"/>
+                    </dgm:ruleLst>
+                  </dgm:layoutNode>
+                  <dgm:layoutNode name="titleText3" styleLbl="fgAcc2">
+                    <dgm:varLst>
+                      <dgm:chMax val="0"/>
+                      <dgm:chPref val="0"/>
+                    </dgm:varLst>
+                    <dgm:alg type="tx">
+                      <dgm:param type="parTxLTRAlign" val="r"/>
+                    </dgm:alg>
+                    <dgm:shape xmlns:r="http://schemas.openxmlformats.org/officeDocument/2006/relationships" type="rect" r:blip="">
+                      <dgm:adjLst/>
+                    </dgm:shape>
+                    <dgm:presOf axis="followSib" ptType="sibTrans" hideLastTrans="0" cnt="1"/>
+                    <dgm:constrLst>
+                      <dgm:constr type="primFontSz" val="65"/>
+                      <dgm:constr type="lMarg" refType="primFontSz" fact="0.2"/>
+                      <dgm:constr type="rMarg" refType="primFontSz" fact="0.2"/>
+                      <dgm:constr type="tMarg" refType="primFontSz" fact="0.05"/>
+                      <dgm:constr type="bMarg" refType="primFontSz" fact="0.05"/>
+                    </dgm:constrLst>
+                    <dgm:ruleLst>
+                      <dgm:rule type="primFontSz" val="5" fact="NaN" max="NaN"/>
+                    </dgm:ruleLst>
+                  </dgm:layoutNode>
+                  <dgm:layoutNode name="rootConnector3" moveWith="rootText1">
+                    <dgm:alg type="sp"/>
+                    <dgm:shape xmlns:r="http://schemas.openxmlformats.org/officeDocument/2006/relationships" type="rect" r:blip="" hideGeom="1">
+                      <dgm:adjLst/>
+                    </dgm:shape>
+                    <dgm:presOf axis="self" ptType="node" cnt="1"/>
+                    <dgm:constrLst/>
+                    <dgm:ruleLst/>
+                  </dgm:layoutNode>
+                </dgm:layoutNode>
+                <dgm:layoutNode name="hierChild6">
+                  <dgm:choose name="Name109">
+                    <dgm:if name="Name110" func="var" arg="hierBranch" op="equ" val="l">
+                      <dgm:alg type="hierChild">
+                        <dgm:param type="chAlign" val="r"/>
+                        <dgm:param type="linDir" val="fromT"/>
+                      </dgm:alg>
+                    </dgm:if>
+                    <dgm:if name="Name111" func="var" arg="hierBranch" op="equ" val="r">
+                      <dgm:alg type="hierChild">
+                        <dgm:param type="chAlign" val="l"/>
+                        <dgm:param type="linDir" val="fromT"/>
+                      </dgm:alg>
+                    </dgm:if>
+                    <dgm:if name="Name112" func="var" arg="hierBranch" op="equ" val="hang">
+                      <dgm:choose name="Name113">
+                        <dgm:if name="Name114" func="var" arg="dir" op="equ" val="norm">
+                          <dgm:alg type="hierChild">
+                            <dgm:param type="chAlign" val="l"/>
+                            <dgm:param type="linDir" val="fromL"/>
+                            <dgm:param type="secChAlign" val="t"/>
+                            <dgm:param type="secLinDir" val="fromT"/>
+                          </dgm:alg>
+                        </dgm:if>
+                        <dgm:else name="Name115">
+                          <dgm:alg type="hierChild">
+                            <dgm:param type="chAlign" val="l"/>
+                            <dgm:param type="linDir" val="fromR"/>
+                            <dgm:param type="secChAlign" val="t"/>
+                            <dgm:param type="secLinDir" val="fromT"/>
+                          </dgm:alg>
+                        </dgm:else>
+                      </dgm:choose>
+                    </dgm:if>
+                    <dgm:if name="Name116" func="var" arg="hierBranch" op="equ" val="std">
+                      <dgm:choose name="Name117">
+                        <dgm:if name="Name118" func="var" arg="dir" op="equ" val="norm">
+                          <dgm:alg type="hierChild"/>
+                        </dgm:if>
+                        <dgm:else name="Name119">
+                          <dgm:alg type="hierChild">
+                            <dgm:param type="linDir" val="fromR"/>
+                          </dgm:alg>
+                        </dgm:else>
+                      </dgm:choose>
+                    </dgm:if>
+                    <dgm:if name="Name120" func="var" arg="hierBranch" op="equ" val="init">
+                      <dgm:alg type="hierChild"/>
+                    </dgm:if>
+                    <dgm:else name="Name121"/>
+                  </dgm:choose>
+                  <dgm:shape xmlns:r="http://schemas.openxmlformats.org/officeDocument/2006/relationships" r:blip="">
+                    <dgm:adjLst/>
+                  </dgm:shape>
+                  <dgm:presOf/>
+                  <dgm:constrLst/>
+                  <dgm:ruleLst/>
+                  <dgm:forEach name="Name122" ref="rep2a"/>
+                </dgm:layoutNode>
+                <dgm:layoutNode name="hierChild7">
+                  <dgm:choose name="Name123">
+                    <dgm:if name="Name124" func="var" arg="dir" op="equ" val="norm">
+                      <dgm:alg type="hierChild">
+                        <dgm:param type="chAlign" val="l"/>
+                        <dgm:param type="linDir" val="fromL"/>
+                        <dgm:param type="secChAlign" val="t"/>
+                        <dgm:param type="secLinDir" val="fromT"/>
+                      </dgm:alg>
+                    </dgm:if>
+                    <dgm:else name="Name125">
+                      <dgm:alg type="hierChild">
+                        <dgm:param type="chAlign" val="l"/>
+                        <dgm:param type="linDir" val="fromR"/>
+                        <dgm:param type="secChAlign" val="t"/>
+                        <dgm:param type="secLinDir" val="fromT"/>
+                      </dgm:alg>
+                    </dgm:else>
+                  </dgm:choose>
+                  <dgm:shape xmlns:r="http://schemas.openxmlformats.org/officeDocument/2006/relationships" r:blip="">
+                    <dgm:adjLst/>
+                  </dgm:shape>
+                  <dgm:presOf/>
+                  <dgm:constrLst/>
+                  <dgm:ruleLst/>
+                  <dgm:forEach name="Name126" ref="rep2b"/>
+                </dgm:layoutNode>
+              </dgm:layoutNode>
+            </dgm:forEach>
+          </dgm:layoutNode>
+        </dgm:layoutNode>
+      </dgm:forEach>
+    </dgm:forEach>
+  </dgm:layoutNode>
+</dgm:layoutDef>
+</file>
+
+<file path=ppt/diagrams/quickStyle1.xml><?xml version="1.0" encoding="utf-8"?>
+<dgm:styleDef xmlns:dgm="http://schemas.openxmlformats.org/drawingml/2006/diagram" xmlns:a="http://schemas.openxmlformats.org/drawingml/2006/main" uniqueId="urn:microsoft.com/office/officeart/2005/8/quickstyle/3d3">
+  <dgm:title val=""/>
+  <dgm:desc val=""/>
+  <dgm:catLst>
+    <dgm:cat type="3D" pri="11300"/>
+  </dgm:catLst>
+  <dgm:scene3d>
+    <a:camera prst="orthographicFront"/>
+    <a:lightRig rig="threePt" dir="t"/>
+  </dgm:scene3d>
+  <dgm:styleLbl name="node0">
+    <dgm:scene3d>
+      <a:camera prst="orthographicFront">
+        <a:rot lat="0" lon="0" rev="0"/>
+      </a:camera>
+      <a:lightRig rig="contrasting" dir="t">
+        <a:rot lat="0" lon="0" rev="1200000"/>
+      </a:lightRig>
+    </dgm:scene3d>
+    <dgm:sp3d contourW="19050" prstMaterial="metal">
+      <a:bevelT w="88900" h="203200"/>
+      <a:bevelB w="165100" h="254000"/>
+    </dgm:sp3d>
+    <dgm:txPr/>
+    <dgm:style>
+      <a:lnRef idx="0">
+        <a:scrgbClr r="0" g="0" b="0"/>
+      </a:lnRef>
+      <a:fillRef idx="1">
+        <a:scrgbClr r="0" g="0" b="0"/>
+      </a:fillRef>
+      <a:effectRef idx="1">
+        <a:scrgbClr r="0" g="0" b="0"/>
+      </a:effectRef>
+      <a:fontRef idx="minor">
+        <a:schemeClr val="lt1"/>
+      </a:fontRef>
+    </dgm:style>
+  </dgm:styleLbl>
+  <dgm:styleLbl name="lnNode1">
+    <dgm:scene3d>
+      <a:camera prst="orthographicFront">
+        <a:rot lat="0" lon="0" rev="0"/>
+      </a:camera>
+      <a:lightRig rig="contrasting" dir="t">
+        <a:rot lat="0" lon="0" rev="1200000"/>
+      </a:lightRig>
+    </dgm:scene3d>
+    <dgm:sp3d contourW="19050" prstMaterial="metal">
+      <a:bevelT w="88900" h="203200"/>
+      <a:bevelB w="165100" h="254000"/>
+    </dgm:sp3d>
+    <dgm:txPr/>
+    <dgm:style>
+      <a:lnRef idx="0">
+        <a:scrgbClr r="0" g="0" b="0"/>
+      </a:lnRef>
+      <a:fillRef idx="1">
+        <a:scrgbClr r="0" g="0" b="0"/>
+      </a:fillRef>
+      <a:effectRef idx="1">
+        <a:scrgbClr r="0" g="0" b="0"/>
+      </a:effectRef>
+      <a:fontRef idx="minor">
+        <a:schemeClr val="lt1"/>
+      </a:fontRef>
+    </dgm:style>
+  </dgm:styleLbl>
+  <dgm:styleLbl name="vennNode1">
+    <dgm:scene3d>
+      <a:camera prst="orthographicFront">
+        <a:rot lat="0" lon="0" rev="0"/>
+      </a:camera>
+      <a:lightRig rig="contrasting" dir="t">
+        <a:rot lat="0" lon="0" rev="1200000"/>
+      </a:lightRig>
+    </dgm:scene3d>
+    <dgm:sp3d contourW="12700" prstMaterial="clear">
+      <a:bevelT w="177800" h="254000"/>
+      <a:bevelB w="152400"/>
+    </dgm:sp3d>
+    <dgm:txPr/>
+    <dgm:style>
+      <a:lnRef idx="0">
+        <a:scrgbClr r="0" g="0" b="0"/>
+      </a:lnRef>
+      <a:fillRef idx="1">
+        <a:scrgbClr r="0" g="0" b="0"/>
+      </a:fillRef>
+      <a:effectRef idx="0">
+        <a:scrgbClr r="0" g="0" b="0"/>
+      </a:effectRef>
+      <a:fontRef idx="minor">
+        <a:schemeClr val="tx1"/>
+      </a:fontRef>
+    </dgm:style>
+  </dgm:styleLbl>
+  <dgm:styleLbl name="alignNode1">
+    <dgm:scene3d>
+      <a:camera prst="orthographicFront">
+        <a:rot lat="0" lon="0" rev="0"/>
+      </a:camera>
+      <a:lightRig rig="contrasting" dir="t">
+        <a:rot lat="0" lon="0" rev="1200000"/>
+      </a:lightRig>
+    </dgm:scene3d>
+    <dgm:sp3d contourW="19050" prstMaterial="metal">
+      <a:bevelT w="88900" h="203200"/>
+      <a:bevelB w="165100" h="254000"/>
+    </dgm:sp3d>
+    <dgm:txPr/>
+    <dgm:style>
+      <a:lnRef idx="0">
+        <a:scrgbClr r="0" g="0" b="0"/>
+      </a:lnRef>
+      <a:fillRef idx="1">
+        <a:scrgbClr r="0" g="0" b="0"/>
+      </a:fillRef>
+      <a:effectRef idx="2">
+        <a:scrgbClr r="0" g="0" b="0"/>
+      </a:effectRef>
+      <a:fontRef idx="minor">
+        <a:schemeClr val="lt1"/>
+      </a:fontRef>
+    </dgm:style>
+  </dgm:styleLbl>
+  <dgm:styleLbl name="node1">
+    <dgm:scene3d>
+      <a:camera prst="orthographicFront">
+        <a:rot lat="0" lon="0" rev="0"/>
+      </a:camera>
+      <a:lightRig rig="contrasting" dir="t">
+        <a:rot lat="0" lon="0" rev="1200000"/>
+      </a:lightRig>
+    </dgm:scene3d>
+    <dgm:sp3d contourW="19050" prstMaterial="metal">
+      <a:bevelT w="88900" h="203200"/>
+      <a:bevelB w="165100" h="254000"/>
+    </dgm:sp3d>
+    <dgm:txPr/>
+    <dgm:style>
+      <a:lnRef idx="0">
+        <a:scrgbClr r="0" g="0" b="0"/>
+      </a:lnRef>
+      <a:fillRef idx="1">
+        <a:scrgbClr r="0" g="0" b="0"/>
+      </a:fillRef>
+      <a:effectRef idx="2">
+        <a:scrgbClr r="0" g="0" b="0"/>
+      </a:effectRef>
+      <a:fontRef idx="minor">
+        <a:schemeClr val="lt1"/>
+      </a:fontRef>
+    </dgm:style>
+  </dgm:styleLbl>
+  <dgm:styleLbl name="node2">
+    <dgm:scene3d>
+      <a:camera prst="orthographicFront">
+        <a:rot lat="0" lon="0" rev="0"/>
+      </a:camera>
+      <a:lightRig rig="contrasting" dir="t">
+        <a:rot lat="0" lon="0" rev="1200000"/>
+      </a:lightRig>
+    </dgm:scene3d>
+    <dgm:sp3d contourW="19050" prstMaterial="metal">
+      <a:bevelT w="88900" h="203200"/>
+      <a:bevelB w="165100" h="254000"/>
+    </dgm:sp3d>
+    <dgm:txPr/>
+    <dgm:style>
+      <a:lnRef idx="0">
+        <a:scrgbClr r="0" g="0" b="0"/>
+      </a:lnRef>
+      <a:fillRef idx="1">
+        <a:scrgbClr r="0" g="0" b="0"/>
+      </a:fillRef>
+      <a:effectRef idx="1">
+        <a:scrgbClr r="0" g="0" b="0"/>
+      </a:effectRef>
+      <a:fontRef idx="minor">
+        <a:schemeClr val="lt1"/>
+      </a:fontRef>
+    </dgm:style>
+  </dgm:styleLbl>
+  <dgm:styleLbl name="node3">
+    <dgm:scene3d>
+      <a:camera prst="orthographicFront">
+        <a:rot lat="0" lon="0" rev="0"/>
+      </a:camera>
+      <a:lightRig rig="contrasting" dir="t">
+        <a:rot lat="0" lon="0" rev="1200000"/>
+      </a:lightRig>
+    </dgm:scene3d>
+    <dgm:sp3d contourW="19050" prstMaterial="metal">
+      <a:bevelT w="88900" h="203200"/>
+      <a:bevelB w="165100" h="254000"/>
+    </dgm:sp3d>
+    <dgm:txPr/>
+    <dgm:style>
+      <a:lnRef idx="0">
+        <a:scrgbClr r="0" g="0" b="0"/>
+      </a:lnRef>
+      <a:fillRef idx="1">
+        <a:scrgbClr r="0" g="0" b="0"/>
+      </a:fillRef>
+      <a:effectRef idx="1">
+        <a:scrgbClr r="0" g="0" b="0"/>
+      </a:effectRef>
+      <a:fontRef idx="minor">
+        <a:schemeClr val="lt1"/>
+      </a:fontRef>
+    </dgm:style>
+  </dgm:styleLbl>
+  <dgm:styleLbl name="node4">
+    <dgm:scene3d>
+      <a:camera prst="orthographicFront">
+        <a:rot lat="0" lon="0" rev="0"/>
+      </a:camera>
+      <a:lightRig rig="contrasting" dir="t">
+        <a:rot lat="0" lon="0" rev="1200000"/>
+      </a:lightRig>
+    </dgm:scene3d>
+    <dgm:sp3d contourW="19050" prstMaterial="metal">
+      <a:bevelT w="88900" h="203200"/>
+      <a:bevelB w="165100" h="254000"/>
+    </dgm:sp3d>
+    <dgm:txPr/>
+    <dgm:style>
+      <a:lnRef idx="0">
+        <a:scrgbClr r="0" g="0" b="0"/>
+      </a:lnRef>
+      <a:fillRef idx="1">
+        <a:scrgbClr r="0" g="0" b="0"/>
+      </a:fillRef>
+      <a:effectRef idx="1">
+        <a:scrgbClr r="0" g="0" b="0"/>
+      </a:effectRef>
+      <a:fontRef idx="minor">
+        <a:schemeClr val="lt1"/>
+      </a:fontRef>
+    </dgm:style>
+  </dgm:styleLbl>
+  <dgm:styleLbl name="fgImgPlace1">
+    <dgm:scene3d>
+      <a:camera prst="orthographicFront">
+        <a:rot lat="0" lon="0" rev="0"/>
+      </a:camera>
+      <a:lightRig rig="contrasting" dir="t">
+        <a:rot lat="0" lon="0" rev="1200000"/>
+      </a:lightRig>
+    </dgm:scene3d>
+    <dgm:sp3d z="300000" contourW="19050" prstMaterial="metal">
+      <a:bevelT w="88900" h="203200"/>
+      <a:bevelB w="165100" h="254000"/>
+    </dgm:sp3d>
+    <dgm:txPr/>
+    <dgm:style>
+      <a:lnRef idx="0">
+        <a:scrgbClr r="0" g="0" b="0"/>
+      </a:lnRef>
+      <a:fillRef idx="1">
+        <a:scrgbClr r="0" g="0" b="0"/>
+      </a:fillRef>
+      <a:effectRef idx="1">
+        <a:scrgbClr r="0" g="0" b="0"/>
+      </a:effectRef>
+      <a:fontRef idx="minor"/>
+    </dgm:style>
+  </dgm:styleLbl>
+  <dgm:styleLbl name="alignImgPlace1">
+    <dgm:scene3d>
+      <a:camera prst="orthographicFront">
+        <a:rot lat="0" lon="0" rev="0"/>
+      </a:camera>
+      <a:lightRig rig="contrasting" dir="t">
+        <a:rot lat="0" lon="0" rev="1200000"/>
+      </a:lightRig>
+    </dgm:scene3d>
+    <dgm:sp3d contourW="12700" prstMaterial="flat">
+      <a:bevelT w="177800" h="254000"/>
+      <a:bevelB w="152400"/>
+    </dgm:sp3d>
+    <dgm:txPr/>
+    <dgm:style>
+      <a:lnRef idx="0">
+        <a:scrgbClr r="0" g="0" b="0"/>
+      </a:lnRef>
+      <a:fillRef idx="1">
+        <a:scrgbClr r="0" g="0" b="0"/>
+      </a:fillRef>
+      <a:effectRef idx="1">
+        <a:scrgbClr r="0" g="0" b="0"/>
+      </a:effectRef>
+      <a:fontRef idx="minor"/>
+    </dgm:style>
+  </dgm:styleLbl>
+  <dgm:styleLbl name="bgImgPlace1">
+    <dgm:scene3d>
+      <a:camera prst="orthographicFront">
+        <a:rot lat="0" lon="0" rev="0"/>
+      </a:camera>
+      <a:lightRig rig="contrasting" dir="t">
+        <a:rot lat="0" lon="0" rev="1200000"/>
+      </a:lightRig>
+    </dgm:scene3d>
+    <dgm:sp3d z="-300000" contourW="19050" prstMaterial="metal">
+      <a:bevelT w="88900" h="203200"/>
+      <a:bevelB w="165100" h="254000"/>
+    </dgm:sp3d>
+    <dgm:txPr/>
+    <dgm:style>
+      <a:lnRef idx="0">
+        <a:scrgbClr r="0" g="0" b="0"/>
+      </a:lnRef>
+      <a:fillRef idx="1">
+        <a:scrgbClr r="0" g="0" b="0"/>
+      </a:fillRef>
+      <a:effectRef idx="1">
+        <a:scrgbClr r="0" g="0" b="0"/>
+      </a:effectRef>
+      <a:fontRef idx="minor"/>
+    </dgm:style>
+  </dgm:styleLbl>
+  <dgm:styleLbl name="sibTrans2D1">
+    <dgm:scene3d>
+      <a:camera prst="orthographicFront">
+        <a:rot lat="0" lon="0" rev="0"/>
+      </a:camera>
+      <a:lightRig rig="contrasting" dir="t">
+        <a:rot lat="0" lon="0" rev="1200000"/>
+      </a:lightRig>
+    </dgm:scene3d>
+    <dgm:sp3d z="-182000" contourW="19050" prstMaterial="metal">
+      <a:bevelT w="88900" h="203200"/>
+      <a:bevelB w="165100" h="254000"/>
+    </dgm:sp3d>
+    <dgm:txPr/>
+    <dgm:style>
+      <a:lnRef idx="0">
+        <a:scrgbClr r="0" g="0" b="0"/>
+      </a:lnRef>
+      <a:fillRef idx="1">
+        <a:scrgbClr r="0" g="0" b="0"/>
+      </a:fillRef>
+      <a:effectRef idx="0">
+        <a:scrgbClr r="0" g="0" b="0"/>
+      </a:effectRef>
+      <a:fontRef idx="minor">
+        <a:schemeClr val="lt1"/>
+      </a:fontRef>
+    </dgm:style>
+  </dgm:styleLbl>
+  <dgm:styleLbl name="fgSibTrans2D1">
+    <dgm:scene3d>
+      <a:camera prst="orthographicFront">
+        <a:rot lat="0" lon="0" rev="0"/>
+      </a:camera>
+      <a:lightRig rig="contrasting" dir="t">
+        <a:rot lat="0" lon="0" rev="1200000"/>
+      </a:lightRig>
+    </dgm:scene3d>
+    <dgm:sp3d z="300000" contourW="19050" prstMaterial="metal">
+      <a:bevelT w="88900" h="203200"/>
+      <a:bevelB w="165100" h="254000"/>
+    </dgm:sp3d>
+    <dgm:txPr/>
+    <dgm:style>
+      <a:lnRef idx="0">
+        <a:scrgbClr r="0" g="0" b="0"/>
+      </a:lnRef>
+      <a:fillRef idx="1">
+        <a:scrgbClr r="0" g="0" b="0"/>
+      </a:fillRef>
+      <a:effectRef idx="0">
+        <a:scrgbClr r="0" g="0" b="0"/>
+      </a:effectRef>
+      <a:fontRef idx="minor"/>
+    </dgm:style>
+  </dgm:styleLbl>
+  <dgm:styleLbl name="bgSibTrans2D1">
+    <dgm:scene3d>
+      <a:camera prst="orthographicFront">
+        <a:rot lat="0" lon="0" rev="0"/>
+      </a:camera>
+      <a:lightRig rig="contrasting" dir="t">
+        <a:rot lat="0" lon="0" rev="1200000"/>
+      </a:lightRig>
+    </dgm:scene3d>
+    <dgm:sp3d z="-300000" contourW="19050" prstMaterial="metal">
+      <a:bevelT w="88900" h="203200"/>
+      <a:bevelB w="165100" h="254000"/>
+    </dgm:sp3d>
+    <dgm:txPr/>
+    <dgm:style>
+      <a:lnRef idx="0">
+        <a:scrgbClr r="0" g="0" b="0"/>
+      </a:lnRef>
+      <a:fillRef idx="1">
+        <a:scrgbClr r="0" g="0" b="0"/>
+      </a:fillRef>
+      <a:effectRef idx="0">
+        <a:scrgbClr r="0" g="0" b="0"/>
+      </a:effectRef>
+      <a:fontRef idx="minor"/>
+    </dgm:style>
+  </dgm:styleLbl>
+  <dgm:styleLbl name="sibTrans1D1">
+    <dgm:scene3d>
+      <a:camera prst="orthographicFront">
+        <a:rot lat="0" lon="0" rev="0"/>
+      </a:camera>
+      <a:lightRig rig="contrasting" dir="t">
+        <a:rot lat="0" lon="0" rev="1200000"/>
+      </a:lightRig>
+    </dgm:scene3d>
+    <dgm:sp3d z="-110000"/>
+    <dgm:txPr/>
+    <dgm:style>
+      <a:lnRef idx="1">
+        <a:scrgbClr r="0" g="0" b="0"/>
+      </a:lnRef>
+      <a:fillRef idx="0">
+        <a:scrgbClr r="0" g="0" b="0"/>
+      </a:fillRef>
+      <a:effectRef idx="0">
+        <a:scrgbClr r="0" g="0" b="0"/>
+      </a:effectRef>
+      <a:fontRef idx="minor"/>
+    </dgm:style>
+  </dgm:styleLbl>
+  <dgm:styleLbl name="callout">
+    <dgm:scene3d>
+      <a:camera prst="orthographicFront">
+        <a:rot lat="0" lon="0" rev="0"/>
+      </a:camera>
+      <a:lightRig rig="contrasting" dir="t">
+        <a:rot lat="0" lon="0" rev="1200000"/>
+      </a:lightRig>
+    </dgm:scene3d>
+    <dgm:sp3d z="10000"/>
+    <dgm:txPr/>
+    <dgm:style>
+      <a:lnRef idx="2">
+        <a:scrgbClr r="0" g="0" b="0"/>
+      </a:lnRef>
+      <a:fillRef idx="1">
+        <a:scrgbClr r="0" g="0" b="0"/>
+      </a:fillRef>
+      <a:effectRef idx="0">
+        <a:scrgbClr r="0" g="0" b="0"/>
+      </a:effectRef>
+      <a:fontRef idx="minor"/>
+    </dgm:style>
+  </dgm:styleLbl>
+  <dgm:styleLbl name="asst0">
+    <dgm:scene3d>
+      <a:camera prst="orthographicFront">
+        <a:rot lat="0" lon="0" rev="0"/>
+      </a:camera>
+      <a:lightRig rig="contrasting" dir="t">
+        <a:rot lat="0" lon="0" rev="1200000"/>
+      </a:lightRig>
+    </dgm:scene3d>
+    <dgm:sp3d contourW="19050" prstMaterial="metal">
+      <a:bevelT w="88900" h="203200"/>
+      <a:bevelB w="165100" h="254000"/>
+    </dgm:sp3d>
+    <dgm:txPr/>
+    <dgm:style>
+      <a:lnRef idx="0">
+        <a:scrgbClr r="0" g="0" b="0"/>
+      </a:lnRef>
+      <a:fillRef idx="1">
+        <a:scrgbClr r="0" g="0" b="0"/>
+      </a:fillRef>
+      <a:effectRef idx="1">
+        <a:scrgbClr r="0" g="0" b="0"/>
+      </a:effectRef>
+      <a:fontRef idx="minor">
+        <a:schemeClr val="lt1"/>
+      </a:fontRef>
+    </dgm:style>
+  </dgm:styleLbl>
+  <dgm:styleLbl name="asst1">
+    <dgm:scene3d>
+      <a:camera prst="orthographicFront">
+        <a:rot lat="0" lon="0" rev="0"/>
+      </a:camera>
+      <a:lightRig rig="contrasting" dir="t">
+        <a:rot lat="0" lon="0" rev="1200000"/>
+      </a:lightRig>
+    </dgm:scene3d>
+    <dgm:sp3d contourW="19050" prstMaterial="metal">
+      <a:bevelT w="88900" h="203200"/>
+      <a:bevelB w="165100" h="254000"/>
+    </dgm:sp3d>
+    <dgm:txPr/>
+    <dgm:style>
+      <a:lnRef idx="0">
+        <a:scrgbClr r="0" g="0" b="0"/>
+      </a:lnRef>
+      <a:fillRef idx="1">
+        <a:scrgbClr r="0" g="0" b="0"/>
+      </a:fillRef>
+      <a:effectRef idx="1">
+        <a:scrgbClr r="0" g="0" b="0"/>
+      </a:effectRef>
+      <a:fontRef idx="minor">
+        <a:schemeClr val="lt1"/>
+      </a:fontRef>
+    </dgm:style>
+  </dgm:styleLbl>
+  <dgm:styleLbl name="asst2">
+    <dgm:scene3d>
+      <a:camera prst="orthographicFront">
+        <a:rot lat="0" lon="0" rev="0"/>
+      </a:camera>
+      <a:lightRig rig="contrasting" dir="t">
+        <a:rot lat="0" lon="0" rev="1200000"/>
+      </a:lightRig>
+    </dgm:scene3d>
+    <dgm:sp3d contourW="19050" prstMaterial="metal">
+      <a:bevelT w="88900" h="203200"/>
+      <a:bevelB w="165100" h="254000"/>
+    </dgm:sp3d>
+    <dgm:txPr/>
+    <dgm:style>
+      <a:lnRef idx="0">
+        <a:scrgbClr r="0" g="0" b="0"/>
+      </a:lnRef>
+      <a:fillRef idx="1">
+        <a:scrgbClr r="0" g="0" b="0"/>
+      </a:fillRef>
+      <a:effectRef idx="1">
+        <a:scrgbClr r="0" g="0" b="0"/>
+      </a:effectRef>
+      <a:fontRef idx="minor">
+        <a:schemeClr val="lt1"/>
+      </a:fontRef>
+    </dgm:style>
+  </dgm:styleLbl>
+  <dgm:styleLbl name="asst3">
+    <dgm:scene3d>
+      <a:camera prst="orthographicFront">
+        <a:rot lat="0" lon="0" rev="0"/>
+      </a:camera>
+      <a:lightRig rig="contrasting" dir="t">
+        <a:rot lat="0" lon="0" rev="1200000"/>
+      </a:lightRig>
+    </dgm:scene3d>
+    <dgm:sp3d contourW="19050" prstMaterial="metal">
+      <a:bevelT w="88900" h="203200"/>
+      <a:bevelB w="165100" h="254000"/>
+    </dgm:sp3d>
+    <dgm:txPr/>
+    <dgm:style>
+      <a:lnRef idx="0">
+        <a:scrgbClr r="0" g="0" b="0"/>
+      </a:lnRef>
+      <a:fillRef idx="1">
+        <a:scrgbClr r="0" g="0" b="0"/>
+      </a:fillRef>
+      <a:effectRef idx="1">
+        <a:scrgbClr r="0" g="0" b="0"/>
+      </a:effectRef>
+      <a:fontRef idx="minor">
+        <a:schemeClr val="lt1"/>
+      </a:fontRef>
+    </dgm:style>
+  </dgm:styleLbl>
+  <dgm:styleLbl name="asst4">
+    <dgm:scene3d>
+      <a:camera prst="orthographicFront"/>
+      <a:lightRig rig="threePt" dir="t"/>
+    </dgm:scene3d>
+    <dgm:sp3d contourW="19050" prstMaterial="metal">
+      <a:bevelT w="88900" h="203200"/>
+      <a:bevelB w="165100" h="254000"/>
+    </dgm:sp3d>
+    <dgm:txPr/>
+    <dgm:style>
+      <a:lnRef idx="0">
+        <a:scrgbClr r="0" g="0" b="0"/>
+      </a:lnRef>
+      <a:fillRef idx="1">
+        <a:scrgbClr r="0" g="0" b="0"/>
+      </a:fillRef>
+      <a:effectRef idx="1">
+        <a:scrgbClr r="0" g="0" b="0"/>
+      </a:effectRef>
+      <a:fontRef idx="minor">
+        <a:schemeClr val="lt1"/>
+      </a:fontRef>
+    </dgm:style>
+  </dgm:styleLbl>
+  <dgm:styleLbl name="parChTrans2D1">
+    <dgm:scene3d>
+      <a:camera prst="orthographicFront">
+        <a:rot lat="0" lon="0" rev="0"/>
+      </a:camera>
+      <a:lightRig rig="contrasting" dir="t">
+        <a:rot lat="0" lon="0" rev="1200000"/>
+      </a:lightRig>
+    </dgm:scene3d>
+    <dgm:sp3d contourW="19050" prstMaterial="metal">
+      <a:bevelT w="88900" h="203200"/>
+      <a:bevelB w="165100" h="254000"/>
+    </dgm:sp3d>
+    <dgm:txPr/>
+    <dgm:style>
+      <a:lnRef idx="0">
+        <a:scrgbClr r="0" g="0" b="0"/>
+      </a:lnRef>
+      <a:fillRef idx="1">
+        <a:scrgbClr r="0" g="0" b="0"/>
+      </a:fillRef>
+      <a:effectRef idx="0">
+        <a:scrgbClr r="0" g="0" b="0"/>
+      </a:effectRef>
+      <a:fontRef idx="minor"/>
+    </dgm:style>
+  </dgm:styleLbl>
+  <dgm:styleLbl name="parChTrans2D2">
+    <dgm:scene3d>
+      <a:camera prst="orthographicFront">
+        <a:rot lat="0" lon="0" rev="0"/>
+      </a:camera>
+      <a:lightRig rig="contrasting" dir="t">
+        <a:rot lat="0" lon="0" rev="1200000"/>
+      </a:lightRig>
+    </dgm:scene3d>
+    <dgm:sp3d contourW="19050" prstMaterial="metal">
+      <a:bevelT w="88900" h="203200"/>
+      <a:bevelB w="165100" h="254000"/>
+    </dgm:sp3d>
+    <dgm:txPr/>
+    <dgm:style>
+      <a:lnRef idx="0">
+        <a:scrgbClr r="0" g="0" b="0"/>
+      </a:lnRef>
+      <a:fillRef idx="1">
+        <a:scrgbClr r="0" g="0" b="0"/>
+      </a:fillRef>
+      <a:effectRef idx="0">
+        <a:scrgbClr r="0" g="0" b="0"/>
+      </a:effectRef>
+      <a:fontRef idx="minor"/>
+    </dgm:style>
+  </dgm:styleLbl>
+  <dgm:styleLbl name="parChTrans2D3">
+    <dgm:scene3d>
+      <a:camera prst="orthographicFront">
+        <a:rot lat="0" lon="0" rev="0"/>
+      </a:camera>
+      <a:lightRig rig="contrasting" dir="t">
+        <a:rot lat="0" lon="0" rev="1200000"/>
+      </a:lightRig>
+    </dgm:scene3d>
+    <dgm:sp3d contourW="19050" prstMaterial="metal">
+      <a:bevelT w="88900" h="203200"/>
+      <a:bevelB w="165100" h="254000"/>
+    </dgm:sp3d>
+    <dgm:txPr/>
+    <dgm:style>
+      <a:lnRef idx="0">
+        <a:scrgbClr r="0" g="0" b="0"/>
+      </a:lnRef>
+      <a:fillRef idx="1">
+        <a:scrgbClr r="0" g="0" b="0"/>
+      </a:fillRef>
+      <a:effectRef idx="0">
+        <a:scrgbClr r="0" g="0" b="0"/>
+      </a:effectRef>
+      <a:fontRef idx="minor"/>
+    </dgm:style>
+  </dgm:styleLbl>
+  <dgm:styleLbl name="parChTrans2D4">
+    <dgm:scene3d>
+      <a:camera prst="orthographicFront">
+        <a:rot lat="0" lon="0" rev="0"/>
+      </a:camera>
+      <a:lightRig rig="contrasting" dir="t">
+        <a:rot lat="0" lon="0" rev="1200000"/>
+      </a:lightRig>
+    </dgm:scene3d>
+    <dgm:sp3d contourW="19050" prstMaterial="metal">
+      <a:bevelT w="88900" h="203200"/>
+      <a:bevelB w="165100" h="254000"/>
+    </dgm:sp3d>
+    <dgm:txPr/>
+    <dgm:style>
+      <a:lnRef idx="0">
+        <a:scrgbClr r="0" g="0" b="0"/>
+      </a:lnRef>
+      <a:fillRef idx="1">
+        <a:scrgbClr r="0" g="0" b="0"/>
+      </a:fillRef>
+      <a:effectRef idx="0">
+        <a:scrgbClr r="0" g="0" b="0"/>
+      </a:effectRef>
+      <a:fontRef idx="minor"/>
+    </dgm:style>
+  </dgm:styleLbl>
+  <dgm:styleLbl name="parChTrans1D1">
+    <dgm:scene3d>
+      <a:camera prst="orthographicFront">
+        <a:rot lat="0" lon="0" rev="0"/>
+      </a:camera>
+      <a:lightRig rig="contrasting" dir="t">
+        <a:rot lat="0" lon="0" rev="1200000"/>
+      </a:lightRig>
+    </dgm:scene3d>
+    <dgm:sp3d z="-110000"/>
+    <dgm:txPr/>
+    <dgm:style>
+      <a:lnRef idx="2">
+        <a:scrgbClr r="0" g="0" b="0"/>
+      </a:lnRef>
+      <a:fillRef idx="0">
+        <a:scrgbClr r="0" g="0" b="0"/>
+      </a:fillRef>
+      <a:effectRef idx="0">
+        <a:scrgbClr r="0" g="0" b="0"/>
+      </a:effectRef>
+      <a:fontRef idx="minor"/>
+    </dgm:style>
+  </dgm:styleLbl>
+  <dgm:styleLbl name="parChTrans1D2">
+    <dgm:scene3d>
+      <a:camera prst="orthographicFront">
+        <a:rot lat="0" lon="0" rev="0"/>
+      </a:camera>
+      <a:lightRig rig="contrasting" dir="t">
+        <a:rot lat="0" lon="0" rev="1200000"/>
+      </a:lightRig>
+    </dgm:scene3d>
+    <dgm:sp3d z="-110000"/>
+    <dgm:txPr/>
+    <dgm:style>
+      <a:lnRef idx="2">
+        <a:scrgbClr r="0" g="0" b="0"/>
+      </a:lnRef>
+      <a:fillRef idx="0">
+        <a:scrgbClr r="0" g="0" b="0"/>
+      </a:fillRef>
+      <a:effectRef idx="0">
+        <a:scrgbClr r="0" g="0" b="0"/>
+      </a:effectRef>
+      <a:fontRef idx="minor"/>
+    </dgm:style>
+  </dgm:styleLbl>
+  <dgm:styleLbl name="parChTrans1D3">
+    <dgm:scene3d>
+      <a:camera prst="orthographicFront">
+        <a:rot lat="0" lon="0" rev="0"/>
+      </a:camera>
+      <a:lightRig rig="contrasting" dir="t">
+        <a:rot lat="0" lon="0" rev="1200000"/>
+      </a:lightRig>
+    </dgm:scene3d>
+    <dgm:sp3d z="-110000"/>
+    <dgm:txPr/>
+    <dgm:style>
+      <a:lnRef idx="2">
+        <a:scrgbClr r="0" g="0" b="0"/>
+      </a:lnRef>
+      <a:fillRef idx="0">
+        <a:scrgbClr r="0" g="0" b="0"/>
+      </a:fillRef>
+      <a:effectRef idx="0">
+        <a:scrgbClr r="0" g="0" b="0"/>
+      </a:effectRef>
+      <a:fontRef idx="minor"/>
+    </dgm:style>
+  </dgm:styleLbl>
+  <dgm:styleLbl name="parChTrans1D4">
+    <dgm:scene3d>
+      <a:camera prst="orthographicFront">
+        <a:rot lat="0" lon="0" rev="0"/>
+      </a:camera>
+      <a:lightRig rig="contrasting" dir="t">
+        <a:rot lat="0" lon="0" rev="1200000"/>
+      </a:lightRig>
+    </dgm:scene3d>
+    <dgm:sp3d z="-110000"/>
+    <dgm:txPr/>
+    <dgm:style>
+      <a:lnRef idx="2">
+        <a:scrgbClr r="0" g="0" b="0"/>
+      </a:lnRef>
+      <a:fillRef idx="0">
+        <a:scrgbClr r="0" g="0" b="0"/>
+      </a:fillRef>
+      <a:effectRef idx="0">
+        <a:scrgbClr r="0" g="0" b="0"/>
+      </a:effectRef>
+      <a:fontRef idx="minor"/>
+    </dgm:style>
+  </dgm:styleLbl>
+  <dgm:styleLbl name="fgAcc1">
+    <dgm:scene3d>
+      <a:camera prst="orthographicFront">
+        <a:rot lat="0" lon="0" rev="0"/>
+      </a:camera>
+      <a:lightRig rig="contrasting" dir="t">
+        <a:rot lat="0" lon="0" rev="1200000"/>
+      </a:lightRig>
+    </dgm:scene3d>
+    <dgm:sp3d z="300000" contourW="19050" prstMaterial="metal">
+      <a:bevelT w="88900" h="203200"/>
+      <a:bevelB w="165100" h="254000"/>
+    </dgm:sp3d>
+    <dgm:txPr/>
+    <dgm:style>
+      <a:lnRef idx="0">
+        <a:scrgbClr r="0" g="0" b="0"/>
+      </a:lnRef>
+      <a:fillRef idx="1">
+        <a:scrgbClr r="0" g="0" b="0"/>
+      </a:fillRef>
+      <a:effectRef idx="0">
+        <a:scrgbClr r="0" g="0" b="0"/>
+      </a:effectRef>
+      <a:fontRef idx="minor"/>
+    </dgm:style>
+  </dgm:styleLbl>
+  <dgm:styleLbl name="conFgAcc1">
+    <dgm:scene3d>
+      <a:camera prst="orthographicFront">
+        <a:rot lat="0" lon="0" rev="0"/>
+      </a:camera>
+      <a:lightRig rig="contrasting" dir="t">
+        <a:rot lat="0" lon="0" rev="1200000"/>
+      </a:lightRig>
+    </dgm:scene3d>
+    <dgm:sp3d z="300000" contourW="19050" prstMaterial="metal">
+      <a:bevelT w="88900" h="203200"/>
+      <a:bevelB w="165100" h="254000"/>
+    </dgm:sp3d>
+    <dgm:txPr/>
+    <dgm:style>
+      <a:lnRef idx="0">
+        <a:scrgbClr r="0" g="0" b="0"/>
+      </a:lnRef>
+      <a:fillRef idx="1">
+        <a:scrgbClr r="0" g="0" b="0"/>
+      </a:fillRef>
+      <a:effectRef idx="0">
+        <a:scrgbClr r="0" g="0" b="0"/>
+      </a:effectRef>
+      <a:fontRef idx="minor"/>
+    </dgm:style>
+  </dgm:styleLbl>
+  <dgm:styleLbl name="alignAcc1">
+    <dgm:scene3d>
+      <a:camera prst="orthographicFront">
+        <a:rot lat="0" lon="0" rev="0"/>
+      </a:camera>
+      <a:lightRig rig="contrasting" dir="t">
+        <a:rot lat="0" lon="0" rev="1200000"/>
+      </a:lightRig>
+    </dgm:scene3d>
+    <dgm:sp3d contourW="19050" prstMaterial="metal">
+      <a:bevelT w="88900" h="203200"/>
+      <a:bevelB w="165100" h="254000"/>
+    </dgm:sp3d>
+    <dgm:txPr/>
+    <dgm:style>
+      <a:lnRef idx="0">
+        <a:scrgbClr r="0" g="0" b="0"/>
+      </a:lnRef>
+      <a:fillRef idx="1">
+        <a:scrgbClr r="0" g="0" b="0"/>
+      </a:fillRef>
+      <a:effectRef idx="0">
+        <a:scrgbClr r="0" g="0" b="0"/>
+      </a:effectRef>
+      <a:fontRef idx="minor"/>
+    </dgm:style>
+  </dgm:styleLbl>
+  <dgm:styleLbl name="trAlignAcc1">
+    <dgm:scene3d>
+      <a:camera prst="orthographicFront">
+        <a:rot lat="0" lon="0" rev="0"/>
+      </a:camera>
+      <a:lightRig rig="contrasting" dir="t">
+        <a:rot lat="0" lon="0" rev="1200000"/>
+      </a:lightRig>
+    </dgm:scene3d>
+    <dgm:sp3d contourW="19050" prstMaterial="metal">
+      <a:bevelT w="88900" h="203200"/>
+      <a:bevelB w="165100" h="254000"/>
+    </dgm:sp3d>
+    <dgm:txPr/>
+    <dgm:style>
+      <a:lnRef idx="0">
+        <a:scrgbClr r="0" g="0" b="0"/>
+      </a:lnRef>
+      <a:fillRef idx="1">
+        <a:scrgbClr r="0" g="0" b="0"/>
+      </a:fillRef>
+      <a:effectRef idx="1">
+        <a:scrgbClr r="0" g="0" b="0"/>
+      </a:effectRef>
+      <a:fontRef idx="minor"/>
+    </dgm:style>
+  </dgm:styleLbl>
+  <dgm:styleLbl name="bgAcc1">
+    <dgm:scene3d>
+      <a:camera prst="orthographicFront">
+        <a:rot lat="0" lon="0" rev="0"/>
+      </a:camera>
+      <a:lightRig rig="contrasting" dir="t">
+        <a:rot lat="0" lon="0" rev="1200000"/>
+      </a:lightRig>
+    </dgm:scene3d>
+    <dgm:sp3d z="-300000" contourW="19050" prstMaterial="metal">
+      <a:bevelT w="88900" h="203200"/>
+      <a:bevelB w="165100" h="254000"/>
+    </dgm:sp3d>
+    <dgm:txPr/>
+    <dgm:style>
+      <a:lnRef idx="0">
+        <a:scrgbClr r="0" g="0" b="0"/>
+      </a:lnRef>
+      <a:fillRef idx="1">
+        <a:scrgbClr r="0" g="0" b="0"/>
+      </a:fillRef>
+      <a:effectRef idx="0">
+        <a:scrgbClr r="0" g="0" b="0"/>
+      </a:effectRef>
+      <a:fontRef idx="minor"/>
+    </dgm:style>
+  </dgm:styleLbl>
+  <dgm:styleLbl name="solidFgAcc1">
+    <dgm:scene3d>
+      <a:camera prst="orthographicFront">
+        <a:rot lat="0" lon="0" rev="0"/>
+      </a:camera>
+      <a:lightRig rig="contrasting" dir="t">
+        <a:rot lat="0" lon="0" rev="1200000"/>
+      </a:lightRig>
+    </dgm:scene3d>
+    <dgm:sp3d z="300000" contourW="12700" prstMaterial="flat">
+      <a:bevelT w="177800" h="254000"/>
+      <a:bevelB w="152400"/>
+    </dgm:sp3d>
+    <dgm:txPr/>
+    <dgm:style>
+      <a:lnRef idx="0">
+        <a:scrgbClr r="0" g="0" b="0"/>
+      </a:lnRef>
+      <a:fillRef idx="1">
+        <a:scrgbClr r="0" g="0" b="0"/>
+      </a:fillRef>
+      <a:effectRef idx="0">
+        <a:scrgbClr r="0" g="0" b="0"/>
+      </a:effectRef>
+      <a:fontRef idx="minor"/>
+    </dgm:style>
+  </dgm:styleLbl>
+  <dgm:styleLbl name="solidAlignAcc1">
+    <dgm:scene3d>
+      <a:camera prst="orthographicFront">
+        <a:rot lat="0" lon="0" rev="0"/>
+      </a:camera>
+      <a:lightRig rig="contrasting" dir="t">
+        <a:rot lat="0" lon="0" rev="1200000"/>
+      </a:lightRig>
+    </dgm:scene3d>
+    <dgm:sp3d contourW="19050" prstMaterial="metal">
+      <a:bevelT w="88900" h="203200"/>
+      <a:bevelB w="165100" h="254000"/>
+    </dgm:sp3d>
+    <dgm:txPr/>
+    <dgm:style>
+      <a:lnRef idx="0">
+        <a:scrgbClr r="0" g="0" b="0"/>
+      </a:lnRef>
+      <a:fillRef idx="1">
+        <a:scrgbClr r="0" g="0" b="0"/>
+      </a:fillRef>
+      <a:effectRef idx="0">
+        <a:scrgbClr r="0" g="0" b="0"/>
+      </a:effectRef>
+      <a:fontRef idx="minor"/>
+    </dgm:style>
+  </dgm:styleLbl>
+  <dgm:styleLbl name="solidBgAcc1">
+    <dgm:scene3d>
+      <a:camera prst="orthographicFront">
+        <a:rot lat="0" lon="0" rev="0"/>
+      </a:camera>
+      <a:lightRig rig="contrasting" dir="t">
+        <a:rot lat="0" lon="0" rev="1200000"/>
+      </a:lightRig>
+    </dgm:scene3d>
+    <dgm:sp3d z="-300000" contourW="19050" prstMaterial="metal">
+      <a:bevelT w="88900" h="203200"/>
+      <a:bevelB w="165100" h="254000"/>
+    </dgm:sp3d>
+    <dgm:txPr/>
+    <dgm:style>
+      <a:lnRef idx="0">
+        <a:scrgbClr r="0" g="0" b="0"/>
+      </a:lnRef>
+      <a:fillRef idx="1">
+        <a:scrgbClr r="0" g="0" b="0"/>
+      </a:fillRef>
+      <a:effectRef idx="0">
+        <a:scrgbClr r="0" g="0" b="0"/>
+      </a:effectRef>
+      <a:fontRef idx="minor"/>
+    </dgm:style>
+  </dgm:styleLbl>
+  <dgm:styleLbl name="fgAccFollowNode1">
+    <dgm:scene3d>
+      <a:camera prst="orthographicFront">
+        <a:rot lat="0" lon="0" rev="0"/>
+      </a:camera>
+      <a:lightRig rig="contrasting" dir="t">
+        <a:rot lat="0" lon="0" rev="1200000"/>
+      </a:lightRig>
+    </dgm:scene3d>
+    <dgm:sp3d z="300000" contourW="19050" prstMaterial="metal">
+      <a:bevelT w="88900" h="203200"/>
+      <a:bevelB w="165100" h="254000"/>
+    </dgm:sp3d>
+    <dgm:txPr/>
+    <dgm:style>
+      <a:lnRef idx="0">
+        <a:scrgbClr r="0" g="0" b="0"/>
+      </a:lnRef>
+      <a:fillRef idx="1">
+        <a:scrgbClr r="0" g="0" b="0"/>
+      </a:fillRef>
+      <a:effectRef idx="0">
+        <a:scrgbClr r="0" g="0" b="0"/>
+      </a:effectRef>
+      <a:fontRef idx="minor"/>
+    </dgm:style>
+  </dgm:styleLbl>
+  <dgm:styleLbl name="alignAccFollowNode1">
+    <dgm:scene3d>
+      <a:camera prst="orthographicFront">
+        <a:rot lat="0" lon="0" rev="0"/>
+      </a:camera>
+      <a:lightRig rig="contrasting" dir="t">
+        <a:rot lat="0" lon="0" rev="1200000"/>
+      </a:lightRig>
+    </dgm:scene3d>
+    <dgm:sp3d contourW="19050" prstMaterial="metal">
+      <a:bevelT w="88900" h="203200"/>
+      <a:bevelB w="165100" h="254000"/>
+    </dgm:sp3d>
+    <dgm:txPr/>
+    <dgm:style>
+      <a:lnRef idx="0">
+        <a:scrgbClr r="0" g="0" b="0"/>
+      </a:lnRef>
+      <a:fillRef idx="1">
+        <a:scrgbClr r="0" g="0" b="0"/>
+      </a:fillRef>
+      <a:effectRef idx="0">
+        <a:scrgbClr r="0" g="0" b="0"/>
+      </a:effectRef>
+      <a:fontRef idx="minor"/>
+    </dgm:style>
+  </dgm:styleLbl>
+  <dgm:styleLbl name="bgAccFollowNode1">
+    <dgm:scene3d>
+      <a:camera prst="orthographicFront">
+        <a:rot lat="0" lon="0" rev="0"/>
+      </a:camera>
+      <a:lightRig rig="contrasting" dir="t">
+        <a:rot lat="0" lon="0" rev="1200000"/>
+      </a:lightRig>
+    </dgm:scene3d>
+    <dgm:sp3d z="-300000" contourW="19050" prstMaterial="metal">
+      <a:bevelT w="88900" h="203200"/>
+      <a:bevelB w="165100" h="254000"/>
+    </dgm:sp3d>
+    <dgm:txPr/>
+    <dgm:style>
+      <a:lnRef idx="0">
+        <a:scrgbClr r="0" g="0" b="0"/>
+      </a:lnRef>
+      <a:fillRef idx="1">
+        <a:scrgbClr r="0" g="0" b="0"/>
+      </a:fillRef>
+      <a:effectRef idx="0">
+        <a:scrgbClr r="0" g="0" b="0"/>
+      </a:effectRef>
+      <a:fontRef idx="minor"/>
+    </dgm:style>
+  </dgm:styleLbl>
+  <dgm:styleLbl name="fgAcc0">
+    <dgm:scene3d>
+      <a:camera prst="orthographicFront">
+        <a:rot lat="0" lon="0" rev="0"/>
+      </a:camera>
+      <a:lightRig rig="contrasting" dir="t">
+        <a:rot lat="0" lon="0" rev="1200000"/>
+      </a:lightRig>
+    </dgm:scene3d>
+    <dgm:sp3d z="300000" contourW="19050" prstMaterial="metal">
+      <a:bevelT w="88900" h="203200"/>
+      <a:bevelB w="165100" h="254000"/>
+    </dgm:sp3d>
+    <dgm:txPr/>
+    <dgm:style>
+      <a:lnRef idx="0">
+        <a:scrgbClr r="0" g="0" b="0"/>
+      </a:lnRef>
+      <a:fillRef idx="1">
+        <a:scrgbClr r="0" g="0" b="0"/>
+      </a:fillRef>
+      <a:effectRef idx="0">
+        <a:scrgbClr r="0" g="0" b="0"/>
+      </a:effectRef>
+      <a:fontRef idx="minor"/>
+    </dgm:style>
+  </dgm:styleLbl>
+  <dgm:styleLbl name="fgAcc2">
+    <dgm:scene3d>
+      <a:camera prst="orthographicFront">
+        <a:rot lat="0" lon="0" rev="0"/>
+      </a:camera>
+      <a:lightRig rig="contrasting" dir="t">
+        <a:rot lat="0" lon="0" rev="1200000"/>
+      </a:lightRig>
+    </dgm:scene3d>
+    <dgm:sp3d z="300000" contourW="19050" prstMaterial="metal">
+      <a:bevelT w="88900" h="203200"/>
+      <a:bevelB w="165100" h="254000"/>
+    </dgm:sp3d>
+    <dgm:txPr/>
+    <dgm:style>
+      <a:lnRef idx="0">
+        <a:scrgbClr r="0" g="0" b="0"/>
+      </a:lnRef>
+      <a:fillRef idx="1">
+        <a:scrgbClr r="0" g="0" b="0"/>
+      </a:fillRef>
+      <a:effectRef idx="0">
+        <a:scrgbClr r="0" g="0" b="0"/>
+      </a:effectRef>
+      <a:fontRef idx="minor"/>
+    </dgm:style>
+  </dgm:styleLbl>
+  <dgm:styleLbl name="fgAcc3">
+    <dgm:scene3d>
+      <a:camera prst="orthographicFront">
+        <a:rot lat="0" lon="0" rev="0"/>
+      </a:camera>
+      <a:lightRig rig="contrasting" dir="t">
+        <a:rot lat="0" lon="0" rev="1200000"/>
+      </a:lightRig>
+    </dgm:scene3d>
+    <dgm:sp3d z="300000" contourW="19050" prstMaterial="metal">
+      <a:bevelT w="88900" h="203200"/>
+      <a:bevelB w="165100" h="254000"/>
+    </dgm:sp3d>
+    <dgm:txPr/>
+    <dgm:style>
+      <a:lnRef idx="0">
+        <a:scrgbClr r="0" g="0" b="0"/>
+      </a:lnRef>
+      <a:fillRef idx="1">
+        <a:scrgbClr r="0" g="0" b="0"/>
+      </a:fillRef>
+      <a:effectRef idx="0">
+        <a:scrgbClr r="0" g="0" b="0"/>
+      </a:effectRef>
+      <a:fontRef idx="minor"/>
+    </dgm:style>
+  </dgm:styleLbl>
+  <dgm:styleLbl name="fgAcc4">
+    <dgm:scene3d>
+      <a:camera prst="orthographicFront">
+        <a:rot lat="0" lon="0" rev="0"/>
+      </a:camera>
+      <a:lightRig rig="contrasting" dir="t">
+        <a:rot lat="0" lon="0" rev="1200000"/>
+      </a:lightRig>
+    </dgm:scene3d>
+    <dgm:sp3d z="300000" contourW="19050" prstMaterial="metal">
+      <a:bevelT w="88900" h="203200"/>
+      <a:bevelB w="165100" h="254000"/>
+    </dgm:sp3d>
+    <dgm:txPr/>
+    <dgm:style>
+      <a:lnRef idx="0">
+        <a:scrgbClr r="0" g="0" b="0"/>
+      </a:lnRef>
+      <a:fillRef idx="1">
+        <a:scrgbClr r="0" g="0" b="0"/>
+      </a:fillRef>
+      <a:effectRef idx="0">
+        <a:scrgbClr r="0" g="0" b="0"/>
+      </a:effectRef>
+      <a:fontRef idx="minor"/>
+    </dgm:style>
+  </dgm:styleLbl>
+  <dgm:styleLbl name="bgShp">
+    <dgm:scene3d>
+      <a:camera prst="orthographicFront">
+        <a:rot lat="0" lon="0" rev="0"/>
+      </a:camera>
+      <a:lightRig rig="contrasting" dir="t">
+        <a:rot lat="0" lon="0" rev="1200000"/>
+      </a:lightRig>
+    </dgm:scene3d>
+    <dgm:sp3d z="-300000" prstMaterial="plastic"/>
+    <dgm:txPr/>
+    <dgm:style>
+      <a:lnRef idx="1">
+        <a:scrgbClr r="0" g="0" b="0"/>
+      </a:lnRef>
+      <a:fillRef idx="1">
+        <a:scrgbClr r="0" g="0" b="0"/>
+      </a:fillRef>
+      <a:effectRef idx="0">
+        <a:scrgbClr r="0" g="0" b="0"/>
+      </a:effectRef>
+      <a:fontRef idx="minor"/>
+    </dgm:style>
+  </dgm:styleLbl>
+  <dgm:styleLbl name="dkBgShp">
+    <dgm:scene3d>
+      <a:camera prst="orthographicFront">
+        <a:rot lat="0" lon="0" rev="0"/>
+      </a:camera>
+      <a:lightRig rig="contrasting" dir="t">
+        <a:rot lat="0" lon="0" rev="1200000"/>
+      </a:lightRig>
+    </dgm:scene3d>
+    <dgm:sp3d contourW="12700" prstMaterial="flat">
+      <a:bevelT w="100800" h="154000"/>
+      <a:bevelB w="152400"/>
+    </dgm:sp3d>
+    <dgm:txPr/>
+    <dgm:style>
+      <a:lnRef idx="0">
+        <a:scrgbClr r="0" g="0" b="0"/>
+      </a:lnRef>
+      <a:fillRef idx="1">
+        <a:scrgbClr r="0" g="0" b="0"/>
+      </a:fillRef>
+      <a:effectRef idx="0">
+        <a:scrgbClr r="0" g="0" b="0"/>
+      </a:effectRef>
+      <a:fontRef idx="minor"/>
+    </dgm:style>
+  </dgm:styleLbl>
+  <dgm:styleLbl name="trBgShp">
+    <dgm:scene3d>
+      <a:camera prst="orthographicFront">
+        <a:rot lat="0" lon="0" rev="0"/>
+      </a:camera>
+      <a:lightRig rig="contrasting" dir="t">
+        <a:rot lat="0" lon="0" rev="1200000"/>
+      </a:lightRig>
+    </dgm:scene3d>
+    <dgm:sp3d z="-152400" prstMaterial="matte"/>
+    <dgm:txPr/>
+    <dgm:style>
+      <a:lnRef idx="1">
+        <a:scrgbClr r="0" g="0" b="0"/>
+      </a:lnRef>
+      <a:fillRef idx="1">
+        <a:scrgbClr r="0" g="0" b="0"/>
+      </a:fillRef>
+      <a:effectRef idx="0">
+        <a:scrgbClr r="0" g="0" b="0"/>
+      </a:effectRef>
+      <a:fontRef idx="minor"/>
+    </dgm:style>
+  </dgm:styleLbl>
+  <dgm:styleLbl name="fgShp">
+    <dgm:scene3d>
+      <a:camera prst="orthographicFront">
+        <a:rot lat="0" lon="0" rev="0"/>
+      </a:camera>
+      <a:lightRig rig="contrasting" dir="t">
+        <a:rot lat="0" lon="0" rev="1200000"/>
+      </a:lightRig>
+    </dgm:scene3d>
+    <dgm:sp3d z="300000" contourW="19050" prstMaterial="metal">
+      <a:bevelT w="88900" h="203200"/>
+      <a:bevelB w="165100" h="254000"/>
+    </dgm:sp3d>
+    <dgm:txPr/>
+    <dgm:style>
+      <a:lnRef idx="0">
+        <a:scrgbClr r="0" g="0" b="0"/>
+      </a:lnRef>
+      <a:fillRef idx="1">
+        <a:scrgbClr r="0" g="0" b="0"/>
+      </a:fillRef>
+      <a:effectRef idx="0">
+        <a:scrgbClr r="0" g="0" b="0"/>
+      </a:effectRef>
+      <a:fontRef idx="minor"/>
+    </dgm:style>
+  </dgm:styleLbl>
+  <dgm:styleLbl name="revTx">
+    <dgm:scene3d>
+      <a:camera prst="orthographicFront"/>
+      <a:lightRig rig="threePt" dir="t"/>
+    </dgm:scene3d>
+    <dgm:sp3d/>
+    <dgm:txPr/>
+    <dgm:style>
+      <a:lnRef idx="1">
+        <a:scrgbClr r="0" g="0" b="0"/>
+      </a:lnRef>
+      <a:fillRef idx="0">
+        <a:scrgbClr r="0" g="0" b="0"/>
+      </a:fillRef>
+      <a:effectRef idx="0">
+        <a:scrgbClr r="0" g="0" b="0"/>
+      </a:effectRef>
+      <a:fontRef idx="minor"/>
+    </dgm:style>
+  </dgm:styleLbl>
+</dgm:styleDef>
+</file>
+
 <file path=ppt/notesMasters/notesMaster1.xml><?xml version="1.0" encoding="utf-8"?>
 <p:notesMaster xmlns:a="http://schemas.openxmlformats.org/drawingml/2006/main" xmlns:r="http://schemas.openxmlformats.org/officeDocument/2006/relationships" xmlns:p="http://schemas.openxmlformats.org/presentationml/2006/main">
   <p:cSld>
@@ -239,7 +5011,7 @@
           <a:p>
             <a:fld id="{E387F330-4826-4089-A28C-831DA7043AFC}" type="datetimeFigureOut">
               <a:rPr lang="fr-FR" smtClean="0"/>
-              <a:t>26/04/2016</a:t>
+              <a:t>27/04/2016</a:t>
             </a:fld>
             <a:endParaRPr lang="fr-FR"/>
           </a:p>
@@ -5143,6 +9915,90 @@
             <a:fld id="{1BEC7A62-3022-4DB9-A48D-EB7AC6DB1BAB}" type="slidenum">
               <a:rPr lang="fr-FR" smtClean="0"/>
               <a:t>31</a:t>
+            </a:fld>
+            <a:endParaRPr lang="fr-FR"/>
+          </a:p>
+        </p:txBody>
+      </p:sp>
+    </p:spTree>
+    <p:extLst>
+      <p:ext uri="{BB962C8B-B14F-4D97-AF65-F5344CB8AC3E}">
+        <p14:creationId xmlns:p14="http://schemas.microsoft.com/office/powerpoint/2010/main" val="1971982647"/>
+      </p:ext>
+    </p:extLst>
+  </p:cSld>
+  <p:clrMapOvr>
+    <a:masterClrMapping/>
+  </p:clrMapOvr>
+</p:notes>
+</file>
+
+<file path=ppt/notesSlides/notesSlide28.xml><?xml version="1.0" encoding="utf-8"?>
+<p:notes xmlns:a="http://schemas.openxmlformats.org/drawingml/2006/main" xmlns:r="http://schemas.openxmlformats.org/officeDocument/2006/relationships" xmlns:p="http://schemas.openxmlformats.org/presentationml/2006/main">
+  <p:cSld>
+    <p:spTree>
+      <p:nvGrpSpPr>
+        <p:cNvPr id="1" name=""/>
+        <p:cNvGrpSpPr/>
+        <p:nvPr/>
+      </p:nvGrpSpPr>
+      <p:grpSpPr>
+        <a:xfrm>
+          <a:off x="0" y="0"/>
+          <a:ext cx="0" cy="0"/>
+          <a:chOff x="0" y="0"/>
+          <a:chExt cx="0" cy="0"/>
+        </a:xfrm>
+      </p:grpSpPr>
+      <p:sp>
+        <p:nvSpPr>
+          <p:cNvPr id="2" name="Espace réservé de l'image des diapositives 1"/>
+          <p:cNvSpPr>
+            <a:spLocks noGrp="1" noRot="1" noChangeAspect="1"/>
+          </p:cNvSpPr>
+          <p:nvPr>
+            <p:ph type="sldImg"/>
+          </p:nvPr>
+        </p:nvSpPr>
+        <p:spPr/>
+      </p:sp>
+      <p:sp>
+        <p:nvSpPr>
+          <p:cNvPr id="3" name="Espace réservé des commentaires 2"/>
+          <p:cNvSpPr>
+            <a:spLocks noGrp="1"/>
+          </p:cNvSpPr>
+          <p:nvPr>
+            <p:ph type="body" idx="1"/>
+          </p:nvPr>
+        </p:nvSpPr>
+        <p:spPr/>
+        <p:txBody>
+          <a:bodyPr/>
+          <a:lstStyle/>
+          <a:p>
+            <a:endParaRPr lang="fr-FR" dirty="0"/>
+          </a:p>
+        </p:txBody>
+      </p:sp>
+      <p:sp>
+        <p:nvSpPr>
+          <p:cNvPr id="4" name="Espace réservé du numéro de diapositive 3"/>
+          <p:cNvSpPr>
+            <a:spLocks noGrp="1"/>
+          </p:cNvSpPr>
+          <p:nvPr>
+            <p:ph type="sldNum" sz="quarter" idx="10"/>
+          </p:nvPr>
+        </p:nvSpPr>
+        <p:spPr/>
+        <p:txBody>
+          <a:bodyPr/>
+          <a:lstStyle/>
+          <a:p>
+            <a:fld id="{1BEC7A62-3022-4DB9-A48D-EB7AC6DB1BAB}" type="slidenum">
+              <a:rPr lang="fr-FR" smtClean="0"/>
+              <a:t>33</a:t>
             </a:fld>
             <a:endParaRPr lang="fr-FR"/>
           </a:p>
@@ -15049,7 +19905,7 @@
         <p:spPr>
           <a:xfrm>
             <a:off x="971600" y="1776065"/>
-            <a:ext cx="4824536" cy="2805063"/>
+            <a:ext cx="4824536" cy="2862322"/>
           </a:xfrm>
           <a:prstGeom prst="rect">
             <a:avLst/>
@@ -15138,8 +19994,9 @@
             </a:pPr>
             <a:r>
               <a:rPr lang="fr-FR" sz="2400" dirty="0" smtClean="0"/>
-              <a:t>Cas d’utilisation</a:t>
-            </a:r>
+              <a:t>Démo</a:t>
+            </a:r>
+            <a:endParaRPr lang="fr-FR" sz="2400" dirty="0" smtClean="0"/>
           </a:p>
         </p:txBody>
       </p:sp>
@@ -19175,7 +24032,23 @@
             </a:pPr>
             <a:r>
               <a:rPr lang="fr-FR" dirty="0" smtClean="0"/>
-              <a:t>Go fournit des outils pour exécuter des tests :</a:t>
+              <a:t>Go fournit des outils pour exécuter des </a:t>
+            </a:r>
+            <a:r>
+              <a:rPr lang="fr-FR" dirty="0" smtClean="0"/>
+              <a:t>tests (fichier suffixé par *</a:t>
+            </a:r>
+            <a:r>
+              <a:rPr lang="fr-FR" dirty="0" err="1" smtClean="0"/>
+              <a:t>test.go</a:t>
+            </a:r>
+            <a:r>
+              <a:rPr lang="fr-FR" dirty="0" smtClean="0"/>
+              <a:t>) </a:t>
+            </a:r>
+            <a:r>
+              <a:rPr lang="fr-FR" dirty="0" smtClean="0"/>
+              <a:t>:</a:t>
             </a:r>
           </a:p>
           <a:p>
@@ -21411,7 +26284,7 @@
         <p:spPr>
           <a:xfrm>
             <a:off x="755576" y="2372687"/>
-            <a:ext cx="7704856" cy="1711366"/>
+            <a:ext cx="7704856" cy="2585323"/>
           </a:xfrm>
           <a:prstGeom prst="rect">
             <a:avLst/>
@@ -21443,8 +26316,45 @@
             </a:r>
             <a:r>
               <a:rPr lang="fr-FR" i="1" dirty="0" smtClean="0"/>
-              <a:t> avec des packages de même nom, il y aura des conflits. Pensez à créer des packages différents et à réutiliser au maximum vos sources.</a:t>
-            </a:r>
+              <a:t> avec des packages de même nom, il y aura des conflits. Pensez à créer des packages différents et à réutiliser au maximum vos sources</a:t>
+            </a:r>
+            <a:r>
+              <a:rPr lang="fr-FR" i="1" dirty="0" smtClean="0"/>
+              <a:t>.</a:t>
+            </a:r>
+          </a:p>
+          <a:p>
+            <a:pPr marL="285750" indent="-285750">
+              <a:lnSpc>
+                <a:spcPct val="150000"/>
+              </a:lnSpc>
+              <a:buClr>
+                <a:srgbClr val="0070C0"/>
+              </a:buClr>
+              <a:buFont typeface="Wingdings" panose="05000000000000000000" pitchFamily="2" charset="2"/>
+              <a:buChar char=""/>
+            </a:pPr>
+            <a:r>
+              <a:rPr lang="fr-FR" i="1" dirty="0" smtClean="0"/>
+              <a:t>Pas de limitation mémoire comme en java avec </a:t>
+            </a:r>
+            <a:r>
+              <a:rPr lang="fr-FR" i="1" dirty="0" err="1" smtClean="0"/>
+              <a:t>Xmx</a:t>
+            </a:r>
+            <a:r>
+              <a:rPr lang="fr-FR" i="1" dirty="0" smtClean="0"/>
+              <a:t> : si trop de mémoire, </a:t>
+            </a:r>
+            <a:r>
+              <a:rPr lang="fr-FR" i="1" dirty="0" err="1" smtClean="0"/>
+              <a:t>freeze</a:t>
+            </a:r>
+            <a:r>
+              <a:rPr lang="fr-FR" i="1" dirty="0" smtClean="0"/>
+              <a:t>.</a:t>
+            </a:r>
+            <a:endParaRPr lang="fr-FR" i="1" dirty="0" smtClean="0"/>
           </a:p>
           <a:p>
             <a:pPr marL="285750" indent="-285750">
@@ -21732,6 +26642,243 @@
     <p:extLst>
       <p:ext uri="{BB962C8B-B14F-4D97-AF65-F5344CB8AC3E}">
         <p14:creationId xmlns:p14="http://schemas.microsoft.com/office/powerpoint/2010/main" val="4057910215"/>
+      </p:ext>
+    </p:extLst>
+  </p:cSld>
+  <p:clrMapOvr>
+    <a:masterClrMapping/>
+  </p:clrMapOvr>
+  <p:timing>
+    <p:tnLst>
+      <p:par>
+        <p:cTn id="1" dur="indefinite" restart="never" nodeType="tmRoot"/>
+      </p:par>
+    </p:tnLst>
+  </p:timing>
+</p:sld>
+</file>
+
+<file path=ppt/slides/slide33.xml><?xml version="1.0" encoding="utf-8"?>
+<p:sld xmlns:a="http://schemas.openxmlformats.org/drawingml/2006/main" xmlns:r="http://schemas.openxmlformats.org/officeDocument/2006/relationships" xmlns:p="http://schemas.openxmlformats.org/presentationml/2006/main">
+  <p:cSld>
+    <p:spTree>
+      <p:nvGrpSpPr>
+        <p:cNvPr id="1" name=""/>
+        <p:cNvGrpSpPr/>
+        <p:nvPr/>
+      </p:nvGrpSpPr>
+      <p:grpSpPr>
+        <a:xfrm>
+          <a:off x="0" y="0"/>
+          <a:ext cx="0" cy="0"/>
+          <a:chOff x="0" y="0"/>
+          <a:chExt cx="0" cy="0"/>
+        </a:xfrm>
+      </p:grpSpPr>
+      <p:sp>
+        <p:nvSpPr>
+          <p:cNvPr id="2" name="Titre 1"/>
+          <p:cNvSpPr>
+            <a:spLocks noGrp="1"/>
+          </p:cNvSpPr>
+          <p:nvPr>
+            <p:ph type="title"/>
+          </p:nvPr>
+        </p:nvSpPr>
+        <p:spPr/>
+        <p:txBody>
+          <a:bodyPr/>
+          <a:lstStyle/>
+          <a:p>
+            <a:r>
+              <a:rPr lang="fr-FR" dirty="0" smtClean="0"/>
+              <a:t>Démo</a:t>
+            </a:r>
+            <a:endParaRPr lang="fr-FR" dirty="0"/>
+          </a:p>
+        </p:txBody>
+      </p:sp>
+      <p:sp>
+        <p:nvSpPr>
+          <p:cNvPr id="5" name="Espace réservé du numéro de diapositive 4"/>
+          <p:cNvSpPr>
+            <a:spLocks noGrp="1"/>
+          </p:cNvSpPr>
+          <p:nvPr>
+            <p:ph type="sldNum" sz="quarter" idx="12"/>
+          </p:nvPr>
+        </p:nvSpPr>
+        <p:spPr/>
+        <p:txBody>
+          <a:bodyPr/>
+          <a:lstStyle/>
+          <a:p>
+            <a:fld id="{E28C35B4-88CE-4D8E-BE0B-4782DE99A8D3}" type="slidenum">
+              <a:rPr lang="fr-FR" smtClean="0"/>
+              <a:t>33</a:t>
+            </a:fld>
+            <a:endParaRPr lang="fr-FR"/>
+          </a:p>
+        </p:txBody>
+      </p:sp>
+      <p:sp>
+        <p:nvSpPr>
+          <p:cNvPr id="6" name="Espace réservé du pied de page 7"/>
+          <p:cNvSpPr txBox="1">
+            <a:spLocks/>
+          </p:cNvSpPr>
+          <p:nvPr/>
+        </p:nvSpPr>
+        <p:spPr>
+          <a:xfrm>
+            <a:off x="0" y="6165305"/>
+            <a:ext cx="8532440" cy="692696"/>
+          </a:xfrm>
+          <a:prstGeom prst="rect">
+            <a:avLst/>
+          </a:prstGeom>
+        </p:spPr>
+        <p:txBody>
+          <a:bodyPr vert="horz" lIns="91440" tIns="45720" rIns="91440" bIns="45720" rtlCol="0" anchor="ctr"/>
+          <a:lstStyle>
+            <a:defPPr>
+              <a:defRPr lang="fr-FR"/>
+            </a:defPPr>
+            <a:lvl1pPr marL="0" algn="ctr" defTabSz="914400" rtl="0" eaLnBrk="1" latinLnBrk="0" hangingPunct="1">
+              <a:defRPr sz="923" kern="1200">
+                <a:solidFill>
+                  <a:srgbClr val="FFFFFF"/>
+                </a:solidFill>
+                <a:latin typeface="+mn-lt"/>
+                <a:ea typeface="+mn-ea"/>
+                <a:cs typeface="+mn-cs"/>
+              </a:defRPr>
+            </a:lvl1pPr>
+            <a:lvl2pPr marL="457200" algn="l" defTabSz="914400" rtl="0" eaLnBrk="1" latinLnBrk="0" hangingPunct="1">
+              <a:defRPr sz="1800" kern="1200">
+                <a:solidFill>
+                  <a:schemeClr val="tx1"/>
+                </a:solidFill>
+                <a:latin typeface="+mn-lt"/>
+                <a:ea typeface="+mn-ea"/>
+                <a:cs typeface="+mn-cs"/>
+              </a:defRPr>
+            </a:lvl2pPr>
+            <a:lvl3pPr marL="914400" algn="l" defTabSz="914400" rtl="0" eaLnBrk="1" latinLnBrk="0" hangingPunct="1">
+              <a:defRPr sz="1800" kern="1200">
+                <a:solidFill>
+                  <a:schemeClr val="tx1"/>
+                </a:solidFill>
+                <a:latin typeface="+mn-lt"/>
+                <a:ea typeface="+mn-ea"/>
+                <a:cs typeface="+mn-cs"/>
+              </a:defRPr>
+            </a:lvl3pPr>
+            <a:lvl4pPr marL="1371600" algn="l" defTabSz="914400" rtl="0" eaLnBrk="1" latinLnBrk="0" hangingPunct="1">
+              <a:defRPr sz="1800" kern="1200">
+                <a:solidFill>
+                  <a:schemeClr val="tx1"/>
+                </a:solidFill>
+                <a:latin typeface="+mn-lt"/>
+                <a:ea typeface="+mn-ea"/>
+                <a:cs typeface="+mn-cs"/>
+              </a:defRPr>
+            </a:lvl4pPr>
+            <a:lvl5pPr marL="1828800" algn="l" defTabSz="914400" rtl="0" eaLnBrk="1" latinLnBrk="0" hangingPunct="1">
+              <a:defRPr sz="1800" kern="1200">
+                <a:solidFill>
+                  <a:schemeClr val="tx1"/>
+                </a:solidFill>
+                <a:latin typeface="+mn-lt"/>
+                <a:ea typeface="+mn-ea"/>
+                <a:cs typeface="+mn-cs"/>
+              </a:defRPr>
+            </a:lvl5pPr>
+            <a:lvl6pPr marL="2286000" algn="l" defTabSz="914400" rtl="0" eaLnBrk="1" latinLnBrk="0" hangingPunct="1">
+              <a:defRPr sz="1800" kern="1200">
+                <a:solidFill>
+                  <a:schemeClr val="tx1"/>
+                </a:solidFill>
+                <a:latin typeface="+mn-lt"/>
+                <a:ea typeface="+mn-ea"/>
+                <a:cs typeface="+mn-cs"/>
+              </a:defRPr>
+            </a:lvl6pPr>
+            <a:lvl7pPr marL="2743200" algn="l" defTabSz="914400" rtl="0" eaLnBrk="1" latinLnBrk="0" hangingPunct="1">
+              <a:defRPr sz="1800" kern="1200">
+                <a:solidFill>
+                  <a:schemeClr val="tx1"/>
+                </a:solidFill>
+                <a:latin typeface="+mn-lt"/>
+                <a:ea typeface="+mn-ea"/>
+                <a:cs typeface="+mn-cs"/>
+              </a:defRPr>
+            </a:lvl7pPr>
+            <a:lvl8pPr marL="3200400" algn="l" defTabSz="914400" rtl="0" eaLnBrk="1" latinLnBrk="0" hangingPunct="1">
+              <a:defRPr sz="1800" kern="1200">
+                <a:solidFill>
+                  <a:schemeClr val="tx1"/>
+                </a:solidFill>
+                <a:latin typeface="+mn-lt"/>
+                <a:ea typeface="+mn-ea"/>
+                <a:cs typeface="+mn-cs"/>
+              </a:defRPr>
+            </a:lvl8pPr>
+            <a:lvl9pPr marL="3657600" algn="l" defTabSz="914400" rtl="0" eaLnBrk="1" latinLnBrk="0" hangingPunct="1">
+              <a:defRPr sz="1800" kern="1200">
+                <a:solidFill>
+                  <a:schemeClr val="tx1"/>
+                </a:solidFill>
+                <a:latin typeface="+mn-lt"/>
+                <a:ea typeface="+mn-ea"/>
+                <a:cs typeface="+mn-cs"/>
+              </a:defRPr>
+            </a:lvl9pPr>
+          </a:lstStyle>
+          <a:p>
+            <a:pPr algn="r"/>
+            <a:r>
+              <a:rPr lang="fr-FR" sz="2000" dirty="0" smtClean="0">
+                <a:solidFill>
+                  <a:srgbClr val="0070C0"/>
+                </a:solidFill>
+              </a:rPr>
+              <a:t>Démo</a:t>
+            </a:r>
+            <a:endParaRPr lang="fr-FR" sz="2000" dirty="0">
+              <a:solidFill>
+                <a:srgbClr val="0070C0"/>
+              </a:solidFill>
+            </a:endParaRPr>
+          </a:p>
+        </p:txBody>
+      </p:sp>
+      <p:graphicFrame>
+        <p:nvGraphicFramePr>
+          <p:cNvPr id="3" name="Diagramme 2"/>
+          <p:cNvGraphicFramePr/>
+          <p:nvPr>
+            <p:extLst>
+              <p:ext uri="{D42A27DB-BD31-4B8C-83A1-F6EECF244321}">
+                <p14:modId xmlns:p14="http://schemas.microsoft.com/office/powerpoint/2010/main" val="994583302"/>
+              </p:ext>
+            </p:extLst>
+          </p:nvPr>
+        </p:nvGraphicFramePr>
+        <p:xfrm>
+          <a:off x="683568" y="1397000"/>
+          <a:ext cx="7848872" cy="4064000"/>
+        </p:xfrm>
+        <a:graphic>
+          <a:graphicData uri="http://schemas.openxmlformats.org/drawingml/2006/diagram">
+            <dgm:relIds xmlns:dgm="http://schemas.openxmlformats.org/drawingml/2006/diagram" xmlns:r="http://schemas.openxmlformats.org/officeDocument/2006/relationships" r:dm="rId3" r:lo="rId4" r:qs="rId5" r:cs="rId6"/>
+          </a:graphicData>
+        </a:graphic>
+      </p:graphicFrame>
+    </p:spTree>
+    <p:extLst>
+      <p:ext uri="{BB962C8B-B14F-4D97-AF65-F5344CB8AC3E}">
+        <p14:creationId xmlns:p14="http://schemas.microsoft.com/office/powerpoint/2010/main" val="4263538871"/>
       </p:ext>
     </p:extLst>
   </p:cSld>
@@ -22024,14 +27171,10 @@
   </p:clrMapOvr>
   <mc:AlternateContent xmlns:mc="http://schemas.openxmlformats.org/markup-compatibility/2006" xmlns:p14="http://schemas.microsoft.com/office/powerpoint/2010/main">
     <mc:Choice Requires="p14">
-      <p:transition spd="med" p14:dur="700">
-        <p:fade/>
-      </p:transition>
+      <p:transition p14:dur="0"/>
     </mc:Choice>
     <mc:Fallback xmlns="">
-      <p:transition spd="med">
-        <p:fade/>
-      </p:transition>
+      <p:transition/>
     </mc:Fallback>
   </mc:AlternateContent>
   <p:timing>
